--- a/4.Test&evaluation.pptx
+++ b/4.Test&evaluation.pptx
@@ -5,37 +5,42 @@
     <p:sldMasterId id="2147483648" r:id="rId1"/>
   </p:sldMasterIdLst>
   <p:notesMasterIdLst>
-    <p:notesMasterId r:id="rId8"/>
+    <p:notesMasterId r:id="rId13"/>
   </p:notesMasterIdLst>
   <p:sldIdLst>
     <p:sldId id="271" r:id="rId2"/>
-    <p:sldId id="299" r:id="rId3"/>
-    <p:sldId id="306" r:id="rId4"/>
-    <p:sldId id="305" r:id="rId5"/>
-    <p:sldId id="307" r:id="rId6"/>
-    <p:sldId id="308" r:id="rId7"/>
+    <p:sldId id="309" r:id="rId3"/>
+    <p:sldId id="310" r:id="rId4"/>
+    <p:sldId id="311" r:id="rId5"/>
+    <p:sldId id="312" r:id="rId6"/>
+    <p:sldId id="313" r:id="rId7"/>
+    <p:sldId id="299" r:id="rId8"/>
+    <p:sldId id="306" r:id="rId9"/>
+    <p:sldId id="305" r:id="rId10"/>
+    <p:sldId id="307" r:id="rId11"/>
+    <p:sldId id="308" r:id="rId12"/>
   </p:sldIdLst>
   <p:sldSz cx="9144000" cy="6858000" type="screen4x3"/>
   <p:notesSz cx="6805613" cy="9939338"/>
   <p:embeddedFontLst>
     <p:embeddedFont>
-      <p:font typeface="KoreanYNSJG2R" panose="02020600000000000000" pitchFamily="18" charset="-127"/>
-      <p:regular r:id="rId9"/>
-    </p:embeddedFont>
-    <p:embeddedFont>
       <p:font typeface="나눔고딕" panose="020D0604000000000000" pitchFamily="34" charset="-127"/>
-      <p:regular r:id="rId10"/>
-      <p:bold r:id="rId11"/>
+      <p:regular r:id="rId14"/>
+      <p:bold r:id="rId15"/>
     </p:embeddedFont>
     <p:embeddedFont>
       <p:font typeface="나눔고딕 ExtraBold" panose="020D0604000000000000" pitchFamily="34" charset="-127"/>
-      <p:regular r:id="rId12"/>
-      <p:bold r:id="rId13"/>
+      <p:regular r:id="rId16"/>
+      <p:bold r:id="rId17"/>
     </p:embeddedFont>
     <p:embeddedFont>
       <p:font typeface="맑은 고딕" panose="020B0503020000020004" pitchFamily="34" charset="-127"/>
-      <p:regular r:id="rId14"/>
-      <p:bold r:id="rId15"/>
+      <p:regular r:id="rId18"/>
+      <p:bold r:id="rId19"/>
+    </p:embeddedFont>
+    <p:embeddedFont>
+      <p:font typeface="KoreanYNSJG2R" panose="02020600000000000000" pitchFamily="18" charset="-127"/>
+      <p:regular r:id="rId20"/>
     </p:embeddedFont>
   </p:embeddedFontLst>
   <p:defaultTextStyle>
@@ -235,7 +240,7 @@
             <a:fld id="{8FE3A397-4DC3-46CE-9AE3-45BE39C97A59}" type="datetimeFigureOut">
               <a:rPr lang="ko-KR" altLang="en-US" smtClean="0"/>
               <a:pPr/>
-              <a:t>2018. 10. 16.</a:t>
+              <a:t>2018. 10. 17.</a:t>
             </a:fld>
             <a:endParaRPr lang="ko-KR" altLang="en-US"/>
           </a:p>
@@ -575,7 +580,92 @@
     </p:spTree>
     <p:extLst>
       <p:ext uri="{BB962C8B-B14F-4D97-AF65-F5344CB8AC3E}">
-        <p14:creationId xmlns:p14="http://schemas.microsoft.com/office/powerpoint/2010/main" val="2831731815"/>
+        <p14:creationId xmlns:p14="http://schemas.microsoft.com/office/powerpoint/2010/main" val="2063041719"/>
+      </p:ext>
+    </p:extLst>
+  </p:cSld>
+  <p:clrMapOvr>
+    <a:masterClrMapping/>
+  </p:clrMapOvr>
+</p:notes>
+</file>
+
+<file path=ppt/notesSlides/notesSlide10.xml><?xml version="1.0" encoding="utf-8"?>
+<p:notes xmlns:a="http://schemas.openxmlformats.org/drawingml/2006/main" xmlns:r="http://schemas.openxmlformats.org/officeDocument/2006/relationships" xmlns:p="http://schemas.openxmlformats.org/presentationml/2006/main">
+  <p:cSld>
+    <p:spTree>
+      <p:nvGrpSpPr>
+        <p:cNvPr id="1" name=""/>
+        <p:cNvGrpSpPr/>
+        <p:nvPr/>
+      </p:nvGrpSpPr>
+      <p:grpSpPr>
+        <a:xfrm>
+          <a:off x="0" y="0"/>
+          <a:ext cx="0" cy="0"/>
+          <a:chOff x="0" y="0"/>
+          <a:chExt cx="0" cy="0"/>
+        </a:xfrm>
+      </p:grpSpPr>
+      <p:sp>
+        <p:nvSpPr>
+          <p:cNvPr id="2" name="슬라이드 이미지 개체 틀 1"/>
+          <p:cNvSpPr>
+            <a:spLocks noGrp="1" noRot="1" noChangeAspect="1"/>
+          </p:cNvSpPr>
+          <p:nvPr>
+            <p:ph type="sldImg"/>
+          </p:nvPr>
+        </p:nvSpPr>
+        <p:spPr/>
+      </p:sp>
+      <p:sp>
+        <p:nvSpPr>
+          <p:cNvPr id="3" name="슬라이드 노트 개체 틀 2"/>
+          <p:cNvSpPr>
+            <a:spLocks noGrp="1"/>
+          </p:cNvSpPr>
+          <p:nvPr>
+            <p:ph type="body" idx="1"/>
+          </p:nvPr>
+        </p:nvSpPr>
+        <p:spPr/>
+        <p:txBody>
+          <a:bodyPr/>
+          <a:lstStyle/>
+          <a:p>
+            <a:endParaRPr kumimoji="1" lang="ko-KR" altLang="en-US" dirty="0"/>
+          </a:p>
+        </p:txBody>
+      </p:sp>
+      <p:sp>
+        <p:nvSpPr>
+          <p:cNvPr id="4" name="슬라이드 번호 개체 틀 3"/>
+          <p:cNvSpPr>
+            <a:spLocks noGrp="1"/>
+          </p:cNvSpPr>
+          <p:nvPr>
+            <p:ph type="sldNum" sz="quarter" idx="5"/>
+          </p:nvPr>
+        </p:nvSpPr>
+        <p:spPr/>
+        <p:txBody>
+          <a:bodyPr/>
+          <a:lstStyle/>
+          <a:p>
+            <a:fld id="{ABDF5DD3-10C4-4F53-9E08-2A05AD183D37}" type="slidenum">
+              <a:rPr lang="ko-KR" altLang="en-US" smtClean="0"/>
+              <a:pPr/>
+              <a:t>11</a:t>
+            </a:fld>
+            <a:endParaRPr lang="ko-KR" altLang="en-US"/>
+          </a:p>
+        </p:txBody>
+      </p:sp>
+    </p:spTree>
+    <p:extLst>
+      <p:ext uri="{BB962C8B-B14F-4D97-AF65-F5344CB8AC3E}">
+        <p14:creationId xmlns:p14="http://schemas.microsoft.com/office/powerpoint/2010/main" val="820897801"/>
       </p:ext>
     </p:extLst>
   </p:cSld>
@@ -660,7 +750,7 @@
     </p:spTree>
     <p:extLst>
       <p:ext uri="{BB962C8B-B14F-4D97-AF65-F5344CB8AC3E}">
-        <p14:creationId xmlns:p14="http://schemas.microsoft.com/office/powerpoint/2010/main" val="3063887183"/>
+        <p14:creationId xmlns:p14="http://schemas.microsoft.com/office/powerpoint/2010/main" val="3030425964"/>
       </p:ext>
     </p:extLst>
   </p:cSld>
@@ -745,7 +835,7 @@
     </p:spTree>
     <p:extLst>
       <p:ext uri="{BB962C8B-B14F-4D97-AF65-F5344CB8AC3E}">
-        <p14:creationId xmlns:p14="http://schemas.microsoft.com/office/powerpoint/2010/main" val="604801142"/>
+        <p14:creationId xmlns:p14="http://schemas.microsoft.com/office/powerpoint/2010/main" val="3959309413"/>
       </p:ext>
     </p:extLst>
   </p:cSld>
@@ -830,7 +920,7 @@
     </p:spTree>
     <p:extLst>
       <p:ext uri="{BB962C8B-B14F-4D97-AF65-F5344CB8AC3E}">
-        <p14:creationId xmlns:p14="http://schemas.microsoft.com/office/powerpoint/2010/main" val="1922356214"/>
+        <p14:creationId xmlns:p14="http://schemas.microsoft.com/office/powerpoint/2010/main" val="1425815619"/>
       </p:ext>
     </p:extLst>
   </p:cSld>
@@ -915,7 +1005,347 @@
     </p:spTree>
     <p:extLst>
       <p:ext uri="{BB962C8B-B14F-4D97-AF65-F5344CB8AC3E}">
-        <p14:creationId xmlns:p14="http://schemas.microsoft.com/office/powerpoint/2010/main" val="820897801"/>
+        <p14:creationId xmlns:p14="http://schemas.microsoft.com/office/powerpoint/2010/main" val="1305771350"/>
+      </p:ext>
+    </p:extLst>
+  </p:cSld>
+  <p:clrMapOvr>
+    <a:masterClrMapping/>
+  </p:clrMapOvr>
+</p:notes>
+</file>
+
+<file path=ppt/notesSlides/notesSlide6.xml><?xml version="1.0" encoding="utf-8"?>
+<p:notes xmlns:a="http://schemas.openxmlformats.org/drawingml/2006/main" xmlns:r="http://schemas.openxmlformats.org/officeDocument/2006/relationships" xmlns:p="http://schemas.openxmlformats.org/presentationml/2006/main">
+  <p:cSld>
+    <p:spTree>
+      <p:nvGrpSpPr>
+        <p:cNvPr id="1" name=""/>
+        <p:cNvGrpSpPr/>
+        <p:nvPr/>
+      </p:nvGrpSpPr>
+      <p:grpSpPr>
+        <a:xfrm>
+          <a:off x="0" y="0"/>
+          <a:ext cx="0" cy="0"/>
+          <a:chOff x="0" y="0"/>
+          <a:chExt cx="0" cy="0"/>
+        </a:xfrm>
+      </p:grpSpPr>
+      <p:sp>
+        <p:nvSpPr>
+          <p:cNvPr id="2" name="슬라이드 이미지 개체 틀 1"/>
+          <p:cNvSpPr>
+            <a:spLocks noGrp="1" noRot="1" noChangeAspect="1"/>
+          </p:cNvSpPr>
+          <p:nvPr>
+            <p:ph type="sldImg"/>
+          </p:nvPr>
+        </p:nvSpPr>
+        <p:spPr/>
+      </p:sp>
+      <p:sp>
+        <p:nvSpPr>
+          <p:cNvPr id="3" name="슬라이드 노트 개체 틀 2"/>
+          <p:cNvSpPr>
+            <a:spLocks noGrp="1"/>
+          </p:cNvSpPr>
+          <p:nvPr>
+            <p:ph type="body" idx="1"/>
+          </p:nvPr>
+        </p:nvSpPr>
+        <p:spPr/>
+        <p:txBody>
+          <a:bodyPr/>
+          <a:lstStyle/>
+          <a:p>
+            <a:endParaRPr kumimoji="1" lang="ko-KR" altLang="en-US" dirty="0"/>
+          </a:p>
+        </p:txBody>
+      </p:sp>
+      <p:sp>
+        <p:nvSpPr>
+          <p:cNvPr id="4" name="슬라이드 번호 개체 틀 3"/>
+          <p:cNvSpPr>
+            <a:spLocks noGrp="1"/>
+          </p:cNvSpPr>
+          <p:nvPr>
+            <p:ph type="sldNum" sz="quarter" idx="5"/>
+          </p:nvPr>
+        </p:nvSpPr>
+        <p:spPr/>
+        <p:txBody>
+          <a:bodyPr/>
+          <a:lstStyle/>
+          <a:p>
+            <a:fld id="{ABDF5DD3-10C4-4F53-9E08-2A05AD183D37}" type="slidenum">
+              <a:rPr lang="ko-KR" altLang="en-US" smtClean="0"/>
+              <a:pPr/>
+              <a:t>7</a:t>
+            </a:fld>
+            <a:endParaRPr lang="ko-KR" altLang="en-US"/>
+          </a:p>
+        </p:txBody>
+      </p:sp>
+    </p:spTree>
+    <p:extLst>
+      <p:ext uri="{BB962C8B-B14F-4D97-AF65-F5344CB8AC3E}">
+        <p14:creationId xmlns:p14="http://schemas.microsoft.com/office/powerpoint/2010/main" val="2831731815"/>
+      </p:ext>
+    </p:extLst>
+  </p:cSld>
+  <p:clrMapOvr>
+    <a:masterClrMapping/>
+  </p:clrMapOvr>
+</p:notes>
+</file>
+
+<file path=ppt/notesSlides/notesSlide7.xml><?xml version="1.0" encoding="utf-8"?>
+<p:notes xmlns:a="http://schemas.openxmlformats.org/drawingml/2006/main" xmlns:r="http://schemas.openxmlformats.org/officeDocument/2006/relationships" xmlns:p="http://schemas.openxmlformats.org/presentationml/2006/main">
+  <p:cSld>
+    <p:spTree>
+      <p:nvGrpSpPr>
+        <p:cNvPr id="1" name=""/>
+        <p:cNvGrpSpPr/>
+        <p:nvPr/>
+      </p:nvGrpSpPr>
+      <p:grpSpPr>
+        <a:xfrm>
+          <a:off x="0" y="0"/>
+          <a:ext cx="0" cy="0"/>
+          <a:chOff x="0" y="0"/>
+          <a:chExt cx="0" cy="0"/>
+        </a:xfrm>
+      </p:grpSpPr>
+      <p:sp>
+        <p:nvSpPr>
+          <p:cNvPr id="2" name="슬라이드 이미지 개체 틀 1"/>
+          <p:cNvSpPr>
+            <a:spLocks noGrp="1" noRot="1" noChangeAspect="1"/>
+          </p:cNvSpPr>
+          <p:nvPr>
+            <p:ph type="sldImg"/>
+          </p:nvPr>
+        </p:nvSpPr>
+        <p:spPr/>
+      </p:sp>
+      <p:sp>
+        <p:nvSpPr>
+          <p:cNvPr id="3" name="슬라이드 노트 개체 틀 2"/>
+          <p:cNvSpPr>
+            <a:spLocks noGrp="1"/>
+          </p:cNvSpPr>
+          <p:nvPr>
+            <p:ph type="body" idx="1"/>
+          </p:nvPr>
+        </p:nvSpPr>
+        <p:spPr/>
+        <p:txBody>
+          <a:bodyPr/>
+          <a:lstStyle/>
+          <a:p>
+            <a:endParaRPr kumimoji="1" lang="ko-KR" altLang="en-US" dirty="0"/>
+          </a:p>
+        </p:txBody>
+      </p:sp>
+      <p:sp>
+        <p:nvSpPr>
+          <p:cNvPr id="4" name="슬라이드 번호 개체 틀 3"/>
+          <p:cNvSpPr>
+            <a:spLocks noGrp="1"/>
+          </p:cNvSpPr>
+          <p:nvPr>
+            <p:ph type="sldNum" sz="quarter" idx="5"/>
+          </p:nvPr>
+        </p:nvSpPr>
+        <p:spPr/>
+        <p:txBody>
+          <a:bodyPr/>
+          <a:lstStyle/>
+          <a:p>
+            <a:fld id="{ABDF5DD3-10C4-4F53-9E08-2A05AD183D37}" type="slidenum">
+              <a:rPr lang="ko-KR" altLang="en-US" smtClean="0"/>
+              <a:pPr/>
+              <a:t>8</a:t>
+            </a:fld>
+            <a:endParaRPr lang="ko-KR" altLang="en-US"/>
+          </a:p>
+        </p:txBody>
+      </p:sp>
+    </p:spTree>
+    <p:extLst>
+      <p:ext uri="{BB962C8B-B14F-4D97-AF65-F5344CB8AC3E}">
+        <p14:creationId xmlns:p14="http://schemas.microsoft.com/office/powerpoint/2010/main" val="3063887183"/>
+      </p:ext>
+    </p:extLst>
+  </p:cSld>
+  <p:clrMapOvr>
+    <a:masterClrMapping/>
+  </p:clrMapOvr>
+</p:notes>
+</file>
+
+<file path=ppt/notesSlides/notesSlide8.xml><?xml version="1.0" encoding="utf-8"?>
+<p:notes xmlns:a="http://schemas.openxmlformats.org/drawingml/2006/main" xmlns:r="http://schemas.openxmlformats.org/officeDocument/2006/relationships" xmlns:p="http://schemas.openxmlformats.org/presentationml/2006/main">
+  <p:cSld>
+    <p:spTree>
+      <p:nvGrpSpPr>
+        <p:cNvPr id="1" name=""/>
+        <p:cNvGrpSpPr/>
+        <p:nvPr/>
+      </p:nvGrpSpPr>
+      <p:grpSpPr>
+        <a:xfrm>
+          <a:off x="0" y="0"/>
+          <a:ext cx="0" cy="0"/>
+          <a:chOff x="0" y="0"/>
+          <a:chExt cx="0" cy="0"/>
+        </a:xfrm>
+      </p:grpSpPr>
+      <p:sp>
+        <p:nvSpPr>
+          <p:cNvPr id="2" name="슬라이드 이미지 개체 틀 1"/>
+          <p:cNvSpPr>
+            <a:spLocks noGrp="1" noRot="1" noChangeAspect="1"/>
+          </p:cNvSpPr>
+          <p:nvPr>
+            <p:ph type="sldImg"/>
+          </p:nvPr>
+        </p:nvSpPr>
+        <p:spPr/>
+      </p:sp>
+      <p:sp>
+        <p:nvSpPr>
+          <p:cNvPr id="3" name="슬라이드 노트 개체 틀 2"/>
+          <p:cNvSpPr>
+            <a:spLocks noGrp="1"/>
+          </p:cNvSpPr>
+          <p:nvPr>
+            <p:ph type="body" idx="1"/>
+          </p:nvPr>
+        </p:nvSpPr>
+        <p:spPr/>
+        <p:txBody>
+          <a:bodyPr/>
+          <a:lstStyle/>
+          <a:p>
+            <a:endParaRPr kumimoji="1" lang="ko-KR" altLang="en-US" dirty="0"/>
+          </a:p>
+        </p:txBody>
+      </p:sp>
+      <p:sp>
+        <p:nvSpPr>
+          <p:cNvPr id="4" name="슬라이드 번호 개체 틀 3"/>
+          <p:cNvSpPr>
+            <a:spLocks noGrp="1"/>
+          </p:cNvSpPr>
+          <p:nvPr>
+            <p:ph type="sldNum" sz="quarter" idx="5"/>
+          </p:nvPr>
+        </p:nvSpPr>
+        <p:spPr/>
+        <p:txBody>
+          <a:bodyPr/>
+          <a:lstStyle/>
+          <a:p>
+            <a:fld id="{ABDF5DD3-10C4-4F53-9E08-2A05AD183D37}" type="slidenum">
+              <a:rPr lang="ko-KR" altLang="en-US" smtClean="0"/>
+              <a:pPr/>
+              <a:t>9</a:t>
+            </a:fld>
+            <a:endParaRPr lang="ko-KR" altLang="en-US"/>
+          </a:p>
+        </p:txBody>
+      </p:sp>
+    </p:spTree>
+    <p:extLst>
+      <p:ext uri="{BB962C8B-B14F-4D97-AF65-F5344CB8AC3E}">
+        <p14:creationId xmlns:p14="http://schemas.microsoft.com/office/powerpoint/2010/main" val="604801142"/>
+      </p:ext>
+    </p:extLst>
+  </p:cSld>
+  <p:clrMapOvr>
+    <a:masterClrMapping/>
+  </p:clrMapOvr>
+</p:notes>
+</file>
+
+<file path=ppt/notesSlides/notesSlide9.xml><?xml version="1.0" encoding="utf-8"?>
+<p:notes xmlns:a="http://schemas.openxmlformats.org/drawingml/2006/main" xmlns:r="http://schemas.openxmlformats.org/officeDocument/2006/relationships" xmlns:p="http://schemas.openxmlformats.org/presentationml/2006/main">
+  <p:cSld>
+    <p:spTree>
+      <p:nvGrpSpPr>
+        <p:cNvPr id="1" name=""/>
+        <p:cNvGrpSpPr/>
+        <p:nvPr/>
+      </p:nvGrpSpPr>
+      <p:grpSpPr>
+        <a:xfrm>
+          <a:off x="0" y="0"/>
+          <a:ext cx="0" cy="0"/>
+          <a:chOff x="0" y="0"/>
+          <a:chExt cx="0" cy="0"/>
+        </a:xfrm>
+      </p:grpSpPr>
+      <p:sp>
+        <p:nvSpPr>
+          <p:cNvPr id="2" name="슬라이드 이미지 개체 틀 1"/>
+          <p:cNvSpPr>
+            <a:spLocks noGrp="1" noRot="1" noChangeAspect="1"/>
+          </p:cNvSpPr>
+          <p:nvPr>
+            <p:ph type="sldImg"/>
+          </p:nvPr>
+        </p:nvSpPr>
+        <p:spPr/>
+      </p:sp>
+      <p:sp>
+        <p:nvSpPr>
+          <p:cNvPr id="3" name="슬라이드 노트 개체 틀 2"/>
+          <p:cNvSpPr>
+            <a:spLocks noGrp="1"/>
+          </p:cNvSpPr>
+          <p:nvPr>
+            <p:ph type="body" idx="1"/>
+          </p:nvPr>
+        </p:nvSpPr>
+        <p:spPr/>
+        <p:txBody>
+          <a:bodyPr/>
+          <a:lstStyle/>
+          <a:p>
+            <a:endParaRPr kumimoji="1" lang="ko-KR" altLang="en-US" dirty="0"/>
+          </a:p>
+        </p:txBody>
+      </p:sp>
+      <p:sp>
+        <p:nvSpPr>
+          <p:cNvPr id="4" name="슬라이드 번호 개체 틀 3"/>
+          <p:cNvSpPr>
+            <a:spLocks noGrp="1"/>
+          </p:cNvSpPr>
+          <p:nvPr>
+            <p:ph type="sldNum" sz="quarter" idx="5"/>
+          </p:nvPr>
+        </p:nvSpPr>
+        <p:spPr/>
+        <p:txBody>
+          <a:bodyPr/>
+          <a:lstStyle/>
+          <a:p>
+            <a:fld id="{ABDF5DD3-10C4-4F53-9E08-2A05AD183D37}" type="slidenum">
+              <a:rPr lang="ko-KR" altLang="en-US" smtClean="0"/>
+              <a:pPr/>
+              <a:t>10</a:t>
+            </a:fld>
+            <a:endParaRPr lang="ko-KR" altLang="en-US"/>
+          </a:p>
+        </p:txBody>
+      </p:sp>
+    </p:spTree>
+    <p:extLst>
+      <p:ext uri="{BB962C8B-B14F-4D97-AF65-F5344CB8AC3E}">
+        <p14:creationId xmlns:p14="http://schemas.microsoft.com/office/powerpoint/2010/main" val="1922356214"/>
       </p:ext>
     </p:extLst>
   </p:cSld>
@@ -3394,7 +3824,5697 @@
 </p:sld>
 </file>
 
+<file path=ppt/slides/slide10.xml><?xml version="1.0" encoding="utf-8"?>
+<p:sld xmlns:a="http://schemas.openxmlformats.org/drawingml/2006/main" xmlns:r="http://schemas.openxmlformats.org/officeDocument/2006/relationships" xmlns:p="http://schemas.openxmlformats.org/presentationml/2006/main">
+  <p:cSld>
+    <p:spTree>
+      <p:nvGrpSpPr>
+        <p:cNvPr id="1" name=""/>
+        <p:cNvGrpSpPr/>
+        <p:nvPr/>
+      </p:nvGrpSpPr>
+      <p:grpSpPr>
+        <a:xfrm>
+          <a:off x="0" y="0"/>
+          <a:ext cx="0" cy="0"/>
+          <a:chOff x="0" y="0"/>
+          <a:chExt cx="0" cy="0"/>
+        </a:xfrm>
+      </p:grpSpPr>
+      <p:sp>
+        <p:nvSpPr>
+          <p:cNvPr id="2" name="제목 1"/>
+          <p:cNvSpPr>
+            <a:spLocks noGrp="1"/>
+          </p:cNvSpPr>
+          <p:nvPr>
+            <p:ph type="ctrTitle"/>
+          </p:nvPr>
+        </p:nvSpPr>
+        <p:spPr>
+          <a:xfrm>
+            <a:off x="467544" y="404664"/>
+            <a:ext cx="6552728" cy="704078"/>
+          </a:xfrm>
+        </p:spPr>
+        <p:txBody>
+          <a:bodyPr>
+            <a:noAutofit/>
+          </a:bodyPr>
+          <a:lstStyle/>
+          <a:p>
+            <a:pPr algn="l"/>
+            <a:r>
+              <a:rPr lang="en-US" altLang="ko-KR" sz="3200" spc="-100" dirty="0" err="1">
+                <a:latin typeface="나눔고딕 ExtraBold" pitchFamily="50" charset="-127"/>
+                <a:ea typeface="나눔고딕 ExtraBold" pitchFamily="50" charset="-127"/>
+              </a:rPr>
+              <a:t>Play_Program_Result</a:t>
+            </a:r>
+            <a:endParaRPr lang="en-US" altLang="ko-KR" sz="3000" b="1" spc="-100" dirty="0">
+              <a:solidFill>
+                <a:schemeClr val="accent6">
+                  <a:lumMod val="75000"/>
+                </a:schemeClr>
+              </a:solidFill>
+              <a:latin typeface="나눔고딕 ExtraBold" pitchFamily="50" charset="-127"/>
+              <a:ea typeface="나눔고딕 ExtraBold" pitchFamily="50" charset="-127"/>
+            </a:endParaRPr>
+          </a:p>
+        </p:txBody>
+      </p:sp>
+      <p:sp>
+        <p:nvSpPr>
+          <p:cNvPr id="8" name="직사각형 7"/>
+          <p:cNvSpPr/>
+          <p:nvPr/>
+        </p:nvSpPr>
+        <p:spPr>
+          <a:xfrm>
+            <a:off x="395536" y="404664"/>
+            <a:ext cx="8352928" cy="792088"/>
+          </a:xfrm>
+          <a:prstGeom prst="rect">
+            <a:avLst/>
+          </a:prstGeom>
+          <a:noFill/>
+          <a:ln w="88900">
+            <a:solidFill>
+              <a:schemeClr val="accent6">
+                <a:lumMod val="75000"/>
+              </a:schemeClr>
+            </a:solidFill>
+            <a:miter lim="800000"/>
+          </a:ln>
+        </p:spPr>
+        <p:style>
+          <a:lnRef idx="2">
+            <a:schemeClr val="accent1">
+              <a:shade val="50000"/>
+            </a:schemeClr>
+          </a:lnRef>
+          <a:fillRef idx="1">
+            <a:schemeClr val="accent1"/>
+          </a:fillRef>
+          <a:effectRef idx="0">
+            <a:schemeClr val="accent1"/>
+          </a:effectRef>
+          <a:fontRef idx="minor">
+            <a:schemeClr val="lt1"/>
+          </a:fontRef>
+        </p:style>
+        <p:txBody>
+          <a:bodyPr rtlCol="0" anchor="ctr"/>
+          <a:lstStyle/>
+          <a:p>
+            <a:pPr algn="ctr"/>
+            <a:endParaRPr lang="ko-KR" altLang="en-US" dirty="0">
+              <a:solidFill>
+                <a:schemeClr val="accent6">
+                  <a:lumMod val="75000"/>
+                </a:schemeClr>
+              </a:solidFill>
+              <a:latin typeface="나눔고딕" pitchFamily="50" charset="-127"/>
+              <a:ea typeface="나눔고딕" pitchFamily="50" charset="-127"/>
+            </a:endParaRPr>
+          </a:p>
+        </p:txBody>
+      </p:sp>
+      <p:sp>
+        <p:nvSpPr>
+          <p:cNvPr id="20" name="제목 1">
+            <a:extLst>
+              <a:ext uri="{FF2B5EF4-FFF2-40B4-BE49-F238E27FC236}">
+                <a16:creationId xmlns:a16="http://schemas.microsoft.com/office/drawing/2014/main" id="{55BFEB79-7FEA-4549-BA3A-7E6C629B3553}"/>
+              </a:ext>
+            </a:extLst>
+          </p:cNvPr>
+          <p:cNvSpPr txBox="1">
+            <a:spLocks/>
+          </p:cNvSpPr>
+          <p:nvPr/>
+        </p:nvSpPr>
+        <p:spPr>
+          <a:xfrm>
+            <a:off x="5508104" y="476673"/>
+            <a:ext cx="2941314" cy="1080120"/>
+          </a:xfrm>
+          <a:prstGeom prst="rect">
+            <a:avLst/>
+          </a:prstGeom>
+        </p:spPr>
+        <p:txBody>
+          <a:bodyPr vert="horz" lIns="91440" tIns="45720" rIns="91440" bIns="45720" rtlCol="0" anchor="t">
+            <a:noAutofit/>
+          </a:bodyPr>
+          <a:lstStyle/>
+          <a:p>
+            <a:pPr marL="0" marR="0" lvl="0" indent="0" algn="r" defTabSz="914400" rtl="0" eaLnBrk="1" fontAlgn="auto" latinLnBrk="1" hangingPunct="1">
+              <a:lnSpc>
+                <a:spcPts val="5600"/>
+              </a:lnSpc>
+              <a:spcBef>
+                <a:spcPct val="0"/>
+              </a:spcBef>
+              <a:spcAft>
+                <a:spcPts val="0"/>
+              </a:spcAft>
+              <a:buClrTx/>
+              <a:buSzTx/>
+              <a:buFontTx/>
+              <a:buNone/>
+              <a:tabLst/>
+              <a:defRPr/>
+            </a:pPr>
+            <a:r>
+              <a:rPr kumimoji="0" lang="en-US" altLang="ko-KR" sz="2400" b="1" i="0" u="none" strike="noStrike" kern="1200" cap="none" spc="-150" normalizeH="0" baseline="0" noProof="0" dirty="0">
+                <a:ln>
+                  <a:noFill/>
+                </a:ln>
+                <a:solidFill>
+                  <a:srgbClr val="706868"/>
+                </a:solidFill>
+                <a:effectLst/>
+                <a:uLnTx/>
+                <a:uFillTx/>
+                <a:latin typeface="나눔고딕 ExtraBold" pitchFamily="50" charset="-127"/>
+                <a:ea typeface="나눔고딕 ExtraBold" pitchFamily="50" charset="-127"/>
+                <a:cs typeface="+mj-cs"/>
+              </a:rPr>
+              <a:t>04. Test</a:t>
+            </a:r>
+          </a:p>
+          <a:p>
+            <a:pPr marL="0" marR="0" lvl="0" indent="0" algn="r" defTabSz="914400" rtl="0" eaLnBrk="1" fontAlgn="auto" latinLnBrk="1" hangingPunct="1">
+              <a:lnSpc>
+                <a:spcPts val="5600"/>
+              </a:lnSpc>
+              <a:spcBef>
+                <a:spcPct val="0"/>
+              </a:spcBef>
+              <a:spcAft>
+                <a:spcPts val="0"/>
+              </a:spcAft>
+              <a:buClrTx/>
+              <a:buSzTx/>
+              <a:buFontTx/>
+              <a:buNone/>
+              <a:tabLst/>
+              <a:defRPr/>
+            </a:pPr>
+            <a:endParaRPr kumimoji="0" lang="ko-KR" altLang="en-US" sz="2400" b="0" i="0" u="none" strike="noStrike" kern="1200" cap="none" spc="0" normalizeH="0" baseline="0" noProof="0" dirty="0">
+              <a:ln>
+                <a:noFill/>
+              </a:ln>
+              <a:solidFill>
+                <a:srgbClr val="706868"/>
+              </a:solidFill>
+              <a:effectLst/>
+              <a:uLnTx/>
+              <a:uFillTx/>
+              <a:latin typeface="나눔고딕 ExtraBold" pitchFamily="50" charset="-127"/>
+              <a:ea typeface="나눔고딕 ExtraBold" pitchFamily="50" charset="-127"/>
+              <a:cs typeface="+mj-cs"/>
+            </a:endParaRPr>
+          </a:p>
+        </p:txBody>
+      </p:sp>
+      <p:sp>
+        <p:nvSpPr>
+          <p:cNvPr id="10" name="TextBox 9">
+            <a:extLst>
+              <a:ext uri="{FF2B5EF4-FFF2-40B4-BE49-F238E27FC236}">
+                <a16:creationId xmlns:a16="http://schemas.microsoft.com/office/drawing/2014/main" id="{549AD279-1A70-8E48-8ACA-8C1359690FD9}"/>
+              </a:ext>
+            </a:extLst>
+          </p:cNvPr>
+          <p:cNvSpPr txBox="1"/>
+          <p:nvPr/>
+        </p:nvSpPr>
+        <p:spPr>
+          <a:xfrm>
+            <a:off x="392681" y="1407142"/>
+            <a:ext cx="1371007" cy="581698"/>
+          </a:xfrm>
+          <a:prstGeom prst="rect">
+            <a:avLst/>
+          </a:prstGeom>
+          <a:noFill/>
+        </p:spPr>
+        <p:txBody>
+          <a:bodyPr wrap="square" rtlCol="0">
+            <a:spAutoFit/>
+          </a:bodyPr>
+          <a:lstStyle/>
+          <a:p>
+            <a:pPr>
+              <a:lnSpc>
+                <a:spcPct val="150000"/>
+              </a:lnSpc>
+            </a:pPr>
+            <a:r>
+              <a:rPr lang="ko-KR" altLang="en-US" sz="2400" b="1" spc="-20" dirty="0">
+                <a:solidFill>
+                  <a:schemeClr val="accent6">
+                    <a:lumMod val="75000"/>
+                  </a:schemeClr>
+                </a:solidFill>
+                <a:latin typeface="나눔고딕" pitchFamily="50" charset="-127"/>
+                <a:ea typeface="나눔고딕" pitchFamily="50" charset="-127"/>
+              </a:rPr>
+              <a:t>프로그램</a:t>
+            </a:r>
+            <a:endParaRPr lang="en-US" altLang="ko-KR" sz="2400" b="1" spc="-20" dirty="0">
+              <a:solidFill>
+                <a:schemeClr val="accent6">
+                  <a:lumMod val="75000"/>
+                </a:schemeClr>
+              </a:solidFill>
+              <a:latin typeface="나눔고딕" pitchFamily="50" charset="-127"/>
+              <a:ea typeface="나눔고딕" pitchFamily="50" charset="-127"/>
+            </a:endParaRPr>
+          </a:p>
+        </p:txBody>
+      </p:sp>
+      <p:sp>
+        <p:nvSpPr>
+          <p:cNvPr id="6" name="TextBox 5">
+            <a:extLst>
+              <a:ext uri="{FF2B5EF4-FFF2-40B4-BE49-F238E27FC236}">
+                <a16:creationId xmlns:a16="http://schemas.microsoft.com/office/drawing/2014/main" id="{C1F295D6-8E1A-2642-9899-C818075FF24A}"/>
+              </a:ext>
+            </a:extLst>
+          </p:cNvPr>
+          <p:cNvSpPr txBox="1"/>
+          <p:nvPr/>
+        </p:nvSpPr>
+        <p:spPr>
+          <a:xfrm>
+            <a:off x="5383043" y="2024640"/>
+            <a:ext cx="3191436" cy="3862596"/>
+          </a:xfrm>
+          <a:prstGeom prst="rect">
+            <a:avLst/>
+          </a:prstGeom>
+          <a:noFill/>
+        </p:spPr>
+        <p:txBody>
+          <a:bodyPr wrap="square" rtlCol="0">
+            <a:spAutoFit/>
+          </a:bodyPr>
+          <a:lstStyle/>
+          <a:p>
+            <a:r>
+              <a:rPr lang="en-US" altLang="ko-KR" sz="1200" b="1" spc="-100" dirty="0" err="1">
+                <a:solidFill>
+                  <a:schemeClr val="accent6">
+                    <a:lumMod val="75000"/>
+                  </a:schemeClr>
+                </a:solidFill>
+                <a:latin typeface="나눔고딕 ExtraBold" pitchFamily="50" charset="-127"/>
+                <a:ea typeface="나눔고딕 ExtraBold" pitchFamily="50" charset="-127"/>
+              </a:rPr>
+              <a:t>Palau_Guell</a:t>
+            </a:r>
+            <a:endParaRPr lang="en-US" altLang="ko-KR" sz="1200" b="1" spc="-100" dirty="0">
+              <a:solidFill>
+                <a:schemeClr val="accent6">
+                  <a:lumMod val="75000"/>
+                </a:schemeClr>
+              </a:solidFill>
+              <a:latin typeface="나눔고딕 ExtraBold" pitchFamily="50" charset="-127"/>
+              <a:ea typeface="나눔고딕 ExtraBold" pitchFamily="50" charset="-127"/>
+            </a:endParaRPr>
+          </a:p>
+          <a:p>
+            <a:r>
+              <a:rPr lang="en-US" altLang="ko-KR" sz="1200" b="1" spc="-100" dirty="0">
+                <a:solidFill>
+                  <a:schemeClr val="accent6">
+                    <a:lumMod val="75000"/>
+                  </a:schemeClr>
+                </a:solidFill>
+                <a:latin typeface="나눔고딕 ExtraBold" pitchFamily="50" charset="-127"/>
+                <a:ea typeface="나눔고딕 ExtraBold" pitchFamily="50" charset="-127"/>
+              </a:rPr>
+              <a:t>	-10:00 ~ 17:30</a:t>
+            </a:r>
+          </a:p>
+          <a:p>
+            <a:r>
+              <a:rPr lang="en-US" altLang="ko-KR" sz="1200" b="1" spc="-100" dirty="0" err="1">
+                <a:solidFill>
+                  <a:schemeClr val="accent6">
+                    <a:lumMod val="75000"/>
+                  </a:schemeClr>
+                </a:solidFill>
+                <a:latin typeface="나눔고딕 ExtraBold" pitchFamily="50" charset="-127"/>
+                <a:ea typeface="나눔고딕 ExtraBold" pitchFamily="50" charset="-127"/>
+              </a:rPr>
+              <a:t>SantPau_Hospital</a:t>
+            </a:r>
+            <a:endParaRPr lang="en-US" altLang="ko-KR" sz="1200" b="1" spc="-100" dirty="0">
+              <a:solidFill>
+                <a:schemeClr val="accent6">
+                  <a:lumMod val="75000"/>
+                </a:schemeClr>
+              </a:solidFill>
+              <a:latin typeface="나눔고딕 ExtraBold" pitchFamily="50" charset="-127"/>
+              <a:ea typeface="나눔고딕 ExtraBold" pitchFamily="50" charset="-127"/>
+            </a:endParaRPr>
+          </a:p>
+          <a:p>
+            <a:r>
+              <a:rPr lang="en-US" altLang="ko-KR" sz="1200" b="1" spc="-100" dirty="0">
+                <a:solidFill>
+                  <a:schemeClr val="accent6">
+                    <a:lumMod val="75000"/>
+                  </a:schemeClr>
+                </a:solidFill>
+                <a:latin typeface="나눔고딕 ExtraBold" pitchFamily="50" charset="-127"/>
+                <a:ea typeface="나눔고딕 ExtraBold" pitchFamily="50" charset="-127"/>
+              </a:rPr>
+              <a:t>	-0930 ~ 1630</a:t>
+            </a:r>
+          </a:p>
+          <a:p>
+            <a:r>
+              <a:rPr lang="en-US" altLang="ko-KR" b="1" spc="-100" dirty="0">
+                <a:solidFill>
+                  <a:schemeClr val="accent6">
+                    <a:lumMod val="75000"/>
+                  </a:schemeClr>
+                </a:solidFill>
+                <a:latin typeface="나눔고딕 ExtraBold" pitchFamily="50" charset="-127"/>
+                <a:ea typeface="나눔고딕 ExtraBold" pitchFamily="50" charset="-127"/>
+                <a:cs typeface="+mj-cs"/>
+              </a:rPr>
+              <a:t>Museo Picasso</a:t>
+            </a:r>
+          </a:p>
+          <a:p>
+            <a:r>
+              <a:rPr lang="en-US" altLang="ko-KR" b="1" spc="-100" dirty="0">
+                <a:solidFill>
+                  <a:schemeClr val="accent6">
+                    <a:lumMod val="75000"/>
+                  </a:schemeClr>
+                </a:solidFill>
+                <a:latin typeface="나눔고딕 ExtraBold" pitchFamily="50" charset="-127"/>
+                <a:ea typeface="나눔고딕 ExtraBold" pitchFamily="50" charset="-127"/>
+                <a:cs typeface="+mj-cs"/>
+              </a:rPr>
+              <a:t>	-</a:t>
+            </a:r>
+            <a:r>
+              <a:rPr lang="ko-KR" altLang="en-US" b="1" spc="-100" dirty="0">
+                <a:solidFill>
+                  <a:schemeClr val="accent6">
+                    <a:lumMod val="75000"/>
+                  </a:schemeClr>
+                </a:solidFill>
+                <a:latin typeface="나눔고딕 ExtraBold" pitchFamily="50" charset="-127"/>
+                <a:ea typeface="나눔고딕 ExtraBold" pitchFamily="50" charset="-127"/>
+                <a:cs typeface="+mj-cs"/>
+              </a:rPr>
+              <a:t>월요일 휴무</a:t>
+            </a:r>
+            <a:endParaRPr lang="en-US" altLang="ko-KR" b="1" spc="-100" dirty="0">
+              <a:solidFill>
+                <a:schemeClr val="accent6">
+                  <a:lumMod val="75000"/>
+                </a:schemeClr>
+              </a:solidFill>
+              <a:latin typeface="나눔고딕 ExtraBold" pitchFamily="50" charset="-127"/>
+              <a:ea typeface="나눔고딕 ExtraBold" pitchFamily="50" charset="-127"/>
+              <a:cs typeface="+mj-cs"/>
+            </a:endParaRPr>
+          </a:p>
+          <a:p>
+            <a:r>
+              <a:rPr lang="en-US" altLang="ko-KR" b="1" spc="-100" dirty="0">
+                <a:solidFill>
+                  <a:schemeClr val="accent6">
+                    <a:lumMod val="75000"/>
+                  </a:schemeClr>
+                </a:solidFill>
+                <a:latin typeface="나눔고딕 ExtraBold" pitchFamily="50" charset="-127"/>
+                <a:ea typeface="나눔고딕 ExtraBold" pitchFamily="50" charset="-127"/>
+                <a:cs typeface="+mj-cs"/>
+              </a:rPr>
+              <a:t>	-09:00</a:t>
+            </a:r>
+            <a:r>
+              <a:rPr lang="ko-KR" altLang="en-US" b="1" spc="-100" dirty="0">
+                <a:solidFill>
+                  <a:schemeClr val="accent6">
+                    <a:lumMod val="75000"/>
+                  </a:schemeClr>
+                </a:solidFill>
+                <a:latin typeface="나눔고딕 ExtraBold" pitchFamily="50" charset="-127"/>
+                <a:ea typeface="나눔고딕 ExtraBold" pitchFamily="50" charset="-127"/>
+                <a:cs typeface="+mj-cs"/>
+              </a:rPr>
+              <a:t> </a:t>
+            </a:r>
+            <a:r>
+              <a:rPr lang="en-US" altLang="ko-KR" b="1" spc="-100" dirty="0">
+                <a:solidFill>
+                  <a:schemeClr val="accent6">
+                    <a:lumMod val="75000"/>
+                  </a:schemeClr>
+                </a:solidFill>
+                <a:latin typeface="나눔고딕 ExtraBold" pitchFamily="50" charset="-127"/>
+                <a:ea typeface="나눔고딕 ExtraBold" pitchFamily="50" charset="-127"/>
+                <a:cs typeface="+mj-cs"/>
+              </a:rPr>
+              <a:t>~</a:t>
+            </a:r>
+            <a:r>
+              <a:rPr lang="ko-KR" altLang="en-US" b="1" spc="-100" dirty="0">
+                <a:solidFill>
+                  <a:schemeClr val="accent6">
+                    <a:lumMod val="75000"/>
+                  </a:schemeClr>
+                </a:solidFill>
+                <a:latin typeface="나눔고딕 ExtraBold" pitchFamily="50" charset="-127"/>
+                <a:ea typeface="나눔고딕 ExtraBold" pitchFamily="50" charset="-127"/>
+                <a:cs typeface="+mj-cs"/>
+              </a:rPr>
+              <a:t> </a:t>
+            </a:r>
+            <a:r>
+              <a:rPr lang="en-US" altLang="ko-KR" b="1" spc="-100" dirty="0">
+                <a:solidFill>
+                  <a:schemeClr val="accent6">
+                    <a:lumMod val="75000"/>
+                  </a:schemeClr>
+                </a:solidFill>
+                <a:latin typeface="나눔고딕 ExtraBold" pitchFamily="50" charset="-127"/>
+                <a:ea typeface="나눔고딕 ExtraBold" pitchFamily="50" charset="-127"/>
+                <a:cs typeface="+mj-cs"/>
+              </a:rPr>
+              <a:t>19:00</a:t>
+            </a:r>
+          </a:p>
+          <a:p>
+            <a:r>
+              <a:rPr lang="en-US" altLang="ko-KR" b="1" spc="-100" dirty="0" err="1">
+                <a:solidFill>
+                  <a:schemeClr val="accent6">
+                    <a:lumMod val="75000"/>
+                  </a:schemeClr>
+                </a:solidFill>
+                <a:latin typeface="나눔고딕 ExtraBold" pitchFamily="50" charset="-127"/>
+                <a:ea typeface="나눔고딕 ExtraBold" pitchFamily="50" charset="-127"/>
+                <a:cs typeface="+mj-cs"/>
+              </a:rPr>
+              <a:t>Catalunya_Picasso</a:t>
+            </a:r>
+            <a:endParaRPr lang="en-US" altLang="ko-KR" b="1" spc="-100" dirty="0">
+              <a:solidFill>
+                <a:schemeClr val="accent6">
+                  <a:lumMod val="75000"/>
+                </a:schemeClr>
+              </a:solidFill>
+              <a:latin typeface="나눔고딕 ExtraBold" pitchFamily="50" charset="-127"/>
+              <a:ea typeface="나눔고딕 ExtraBold" pitchFamily="50" charset="-127"/>
+              <a:cs typeface="+mj-cs"/>
+            </a:endParaRPr>
+          </a:p>
+          <a:p>
+            <a:r>
+              <a:rPr lang="en-US" altLang="ko-KR" b="1" spc="-100" dirty="0">
+                <a:solidFill>
+                  <a:schemeClr val="accent6">
+                    <a:lumMod val="75000"/>
+                  </a:schemeClr>
+                </a:solidFill>
+                <a:latin typeface="나눔고딕 ExtraBold" pitchFamily="50" charset="-127"/>
+                <a:ea typeface="나눔고딕 ExtraBold" pitchFamily="50" charset="-127"/>
+                <a:cs typeface="+mj-cs"/>
+              </a:rPr>
+              <a:t>	-</a:t>
+            </a:r>
+            <a:r>
+              <a:rPr lang="ko-KR" altLang="en-US" b="1" spc="-100" dirty="0">
+                <a:solidFill>
+                  <a:schemeClr val="accent6">
+                    <a:lumMod val="75000"/>
+                  </a:schemeClr>
+                </a:solidFill>
+                <a:latin typeface="나눔고딕 ExtraBold" pitchFamily="50" charset="-127"/>
+                <a:ea typeface="나눔고딕 ExtraBold" pitchFamily="50" charset="-127"/>
+                <a:cs typeface="+mj-cs"/>
+              </a:rPr>
+              <a:t>월요일 휴무</a:t>
+            </a:r>
+            <a:endParaRPr lang="en-US" altLang="ko-KR" b="1" spc="-100" dirty="0">
+              <a:solidFill>
+                <a:schemeClr val="accent6">
+                  <a:lumMod val="75000"/>
+                </a:schemeClr>
+              </a:solidFill>
+              <a:latin typeface="나눔고딕 ExtraBold" pitchFamily="50" charset="-127"/>
+              <a:ea typeface="나눔고딕 ExtraBold" pitchFamily="50" charset="-127"/>
+              <a:cs typeface="+mj-cs"/>
+            </a:endParaRPr>
+          </a:p>
+          <a:p>
+            <a:r>
+              <a:rPr lang="en-US" altLang="ko-KR" b="1" spc="-100" dirty="0">
+                <a:solidFill>
+                  <a:schemeClr val="accent6">
+                    <a:lumMod val="75000"/>
+                  </a:schemeClr>
+                </a:solidFill>
+                <a:latin typeface="나눔고딕 ExtraBold" pitchFamily="50" charset="-127"/>
+                <a:ea typeface="나눔고딕 ExtraBold" pitchFamily="50" charset="-127"/>
+                <a:cs typeface="+mj-cs"/>
+              </a:rPr>
+              <a:t>	-10:00</a:t>
+            </a:r>
+            <a:r>
+              <a:rPr lang="ko-KR" altLang="en-US" b="1" spc="-100" dirty="0">
+                <a:solidFill>
+                  <a:schemeClr val="accent6">
+                    <a:lumMod val="75000"/>
+                  </a:schemeClr>
+                </a:solidFill>
+                <a:latin typeface="나눔고딕 ExtraBold" pitchFamily="50" charset="-127"/>
+                <a:ea typeface="나눔고딕 ExtraBold" pitchFamily="50" charset="-127"/>
+                <a:cs typeface="+mj-cs"/>
+              </a:rPr>
+              <a:t> </a:t>
+            </a:r>
+            <a:r>
+              <a:rPr lang="en-US" altLang="ko-KR" b="1" spc="-100" dirty="0">
+                <a:solidFill>
+                  <a:schemeClr val="accent6">
+                    <a:lumMod val="75000"/>
+                  </a:schemeClr>
+                </a:solidFill>
+                <a:latin typeface="나눔고딕 ExtraBold" pitchFamily="50" charset="-127"/>
+                <a:ea typeface="나눔고딕 ExtraBold" pitchFamily="50" charset="-127"/>
+                <a:cs typeface="+mj-cs"/>
+              </a:rPr>
+              <a:t>~</a:t>
+            </a:r>
+            <a:r>
+              <a:rPr lang="ko-KR" altLang="en-US" b="1" spc="-100" dirty="0">
+                <a:solidFill>
+                  <a:schemeClr val="accent6">
+                    <a:lumMod val="75000"/>
+                  </a:schemeClr>
+                </a:solidFill>
+                <a:latin typeface="나눔고딕 ExtraBold" pitchFamily="50" charset="-127"/>
+                <a:ea typeface="나눔고딕 ExtraBold" pitchFamily="50" charset="-127"/>
+                <a:cs typeface="+mj-cs"/>
+              </a:rPr>
+              <a:t> </a:t>
+            </a:r>
+            <a:r>
+              <a:rPr lang="en-US" altLang="ko-KR" b="1" spc="-100" dirty="0">
+                <a:solidFill>
+                  <a:schemeClr val="accent6">
+                    <a:lumMod val="75000"/>
+                  </a:schemeClr>
+                </a:solidFill>
+                <a:latin typeface="나눔고딕 ExtraBold" pitchFamily="50" charset="-127"/>
+                <a:ea typeface="나눔고딕 ExtraBold" pitchFamily="50" charset="-127"/>
+                <a:cs typeface="+mj-cs"/>
+              </a:rPr>
+              <a:t>18:00</a:t>
+            </a:r>
+          </a:p>
+          <a:p>
+            <a:r>
+              <a:rPr lang="en-US" altLang="ko-KR" sz="1600" b="1" spc="-100" dirty="0" err="1">
+                <a:solidFill>
+                  <a:schemeClr val="accent6">
+                    <a:lumMod val="75000"/>
+                  </a:schemeClr>
+                </a:solidFill>
+                <a:latin typeface="나눔고딕 ExtraBold" pitchFamily="50" charset="-127"/>
+                <a:ea typeface="나눔고딕 ExtraBold" pitchFamily="50" charset="-127"/>
+                <a:cs typeface="+mj-cs"/>
+              </a:rPr>
+              <a:t>Bunker_de_Carmel</a:t>
+            </a:r>
+            <a:endParaRPr lang="en-US" altLang="ko-KR" sz="1600" b="1" spc="-100" dirty="0">
+              <a:solidFill>
+                <a:schemeClr val="accent6">
+                  <a:lumMod val="75000"/>
+                </a:schemeClr>
+              </a:solidFill>
+              <a:latin typeface="나눔고딕 ExtraBold" pitchFamily="50" charset="-127"/>
+              <a:ea typeface="나눔고딕 ExtraBold" pitchFamily="50" charset="-127"/>
+              <a:cs typeface="+mj-cs"/>
+            </a:endParaRPr>
+          </a:p>
+          <a:p>
+            <a:r>
+              <a:rPr lang="en-US" altLang="ko-KR" sz="1600" b="1" spc="-100" dirty="0">
+                <a:solidFill>
+                  <a:schemeClr val="accent6">
+                    <a:lumMod val="75000"/>
+                  </a:schemeClr>
+                </a:solidFill>
+                <a:latin typeface="나눔고딕 ExtraBold" pitchFamily="50" charset="-127"/>
+                <a:ea typeface="나눔고딕 ExtraBold" pitchFamily="50" charset="-127"/>
+                <a:cs typeface="+mj-cs"/>
+              </a:rPr>
+              <a:t>	-</a:t>
+            </a:r>
+            <a:r>
+              <a:rPr lang="ko-KR" altLang="en-US" sz="1600" b="1" spc="-100" dirty="0">
+                <a:solidFill>
+                  <a:schemeClr val="accent6">
+                    <a:lumMod val="75000"/>
+                  </a:schemeClr>
+                </a:solidFill>
+                <a:latin typeface="나눔고딕 ExtraBold" pitchFamily="50" charset="-127"/>
+                <a:ea typeface="나눔고딕 ExtraBold" pitchFamily="50" charset="-127"/>
+                <a:cs typeface="+mj-cs"/>
+              </a:rPr>
+              <a:t>야경 명소</a:t>
+            </a:r>
+            <a:endParaRPr lang="en-US" altLang="ko-KR" sz="1600" b="1" spc="-100" dirty="0">
+              <a:solidFill>
+                <a:schemeClr val="accent6">
+                  <a:lumMod val="75000"/>
+                </a:schemeClr>
+              </a:solidFill>
+              <a:latin typeface="나눔고딕 ExtraBold" pitchFamily="50" charset="-127"/>
+              <a:ea typeface="나눔고딕 ExtraBold" pitchFamily="50" charset="-127"/>
+              <a:cs typeface="+mj-cs"/>
+            </a:endParaRPr>
+          </a:p>
+          <a:p>
+            <a:r>
+              <a:rPr lang="en-US" altLang="ko-KR" sz="1600" b="1" spc="-100" dirty="0">
+                <a:solidFill>
+                  <a:schemeClr val="accent6">
+                    <a:lumMod val="75000"/>
+                  </a:schemeClr>
+                </a:solidFill>
+                <a:latin typeface="나눔고딕 ExtraBold" pitchFamily="50" charset="-127"/>
+                <a:ea typeface="나눔고딕 ExtraBold" pitchFamily="50" charset="-127"/>
+                <a:cs typeface="+mj-cs"/>
+              </a:rPr>
+              <a:t>	-19:00</a:t>
+            </a:r>
+            <a:r>
+              <a:rPr lang="ko-KR" altLang="en-US" sz="1600" b="1" spc="-100" dirty="0">
+                <a:solidFill>
+                  <a:schemeClr val="accent6">
+                    <a:lumMod val="75000"/>
+                  </a:schemeClr>
+                </a:solidFill>
+                <a:latin typeface="나눔고딕 ExtraBold" pitchFamily="50" charset="-127"/>
+                <a:ea typeface="나눔고딕 ExtraBold" pitchFamily="50" charset="-127"/>
+                <a:cs typeface="+mj-cs"/>
+              </a:rPr>
+              <a:t> </a:t>
+            </a:r>
+            <a:r>
+              <a:rPr lang="en-US" altLang="ko-KR" sz="1600" b="1" spc="-100" dirty="0">
+                <a:solidFill>
+                  <a:schemeClr val="accent6">
+                    <a:lumMod val="75000"/>
+                  </a:schemeClr>
+                </a:solidFill>
+                <a:latin typeface="나눔고딕 ExtraBold" pitchFamily="50" charset="-127"/>
+                <a:ea typeface="나눔고딕 ExtraBold" pitchFamily="50" charset="-127"/>
+                <a:cs typeface="+mj-cs"/>
+              </a:rPr>
+              <a:t>~</a:t>
+            </a:r>
+            <a:r>
+              <a:rPr lang="ko-KR" altLang="en-US" sz="1600" b="1" spc="-100" dirty="0">
+                <a:solidFill>
+                  <a:schemeClr val="accent6">
+                    <a:lumMod val="75000"/>
+                  </a:schemeClr>
+                </a:solidFill>
+                <a:latin typeface="나눔고딕 ExtraBold" pitchFamily="50" charset="-127"/>
+                <a:ea typeface="나눔고딕 ExtraBold" pitchFamily="50" charset="-127"/>
+                <a:cs typeface="+mj-cs"/>
+              </a:rPr>
+              <a:t> </a:t>
+            </a:r>
+            <a:r>
+              <a:rPr lang="en-US" altLang="ko-KR" sz="1600" b="1" spc="-100" dirty="0">
+                <a:solidFill>
+                  <a:schemeClr val="accent6">
+                    <a:lumMod val="75000"/>
+                  </a:schemeClr>
+                </a:solidFill>
+                <a:latin typeface="나눔고딕 ExtraBold" pitchFamily="50" charset="-127"/>
+                <a:ea typeface="나눔고딕 ExtraBold" pitchFamily="50" charset="-127"/>
+                <a:cs typeface="+mj-cs"/>
+              </a:rPr>
+              <a:t>2400</a:t>
+            </a:r>
+          </a:p>
+          <a:p>
+            <a:r>
+              <a:rPr lang="en-US" altLang="ko-KR" sz="1200" b="1" spc="-100" dirty="0" err="1">
+                <a:solidFill>
+                  <a:schemeClr val="accent6">
+                    <a:lumMod val="75000"/>
+                  </a:schemeClr>
+                </a:solidFill>
+                <a:latin typeface="나눔고딕 ExtraBold" pitchFamily="50" charset="-127"/>
+                <a:ea typeface="나눔고딕 ExtraBold" pitchFamily="50" charset="-127"/>
+                <a:cs typeface="+mj-cs"/>
+              </a:rPr>
+              <a:t>Catedral</a:t>
+            </a:r>
+            <a:endParaRPr lang="en-US" altLang="ko-KR" sz="1200" b="1" spc="-100" dirty="0">
+              <a:solidFill>
+                <a:schemeClr val="accent6">
+                  <a:lumMod val="75000"/>
+                </a:schemeClr>
+              </a:solidFill>
+              <a:latin typeface="나눔고딕 ExtraBold" pitchFamily="50" charset="-127"/>
+              <a:ea typeface="나눔고딕 ExtraBold" pitchFamily="50" charset="-127"/>
+              <a:cs typeface="+mj-cs"/>
+            </a:endParaRPr>
+          </a:p>
+          <a:p>
+            <a:r>
+              <a:rPr lang="en-US" altLang="ko-KR" sz="1200" b="1" spc="-100" dirty="0">
+                <a:solidFill>
+                  <a:schemeClr val="accent6">
+                    <a:lumMod val="75000"/>
+                  </a:schemeClr>
+                </a:solidFill>
+                <a:latin typeface="나눔고딕 ExtraBold" pitchFamily="50" charset="-127"/>
+                <a:ea typeface="나눔고딕 ExtraBold" pitchFamily="50" charset="-127"/>
+                <a:cs typeface="+mj-cs"/>
+              </a:rPr>
+              <a:t>	-08:30 ~ 17:30</a:t>
+            </a:r>
+          </a:p>
+          <a:p>
+            <a:endParaRPr kumimoji="1" lang="ko-KR" altLang="en-US" sz="1100" dirty="0"/>
+          </a:p>
+        </p:txBody>
+      </p:sp>
+      <p:pic>
+        <p:nvPicPr>
+          <p:cNvPr id="4" name="그림 3">
+            <a:extLst>
+              <a:ext uri="{FF2B5EF4-FFF2-40B4-BE49-F238E27FC236}">
+                <a16:creationId xmlns:a16="http://schemas.microsoft.com/office/drawing/2014/main" id="{F8252662-8083-F84A-9170-ABEA63A2D436}"/>
+              </a:ext>
+            </a:extLst>
+          </p:cNvPr>
+          <p:cNvPicPr>
+            <a:picLocks noChangeAspect="1"/>
+          </p:cNvPicPr>
+          <p:nvPr/>
+        </p:nvPicPr>
+        <p:blipFill>
+          <a:blip r:embed="rId3">
+            <a:extLst>
+              <a:ext uri="{28A0092B-C50C-407E-A947-70E740481C1C}">
+                <a14:useLocalDpi xmlns:a14="http://schemas.microsoft.com/office/drawing/2010/main" val="0"/>
+              </a:ext>
+            </a:extLst>
+          </a:blip>
+          <a:stretch>
+            <a:fillRect/>
+          </a:stretch>
+        </p:blipFill>
+        <p:spPr>
+          <a:xfrm>
+            <a:off x="467544" y="2190086"/>
+            <a:ext cx="4660900" cy="3225800"/>
+          </a:xfrm>
+          <a:prstGeom prst="rect">
+            <a:avLst/>
+          </a:prstGeom>
+        </p:spPr>
+      </p:pic>
+    </p:spTree>
+    <p:extLst>
+      <p:ext uri="{BB962C8B-B14F-4D97-AF65-F5344CB8AC3E}">
+        <p14:creationId xmlns:p14="http://schemas.microsoft.com/office/powerpoint/2010/main" val="74865616"/>
+      </p:ext>
+    </p:extLst>
+  </p:cSld>
+  <p:clrMapOvr>
+    <a:masterClrMapping/>
+  </p:clrMapOvr>
+</p:sld>
+</file>
+
+<file path=ppt/slides/slide11.xml><?xml version="1.0" encoding="utf-8"?>
+<p:sld xmlns:a="http://schemas.openxmlformats.org/drawingml/2006/main" xmlns:r="http://schemas.openxmlformats.org/officeDocument/2006/relationships" xmlns:p="http://schemas.openxmlformats.org/presentationml/2006/main">
+  <p:cSld>
+    <p:spTree>
+      <p:nvGrpSpPr>
+        <p:cNvPr id="1" name=""/>
+        <p:cNvGrpSpPr/>
+        <p:nvPr/>
+      </p:nvGrpSpPr>
+      <p:grpSpPr>
+        <a:xfrm>
+          <a:off x="0" y="0"/>
+          <a:ext cx="0" cy="0"/>
+          <a:chOff x="0" y="0"/>
+          <a:chExt cx="0" cy="0"/>
+        </a:xfrm>
+      </p:grpSpPr>
+      <p:sp>
+        <p:nvSpPr>
+          <p:cNvPr id="2" name="제목 1"/>
+          <p:cNvSpPr>
+            <a:spLocks noGrp="1"/>
+          </p:cNvSpPr>
+          <p:nvPr>
+            <p:ph type="ctrTitle"/>
+          </p:nvPr>
+        </p:nvSpPr>
+        <p:spPr>
+          <a:xfrm>
+            <a:off x="467544" y="404664"/>
+            <a:ext cx="6552728" cy="704078"/>
+          </a:xfrm>
+        </p:spPr>
+        <p:txBody>
+          <a:bodyPr>
+            <a:noAutofit/>
+          </a:bodyPr>
+          <a:lstStyle/>
+          <a:p>
+            <a:pPr algn="l"/>
+            <a:r>
+              <a:rPr lang="en-US" altLang="ko-KR" sz="3200" spc="-100" dirty="0">
+                <a:latin typeface="나눔고딕 ExtraBold" pitchFamily="50" charset="-127"/>
+                <a:ea typeface="나눔고딕 ExtraBold" pitchFamily="50" charset="-127"/>
+              </a:rPr>
+              <a:t>Review</a:t>
+            </a:r>
+            <a:endParaRPr lang="en-US" altLang="ko-KR" sz="3000" b="1" spc="-100" dirty="0">
+              <a:solidFill>
+                <a:schemeClr val="accent6">
+                  <a:lumMod val="75000"/>
+                </a:schemeClr>
+              </a:solidFill>
+              <a:latin typeface="나눔고딕 ExtraBold" pitchFamily="50" charset="-127"/>
+              <a:ea typeface="나눔고딕 ExtraBold" pitchFamily="50" charset="-127"/>
+            </a:endParaRPr>
+          </a:p>
+        </p:txBody>
+      </p:sp>
+      <p:sp>
+        <p:nvSpPr>
+          <p:cNvPr id="8" name="직사각형 7"/>
+          <p:cNvSpPr/>
+          <p:nvPr/>
+        </p:nvSpPr>
+        <p:spPr>
+          <a:xfrm>
+            <a:off x="395536" y="404664"/>
+            <a:ext cx="8352928" cy="792088"/>
+          </a:xfrm>
+          <a:prstGeom prst="rect">
+            <a:avLst/>
+          </a:prstGeom>
+          <a:noFill/>
+          <a:ln w="88900">
+            <a:solidFill>
+              <a:schemeClr val="accent6">
+                <a:lumMod val="75000"/>
+              </a:schemeClr>
+            </a:solidFill>
+            <a:miter lim="800000"/>
+          </a:ln>
+        </p:spPr>
+        <p:style>
+          <a:lnRef idx="2">
+            <a:schemeClr val="accent1">
+              <a:shade val="50000"/>
+            </a:schemeClr>
+          </a:lnRef>
+          <a:fillRef idx="1">
+            <a:schemeClr val="accent1"/>
+          </a:fillRef>
+          <a:effectRef idx="0">
+            <a:schemeClr val="accent1"/>
+          </a:effectRef>
+          <a:fontRef idx="minor">
+            <a:schemeClr val="lt1"/>
+          </a:fontRef>
+        </p:style>
+        <p:txBody>
+          <a:bodyPr rtlCol="0" anchor="ctr"/>
+          <a:lstStyle/>
+          <a:p>
+            <a:pPr algn="ctr"/>
+            <a:endParaRPr lang="ko-KR" altLang="en-US" dirty="0">
+              <a:solidFill>
+                <a:schemeClr val="accent6">
+                  <a:lumMod val="75000"/>
+                </a:schemeClr>
+              </a:solidFill>
+              <a:latin typeface="나눔고딕" pitchFamily="50" charset="-127"/>
+              <a:ea typeface="나눔고딕" pitchFamily="50" charset="-127"/>
+            </a:endParaRPr>
+          </a:p>
+        </p:txBody>
+      </p:sp>
+      <p:sp>
+        <p:nvSpPr>
+          <p:cNvPr id="20" name="제목 1">
+            <a:extLst>
+              <a:ext uri="{FF2B5EF4-FFF2-40B4-BE49-F238E27FC236}">
+                <a16:creationId xmlns:a16="http://schemas.microsoft.com/office/drawing/2014/main" id="{55BFEB79-7FEA-4549-BA3A-7E6C629B3553}"/>
+              </a:ext>
+            </a:extLst>
+          </p:cNvPr>
+          <p:cNvSpPr txBox="1">
+            <a:spLocks/>
+          </p:cNvSpPr>
+          <p:nvPr/>
+        </p:nvSpPr>
+        <p:spPr>
+          <a:xfrm>
+            <a:off x="5508104" y="476673"/>
+            <a:ext cx="2941314" cy="1080120"/>
+          </a:xfrm>
+          <a:prstGeom prst="rect">
+            <a:avLst/>
+          </a:prstGeom>
+        </p:spPr>
+        <p:txBody>
+          <a:bodyPr vert="horz" lIns="91440" tIns="45720" rIns="91440" bIns="45720" rtlCol="0" anchor="t">
+            <a:noAutofit/>
+          </a:bodyPr>
+          <a:lstStyle/>
+          <a:p>
+            <a:pPr marL="0" marR="0" lvl="0" indent="0" algn="r" defTabSz="914400" rtl="0" eaLnBrk="1" fontAlgn="auto" latinLnBrk="1" hangingPunct="1">
+              <a:lnSpc>
+                <a:spcPts val="5600"/>
+              </a:lnSpc>
+              <a:spcBef>
+                <a:spcPct val="0"/>
+              </a:spcBef>
+              <a:spcAft>
+                <a:spcPts val="0"/>
+              </a:spcAft>
+              <a:buClrTx/>
+              <a:buSzTx/>
+              <a:buFontTx/>
+              <a:buNone/>
+              <a:tabLst/>
+              <a:defRPr/>
+            </a:pPr>
+            <a:r>
+              <a:rPr kumimoji="0" lang="en-US" altLang="ko-KR" sz="2400" b="1" i="0" u="none" strike="noStrike" kern="1200" cap="none" spc="-150" normalizeH="0" baseline="0" noProof="0" dirty="0">
+                <a:ln>
+                  <a:noFill/>
+                </a:ln>
+                <a:solidFill>
+                  <a:srgbClr val="706868"/>
+                </a:solidFill>
+                <a:effectLst/>
+                <a:uLnTx/>
+                <a:uFillTx/>
+                <a:latin typeface="나눔고딕 ExtraBold" pitchFamily="50" charset="-127"/>
+                <a:ea typeface="나눔고딕 ExtraBold" pitchFamily="50" charset="-127"/>
+                <a:cs typeface="+mj-cs"/>
+              </a:rPr>
+              <a:t>04. Test</a:t>
+            </a:r>
+          </a:p>
+          <a:p>
+            <a:pPr marL="0" marR="0" lvl="0" indent="0" algn="r" defTabSz="914400" rtl="0" eaLnBrk="1" fontAlgn="auto" latinLnBrk="1" hangingPunct="1">
+              <a:lnSpc>
+                <a:spcPts val="5600"/>
+              </a:lnSpc>
+              <a:spcBef>
+                <a:spcPct val="0"/>
+              </a:spcBef>
+              <a:spcAft>
+                <a:spcPts val="0"/>
+              </a:spcAft>
+              <a:buClrTx/>
+              <a:buSzTx/>
+              <a:buFontTx/>
+              <a:buNone/>
+              <a:tabLst/>
+              <a:defRPr/>
+            </a:pPr>
+            <a:endParaRPr kumimoji="0" lang="ko-KR" altLang="en-US" sz="2400" b="0" i="0" u="none" strike="noStrike" kern="1200" cap="none" spc="0" normalizeH="0" baseline="0" noProof="0" dirty="0">
+              <a:ln>
+                <a:noFill/>
+              </a:ln>
+              <a:solidFill>
+                <a:srgbClr val="706868"/>
+              </a:solidFill>
+              <a:effectLst/>
+              <a:uLnTx/>
+              <a:uFillTx/>
+              <a:latin typeface="나눔고딕 ExtraBold" pitchFamily="50" charset="-127"/>
+              <a:ea typeface="나눔고딕 ExtraBold" pitchFamily="50" charset="-127"/>
+              <a:cs typeface="+mj-cs"/>
+            </a:endParaRPr>
+          </a:p>
+        </p:txBody>
+      </p:sp>
+      <p:sp>
+        <p:nvSpPr>
+          <p:cNvPr id="10" name="TextBox 9">
+            <a:extLst>
+              <a:ext uri="{FF2B5EF4-FFF2-40B4-BE49-F238E27FC236}">
+                <a16:creationId xmlns:a16="http://schemas.microsoft.com/office/drawing/2014/main" id="{549AD279-1A70-8E48-8ACA-8C1359690FD9}"/>
+              </a:ext>
+            </a:extLst>
+          </p:cNvPr>
+          <p:cNvSpPr txBox="1"/>
+          <p:nvPr/>
+        </p:nvSpPr>
+        <p:spPr>
+          <a:xfrm>
+            <a:off x="392681" y="1407142"/>
+            <a:ext cx="7491687" cy="5013680"/>
+          </a:xfrm>
+          <a:prstGeom prst="rect">
+            <a:avLst/>
+          </a:prstGeom>
+          <a:noFill/>
+        </p:spPr>
+        <p:txBody>
+          <a:bodyPr wrap="square" rtlCol="0">
+            <a:spAutoFit/>
+          </a:bodyPr>
+          <a:lstStyle/>
+          <a:p>
+            <a:pPr marL="342900" indent="-342900">
+              <a:lnSpc>
+                <a:spcPct val="150000"/>
+              </a:lnSpc>
+              <a:buFont typeface="Arial" panose="020B0604020202020204" pitchFamily="34" charset="0"/>
+              <a:buChar char="•"/>
+            </a:pPr>
+            <a:r>
+              <a:rPr lang="ko-KR" altLang="en-US" sz="2400" b="1" spc="-20" dirty="0">
+                <a:solidFill>
+                  <a:schemeClr val="accent6">
+                    <a:lumMod val="75000"/>
+                  </a:schemeClr>
+                </a:solidFill>
+                <a:latin typeface="나눔고딕" pitchFamily="50" charset="-127"/>
+                <a:ea typeface="나눔고딕" pitchFamily="50" charset="-127"/>
+              </a:rPr>
+              <a:t>배열 포인터 ➤ </a:t>
+            </a:r>
+            <a:r>
+              <a:rPr lang="en-US" altLang="ko-KR" sz="2400" b="1" spc="-20" dirty="0">
+                <a:solidFill>
+                  <a:schemeClr val="accent6">
+                    <a:lumMod val="75000"/>
+                  </a:schemeClr>
+                </a:solidFill>
+                <a:latin typeface="나눔고딕" pitchFamily="50" charset="-127"/>
+                <a:ea typeface="나눔고딕" pitchFamily="50" charset="-127"/>
+              </a:rPr>
+              <a:t>Linked List</a:t>
+            </a:r>
+            <a:r>
+              <a:rPr lang="ko-KR" altLang="en-US" sz="2400" b="1" spc="-20" dirty="0" err="1">
+                <a:solidFill>
+                  <a:schemeClr val="accent6">
+                    <a:lumMod val="75000"/>
+                  </a:schemeClr>
+                </a:solidFill>
+                <a:latin typeface="나눔고딕" pitchFamily="50" charset="-127"/>
+                <a:ea typeface="나눔고딕" pitchFamily="50" charset="-127"/>
+              </a:rPr>
+              <a:t>를</a:t>
+            </a:r>
+            <a:r>
+              <a:rPr lang="ko-KR" altLang="en-US" sz="2400" b="1" spc="-20" dirty="0">
+                <a:solidFill>
+                  <a:schemeClr val="accent6">
+                    <a:lumMod val="75000"/>
+                  </a:schemeClr>
+                </a:solidFill>
+                <a:latin typeface="나눔고딕" pitchFamily="50" charset="-127"/>
+                <a:ea typeface="나눔고딕" pitchFamily="50" charset="-127"/>
+              </a:rPr>
+              <a:t> 활용한 접근</a:t>
+            </a:r>
+            <a:endParaRPr lang="en-US" altLang="ko-KR" sz="2400" b="1" spc="-20" dirty="0">
+              <a:solidFill>
+                <a:schemeClr val="accent6">
+                  <a:lumMod val="75000"/>
+                </a:schemeClr>
+              </a:solidFill>
+              <a:latin typeface="나눔고딕" pitchFamily="50" charset="-127"/>
+              <a:ea typeface="나눔고딕" pitchFamily="50" charset="-127"/>
+            </a:endParaRPr>
+          </a:p>
+          <a:p>
+            <a:pPr marL="342900" indent="-342900">
+              <a:lnSpc>
+                <a:spcPct val="150000"/>
+              </a:lnSpc>
+              <a:buFont typeface="Arial" panose="020B0604020202020204" pitchFamily="34" charset="0"/>
+              <a:buChar char="•"/>
+            </a:pPr>
+            <a:endParaRPr lang="en-US" altLang="ko-KR" sz="2400" b="1" spc="-20" dirty="0">
+              <a:solidFill>
+                <a:schemeClr val="accent6">
+                  <a:lumMod val="75000"/>
+                </a:schemeClr>
+              </a:solidFill>
+              <a:latin typeface="나눔고딕" pitchFamily="50" charset="-127"/>
+              <a:ea typeface="나눔고딕" pitchFamily="50" charset="-127"/>
+            </a:endParaRPr>
+          </a:p>
+          <a:p>
+            <a:pPr marL="342900" indent="-342900">
+              <a:lnSpc>
+                <a:spcPct val="150000"/>
+              </a:lnSpc>
+              <a:buFont typeface="Arial" panose="020B0604020202020204" pitchFamily="34" charset="0"/>
+              <a:buChar char="•"/>
+            </a:pPr>
+            <a:r>
+              <a:rPr lang="ko-KR" altLang="en-US" sz="2400" b="1" spc="-20" dirty="0">
+                <a:solidFill>
+                  <a:schemeClr val="accent6">
+                    <a:lumMod val="75000"/>
+                  </a:schemeClr>
+                </a:solidFill>
+                <a:latin typeface="나눔고딕" pitchFamily="50" charset="-127"/>
+                <a:ea typeface="나눔고딕" pitchFamily="50" charset="-127"/>
+              </a:rPr>
+              <a:t>알고리즘에 중심을 둔 프로그램 계획</a:t>
+            </a:r>
+            <a:endParaRPr lang="en-US" altLang="ko-KR" sz="2400" b="1" spc="-20" dirty="0">
+              <a:solidFill>
+                <a:schemeClr val="accent6">
+                  <a:lumMod val="75000"/>
+                </a:schemeClr>
+              </a:solidFill>
+              <a:latin typeface="나눔고딕" pitchFamily="50" charset="-127"/>
+              <a:ea typeface="나눔고딕" pitchFamily="50" charset="-127"/>
+            </a:endParaRPr>
+          </a:p>
+          <a:p>
+            <a:pPr lvl="2">
+              <a:lnSpc>
+                <a:spcPct val="150000"/>
+              </a:lnSpc>
+            </a:pPr>
+            <a:r>
+              <a:rPr lang="ko-KR" altLang="en-US" sz="2400" b="1" spc="-20" dirty="0">
+                <a:solidFill>
+                  <a:schemeClr val="accent6">
+                    <a:lumMod val="75000"/>
+                  </a:schemeClr>
+                </a:solidFill>
+                <a:latin typeface="나눔고딕" pitchFamily="50" charset="-127"/>
+                <a:ea typeface="나눔고딕" pitchFamily="50" charset="-127"/>
+              </a:rPr>
+              <a:t>➤ </a:t>
+            </a:r>
+            <a:r>
+              <a:rPr lang="ko-KR" altLang="en-US" sz="2400" b="1" spc="-20" dirty="0" err="1">
+                <a:solidFill>
+                  <a:schemeClr val="accent6">
+                    <a:lumMod val="75000"/>
+                  </a:schemeClr>
+                </a:solidFill>
+                <a:latin typeface="나눔고딕" pitchFamily="50" charset="-127"/>
+                <a:ea typeface="나눔고딕" pitchFamily="50" charset="-127"/>
+              </a:rPr>
+              <a:t>다이나믹</a:t>
+            </a:r>
+            <a:r>
+              <a:rPr lang="ko-KR" altLang="en-US" sz="2400" b="1" spc="-20" dirty="0">
+                <a:solidFill>
+                  <a:schemeClr val="accent6">
+                    <a:lumMod val="75000"/>
+                  </a:schemeClr>
+                </a:solidFill>
+                <a:latin typeface="나눔고딕" pitchFamily="50" charset="-127"/>
+                <a:ea typeface="나눔고딕" pitchFamily="50" charset="-127"/>
+              </a:rPr>
+              <a:t> 그래프를 더 활용할 수 있는 아이디어</a:t>
+            </a:r>
+            <a:endParaRPr lang="en-US" altLang="ko-KR" sz="2400" b="1" spc="-20" dirty="0">
+              <a:solidFill>
+                <a:schemeClr val="accent6">
+                  <a:lumMod val="75000"/>
+                </a:schemeClr>
+              </a:solidFill>
+              <a:latin typeface="나눔고딕" pitchFamily="50" charset="-127"/>
+              <a:ea typeface="나눔고딕" pitchFamily="50" charset="-127"/>
+            </a:endParaRPr>
+          </a:p>
+          <a:p>
+            <a:pPr>
+              <a:lnSpc>
+                <a:spcPct val="150000"/>
+              </a:lnSpc>
+            </a:pPr>
+            <a:endParaRPr lang="en-US" altLang="ko-KR" sz="2400" b="1" spc="-20" dirty="0">
+              <a:solidFill>
+                <a:schemeClr val="accent6">
+                  <a:lumMod val="75000"/>
+                </a:schemeClr>
+              </a:solidFill>
+              <a:latin typeface="나눔고딕" pitchFamily="50" charset="-127"/>
+              <a:ea typeface="나눔고딕" pitchFamily="50" charset="-127"/>
+            </a:endParaRPr>
+          </a:p>
+          <a:p>
+            <a:pPr marL="342900" indent="-342900">
+              <a:lnSpc>
+                <a:spcPct val="150000"/>
+              </a:lnSpc>
+              <a:buFont typeface="Arial" panose="020B0604020202020204" pitchFamily="34" charset="0"/>
+              <a:buChar char="•"/>
+            </a:pPr>
+            <a:r>
+              <a:rPr lang="ko-KR" altLang="en-US" sz="2400" b="1" spc="-20" dirty="0">
+                <a:solidFill>
+                  <a:schemeClr val="accent6">
+                    <a:lumMod val="75000"/>
+                  </a:schemeClr>
+                </a:solidFill>
+                <a:latin typeface="나눔고딕" pitchFamily="50" charset="-127"/>
+                <a:ea typeface="나눔고딕" pitchFamily="50" charset="-127"/>
+              </a:rPr>
+              <a:t>무엇을 보여줄지 ➤ 데이터를 어떻게 분석할지를 고민</a:t>
+            </a:r>
+            <a:endParaRPr lang="en-US" altLang="ko-KR" sz="2400" b="1" spc="-20" dirty="0">
+              <a:solidFill>
+                <a:schemeClr val="accent6">
+                  <a:lumMod val="75000"/>
+                </a:schemeClr>
+              </a:solidFill>
+              <a:latin typeface="나눔고딕" pitchFamily="50" charset="-127"/>
+              <a:ea typeface="나눔고딕" pitchFamily="50" charset="-127"/>
+            </a:endParaRPr>
+          </a:p>
+          <a:p>
+            <a:pPr marL="342900" indent="-342900">
+              <a:lnSpc>
+                <a:spcPct val="150000"/>
+              </a:lnSpc>
+              <a:buFont typeface="Arial" panose="020B0604020202020204" pitchFamily="34" charset="0"/>
+              <a:buChar char="•"/>
+            </a:pPr>
+            <a:endParaRPr lang="en-US" altLang="ko-KR" sz="2400" b="1" spc="-20" dirty="0">
+              <a:solidFill>
+                <a:schemeClr val="accent6">
+                  <a:lumMod val="75000"/>
+                </a:schemeClr>
+              </a:solidFill>
+              <a:latin typeface="나눔고딕" pitchFamily="50" charset="-127"/>
+              <a:ea typeface="나눔고딕" pitchFamily="50" charset="-127"/>
+            </a:endParaRPr>
+          </a:p>
+          <a:p>
+            <a:pPr marL="342900" indent="-342900">
+              <a:lnSpc>
+                <a:spcPct val="150000"/>
+              </a:lnSpc>
+              <a:buFont typeface="Arial" panose="020B0604020202020204" pitchFamily="34" charset="0"/>
+              <a:buChar char="•"/>
+            </a:pPr>
+            <a:r>
+              <a:rPr lang="ko-KR" altLang="en-US" sz="2400" b="1" spc="-20" dirty="0">
+                <a:solidFill>
+                  <a:schemeClr val="accent6">
+                    <a:lumMod val="75000"/>
+                  </a:schemeClr>
+                </a:solidFill>
+                <a:latin typeface="나눔고딕" pitchFamily="50" charset="-127"/>
+                <a:ea typeface="나눔고딕" pitchFamily="50" charset="-127"/>
+              </a:rPr>
+              <a:t>다양한 </a:t>
+            </a:r>
+            <a:r>
+              <a:rPr lang="en-US" altLang="ko-KR" sz="2400" b="1" spc="-20" dirty="0">
+                <a:solidFill>
+                  <a:schemeClr val="accent6">
+                    <a:lumMod val="75000"/>
+                  </a:schemeClr>
+                </a:solidFill>
+                <a:latin typeface="나눔고딕" pitchFamily="50" charset="-127"/>
+                <a:ea typeface="나눔고딕" pitchFamily="50" charset="-127"/>
+              </a:rPr>
+              <a:t>Library , GUI, API </a:t>
+            </a:r>
+            <a:r>
+              <a:rPr lang="ko-KR" altLang="en-US" sz="2400" b="1" spc="-20" dirty="0">
+                <a:solidFill>
+                  <a:schemeClr val="accent6">
+                    <a:lumMod val="75000"/>
+                  </a:schemeClr>
+                </a:solidFill>
+                <a:latin typeface="나눔고딕" pitchFamily="50" charset="-127"/>
+                <a:ea typeface="나눔고딕" pitchFamily="50" charset="-127"/>
+              </a:rPr>
+              <a:t>활용의 필요성</a:t>
+            </a:r>
+            <a:endParaRPr lang="en-US" altLang="ko-KR" sz="2400" b="1" spc="-20" dirty="0">
+              <a:solidFill>
+                <a:schemeClr val="accent6">
+                  <a:lumMod val="75000"/>
+                </a:schemeClr>
+              </a:solidFill>
+              <a:latin typeface="나눔고딕" pitchFamily="50" charset="-127"/>
+              <a:ea typeface="나눔고딕" pitchFamily="50" charset="-127"/>
+            </a:endParaRPr>
+          </a:p>
+          <a:p>
+            <a:pPr>
+              <a:lnSpc>
+                <a:spcPct val="150000"/>
+              </a:lnSpc>
+            </a:pPr>
+            <a:endParaRPr lang="en-US" altLang="ko-KR" sz="2400" b="1" spc="-20" dirty="0">
+              <a:solidFill>
+                <a:schemeClr val="accent6">
+                  <a:lumMod val="75000"/>
+                </a:schemeClr>
+              </a:solidFill>
+              <a:latin typeface="나눔고딕" pitchFamily="50" charset="-127"/>
+              <a:ea typeface="나눔고딕" pitchFamily="50" charset="-127"/>
+            </a:endParaRPr>
+          </a:p>
+        </p:txBody>
+      </p:sp>
+    </p:spTree>
+    <p:extLst>
+      <p:ext uri="{BB962C8B-B14F-4D97-AF65-F5344CB8AC3E}">
+        <p14:creationId xmlns:p14="http://schemas.microsoft.com/office/powerpoint/2010/main" val="366957459"/>
+      </p:ext>
+    </p:extLst>
+  </p:cSld>
+  <p:clrMapOvr>
+    <a:masterClrMapping/>
+  </p:clrMapOvr>
+</p:sld>
+</file>
+
 <file path=ppt/slides/slide2.xml><?xml version="1.0" encoding="utf-8"?>
+<p:sld xmlns:a="http://schemas.openxmlformats.org/drawingml/2006/main" xmlns:r="http://schemas.openxmlformats.org/officeDocument/2006/relationships" xmlns:p="http://schemas.openxmlformats.org/presentationml/2006/main">
+  <p:cSld>
+    <p:spTree>
+      <p:nvGrpSpPr>
+        <p:cNvPr id="1" name=""/>
+        <p:cNvGrpSpPr/>
+        <p:nvPr/>
+      </p:nvGrpSpPr>
+      <p:grpSpPr>
+        <a:xfrm>
+          <a:off x="0" y="0"/>
+          <a:ext cx="0" cy="0"/>
+          <a:chOff x="0" y="0"/>
+          <a:chExt cx="0" cy="0"/>
+        </a:xfrm>
+      </p:grpSpPr>
+      <p:sp>
+        <p:nvSpPr>
+          <p:cNvPr id="2" name="제목 1"/>
+          <p:cNvSpPr>
+            <a:spLocks noGrp="1"/>
+          </p:cNvSpPr>
+          <p:nvPr>
+            <p:ph type="ctrTitle"/>
+          </p:nvPr>
+        </p:nvSpPr>
+        <p:spPr>
+          <a:xfrm>
+            <a:off x="467544" y="404664"/>
+            <a:ext cx="6552728" cy="704078"/>
+          </a:xfrm>
+        </p:spPr>
+        <p:txBody>
+          <a:bodyPr>
+            <a:noAutofit/>
+          </a:bodyPr>
+          <a:lstStyle/>
+          <a:p>
+            <a:pPr algn="l"/>
+            <a:r>
+              <a:rPr lang="en-US" altLang="ko-KR" sz="3200" spc="-100" dirty="0" err="1">
+                <a:latin typeface="나눔고딕 ExtraBold" pitchFamily="50" charset="-127"/>
+                <a:ea typeface="나눔고딕 ExtraBold" pitchFamily="50" charset="-127"/>
+              </a:rPr>
+              <a:t>Data_type</a:t>
+            </a:r>
+            <a:endParaRPr lang="en-US" altLang="ko-KR" sz="3000" b="1" spc="-100" dirty="0">
+              <a:solidFill>
+                <a:schemeClr val="accent6">
+                  <a:lumMod val="75000"/>
+                </a:schemeClr>
+              </a:solidFill>
+              <a:latin typeface="나눔고딕 ExtraBold" pitchFamily="50" charset="-127"/>
+              <a:ea typeface="나눔고딕 ExtraBold" pitchFamily="50" charset="-127"/>
+            </a:endParaRPr>
+          </a:p>
+        </p:txBody>
+      </p:sp>
+      <p:sp>
+        <p:nvSpPr>
+          <p:cNvPr id="8" name="직사각형 7"/>
+          <p:cNvSpPr/>
+          <p:nvPr/>
+        </p:nvSpPr>
+        <p:spPr>
+          <a:xfrm>
+            <a:off x="395536" y="404664"/>
+            <a:ext cx="8352928" cy="792088"/>
+          </a:xfrm>
+          <a:prstGeom prst="rect">
+            <a:avLst/>
+          </a:prstGeom>
+          <a:noFill/>
+          <a:ln w="88900">
+            <a:solidFill>
+              <a:schemeClr val="accent6">
+                <a:lumMod val="75000"/>
+              </a:schemeClr>
+            </a:solidFill>
+            <a:miter lim="800000"/>
+          </a:ln>
+        </p:spPr>
+        <p:style>
+          <a:lnRef idx="2">
+            <a:schemeClr val="accent1">
+              <a:shade val="50000"/>
+            </a:schemeClr>
+          </a:lnRef>
+          <a:fillRef idx="1">
+            <a:schemeClr val="accent1"/>
+          </a:fillRef>
+          <a:effectRef idx="0">
+            <a:schemeClr val="accent1"/>
+          </a:effectRef>
+          <a:fontRef idx="minor">
+            <a:schemeClr val="lt1"/>
+          </a:fontRef>
+        </p:style>
+        <p:txBody>
+          <a:bodyPr rtlCol="0" anchor="ctr"/>
+          <a:lstStyle/>
+          <a:p>
+            <a:pPr algn="ctr"/>
+            <a:endParaRPr lang="ko-KR" altLang="en-US" dirty="0">
+              <a:solidFill>
+                <a:schemeClr val="accent6">
+                  <a:lumMod val="75000"/>
+                </a:schemeClr>
+              </a:solidFill>
+              <a:latin typeface="나눔고딕" pitchFamily="50" charset="-127"/>
+              <a:ea typeface="나눔고딕" pitchFamily="50" charset="-127"/>
+            </a:endParaRPr>
+          </a:p>
+        </p:txBody>
+      </p:sp>
+      <p:sp>
+        <p:nvSpPr>
+          <p:cNvPr id="20" name="제목 1">
+            <a:extLst>
+              <a:ext uri="{FF2B5EF4-FFF2-40B4-BE49-F238E27FC236}">
+                <a16:creationId xmlns:a16="http://schemas.microsoft.com/office/drawing/2014/main" id="{55BFEB79-7FEA-4549-BA3A-7E6C629B3553}"/>
+              </a:ext>
+            </a:extLst>
+          </p:cNvPr>
+          <p:cNvSpPr txBox="1">
+            <a:spLocks/>
+          </p:cNvSpPr>
+          <p:nvPr/>
+        </p:nvSpPr>
+        <p:spPr>
+          <a:xfrm>
+            <a:off x="5508104" y="476673"/>
+            <a:ext cx="2941314" cy="1080120"/>
+          </a:xfrm>
+          <a:prstGeom prst="rect">
+            <a:avLst/>
+          </a:prstGeom>
+        </p:spPr>
+        <p:txBody>
+          <a:bodyPr vert="horz" lIns="91440" tIns="45720" rIns="91440" bIns="45720" rtlCol="0" anchor="t">
+            <a:noAutofit/>
+          </a:bodyPr>
+          <a:lstStyle/>
+          <a:p>
+            <a:pPr marL="0" marR="0" lvl="0" indent="0" algn="r" defTabSz="914400" rtl="0" eaLnBrk="1" fontAlgn="auto" latinLnBrk="1" hangingPunct="1">
+              <a:lnSpc>
+                <a:spcPts val="5600"/>
+              </a:lnSpc>
+              <a:spcBef>
+                <a:spcPct val="0"/>
+              </a:spcBef>
+              <a:spcAft>
+                <a:spcPts val="0"/>
+              </a:spcAft>
+              <a:buClrTx/>
+              <a:buSzTx/>
+              <a:buFontTx/>
+              <a:buNone/>
+              <a:tabLst/>
+              <a:defRPr/>
+            </a:pPr>
+            <a:r>
+              <a:rPr kumimoji="0" lang="en-US" altLang="ko-KR" sz="2400" b="1" i="0" u="none" strike="noStrike" kern="1200" cap="none" spc="-150" normalizeH="0" baseline="0" noProof="0" dirty="0">
+                <a:ln>
+                  <a:noFill/>
+                </a:ln>
+                <a:solidFill>
+                  <a:srgbClr val="706868"/>
+                </a:solidFill>
+                <a:effectLst/>
+                <a:uLnTx/>
+                <a:uFillTx/>
+                <a:latin typeface="나눔고딕 ExtraBold" pitchFamily="50" charset="-127"/>
+                <a:ea typeface="나눔고딕 ExtraBold" pitchFamily="50" charset="-127"/>
+                <a:cs typeface="+mj-cs"/>
+              </a:rPr>
+              <a:t>03. </a:t>
+            </a:r>
+            <a:r>
+              <a:rPr lang="en-US" altLang="ko-KR" sz="2400" b="1" spc="-150" dirty="0">
+                <a:solidFill>
+                  <a:srgbClr val="706868"/>
+                </a:solidFill>
+                <a:latin typeface="나눔고딕 ExtraBold" pitchFamily="50" charset="-127"/>
+                <a:ea typeface="나눔고딕 ExtraBold" pitchFamily="50" charset="-127"/>
+                <a:cs typeface="+mj-cs"/>
+              </a:rPr>
+              <a:t>programing</a:t>
+            </a:r>
+            <a:r>
+              <a:rPr kumimoji="0" lang="en-US" altLang="ko-KR" sz="2400" b="1" i="0" u="none" strike="noStrike" kern="1200" cap="none" spc="-150" normalizeH="0" baseline="0" noProof="0" dirty="0">
+                <a:ln>
+                  <a:noFill/>
+                </a:ln>
+                <a:solidFill>
+                  <a:srgbClr val="706868"/>
+                </a:solidFill>
+                <a:effectLst/>
+                <a:uLnTx/>
+                <a:uFillTx/>
+                <a:latin typeface="나눔고딕 ExtraBold" pitchFamily="50" charset="-127"/>
+                <a:ea typeface="나눔고딕 ExtraBold" pitchFamily="50" charset="-127"/>
+                <a:cs typeface="+mj-cs"/>
+              </a:rPr>
+              <a:t> </a:t>
+            </a:r>
+          </a:p>
+          <a:p>
+            <a:pPr marL="0" marR="0" lvl="0" indent="0" algn="r" defTabSz="914400" rtl="0" eaLnBrk="1" fontAlgn="auto" latinLnBrk="1" hangingPunct="1">
+              <a:lnSpc>
+                <a:spcPts val="5600"/>
+              </a:lnSpc>
+              <a:spcBef>
+                <a:spcPct val="0"/>
+              </a:spcBef>
+              <a:spcAft>
+                <a:spcPts val="0"/>
+              </a:spcAft>
+              <a:buClrTx/>
+              <a:buSzTx/>
+              <a:buFontTx/>
+              <a:buNone/>
+              <a:tabLst/>
+              <a:defRPr/>
+            </a:pPr>
+            <a:endParaRPr kumimoji="0" lang="ko-KR" altLang="en-US" sz="2400" b="0" i="0" u="none" strike="noStrike" kern="1200" cap="none" spc="0" normalizeH="0" baseline="0" noProof="0" dirty="0">
+              <a:ln>
+                <a:noFill/>
+              </a:ln>
+              <a:solidFill>
+                <a:srgbClr val="706868"/>
+              </a:solidFill>
+              <a:effectLst/>
+              <a:uLnTx/>
+              <a:uFillTx/>
+              <a:latin typeface="나눔고딕 ExtraBold" pitchFamily="50" charset="-127"/>
+              <a:ea typeface="나눔고딕 ExtraBold" pitchFamily="50" charset="-127"/>
+              <a:cs typeface="+mj-cs"/>
+            </a:endParaRPr>
+          </a:p>
+        </p:txBody>
+      </p:sp>
+      <p:sp>
+        <p:nvSpPr>
+          <p:cNvPr id="10" name="TextBox 9">
+            <a:extLst>
+              <a:ext uri="{FF2B5EF4-FFF2-40B4-BE49-F238E27FC236}">
+                <a16:creationId xmlns:a16="http://schemas.microsoft.com/office/drawing/2014/main" id="{549AD279-1A70-8E48-8ACA-8C1359690FD9}"/>
+              </a:ext>
+            </a:extLst>
+          </p:cNvPr>
+          <p:cNvSpPr txBox="1"/>
+          <p:nvPr/>
+        </p:nvSpPr>
+        <p:spPr>
+          <a:xfrm>
+            <a:off x="395536" y="1454074"/>
+            <a:ext cx="4510261" cy="4850559"/>
+          </a:xfrm>
+          <a:prstGeom prst="rect">
+            <a:avLst/>
+          </a:prstGeom>
+          <a:noFill/>
+        </p:spPr>
+        <p:txBody>
+          <a:bodyPr wrap="square" rtlCol="0">
+            <a:spAutoFit/>
+          </a:bodyPr>
+          <a:lstStyle/>
+          <a:p>
+            <a:pPr>
+              <a:lnSpc>
+                <a:spcPct val="150000"/>
+              </a:lnSpc>
+            </a:pPr>
+            <a:r>
+              <a:rPr lang="en-US" altLang="ko-KR" sz="1600" b="1" spc="-20" dirty="0">
+                <a:solidFill>
+                  <a:schemeClr val="accent6">
+                    <a:lumMod val="75000"/>
+                  </a:schemeClr>
+                </a:solidFill>
+                <a:latin typeface="나눔고딕" pitchFamily="50" charset="-127"/>
+                <a:ea typeface="나눔고딕" pitchFamily="50" charset="-127"/>
+              </a:rPr>
+              <a:t>[FILE_HEADER]</a:t>
+            </a:r>
+          </a:p>
+          <a:p>
+            <a:pPr>
+              <a:lnSpc>
+                <a:spcPct val="150000"/>
+              </a:lnSpc>
+            </a:pPr>
+            <a:r>
+              <a:rPr lang="en-US" altLang="ko-KR" sz="1600" b="1" spc="-20" dirty="0">
+                <a:solidFill>
+                  <a:schemeClr val="accent6">
+                    <a:lumMod val="75000"/>
+                  </a:schemeClr>
+                </a:solidFill>
+                <a:latin typeface="나눔고딕" pitchFamily="50" charset="-127"/>
+                <a:ea typeface="나눔고딕" pitchFamily="50" charset="-127"/>
+              </a:rPr>
+              <a:t>	</a:t>
+            </a:r>
+            <a:r>
+              <a:rPr lang="en-US" altLang="ko-KR" sz="1600" b="1" spc="-20" dirty="0" err="1">
+                <a:solidFill>
+                  <a:schemeClr val="accent6">
+                    <a:lumMod val="75000"/>
+                  </a:schemeClr>
+                </a:solidFill>
+                <a:latin typeface="나눔고딕" pitchFamily="50" charset="-127"/>
+                <a:ea typeface="나눔고딕" pitchFamily="50" charset="-127"/>
+              </a:rPr>
+              <a:t>At_data</a:t>
+            </a:r>
+            <a:r>
+              <a:rPr lang="ko-KR" altLang="en-US" sz="1600" b="1" spc="-20" dirty="0">
+                <a:solidFill>
+                  <a:schemeClr val="accent6">
+                    <a:lumMod val="75000"/>
+                  </a:schemeClr>
+                </a:solidFill>
+                <a:latin typeface="나눔고딕" pitchFamily="50" charset="-127"/>
+                <a:ea typeface="나눔고딕" pitchFamily="50" charset="-127"/>
+              </a:rPr>
+              <a:t> 의 </a:t>
+            </a:r>
+            <a:r>
+              <a:rPr lang="ko-KR" altLang="en-US" sz="1600" b="1" spc="-20" dirty="0" err="1">
+                <a:solidFill>
+                  <a:schemeClr val="accent6">
+                    <a:lumMod val="75000"/>
+                  </a:schemeClr>
+                </a:solidFill>
+                <a:latin typeface="나눔고딕" pitchFamily="50" charset="-127"/>
+                <a:ea typeface="나눔고딕" pitchFamily="50" charset="-127"/>
+              </a:rPr>
+              <a:t>헤더파일</a:t>
+            </a:r>
+            <a:endParaRPr lang="en-US" altLang="ko-KR" sz="1600" b="1" spc="-20" dirty="0">
+              <a:solidFill>
+                <a:schemeClr val="accent6">
+                  <a:lumMod val="75000"/>
+                </a:schemeClr>
+              </a:solidFill>
+              <a:latin typeface="나눔고딕" pitchFamily="50" charset="-127"/>
+              <a:ea typeface="나눔고딕" pitchFamily="50" charset="-127"/>
+            </a:endParaRPr>
+          </a:p>
+          <a:p>
+            <a:pPr>
+              <a:lnSpc>
+                <a:spcPct val="150000"/>
+              </a:lnSpc>
+            </a:pPr>
+            <a:r>
+              <a:rPr lang="en-US" altLang="ko-KR" sz="1600" b="1" spc="-20" dirty="0">
+                <a:solidFill>
+                  <a:schemeClr val="accent6">
+                    <a:lumMod val="75000"/>
+                  </a:schemeClr>
+                </a:solidFill>
+                <a:latin typeface="나눔고딕" pitchFamily="50" charset="-127"/>
+                <a:ea typeface="나눔고딕" pitchFamily="50" charset="-127"/>
+              </a:rPr>
+              <a:t>[INDEX]</a:t>
+            </a:r>
+          </a:p>
+          <a:p>
+            <a:pPr>
+              <a:lnSpc>
+                <a:spcPct val="150000"/>
+              </a:lnSpc>
+            </a:pPr>
+            <a:r>
+              <a:rPr lang="en-US" altLang="ko-KR" sz="1600" b="1" spc="-20" dirty="0">
+                <a:solidFill>
+                  <a:schemeClr val="accent6">
+                    <a:lumMod val="75000"/>
+                  </a:schemeClr>
+                </a:solidFill>
+                <a:latin typeface="나눔고딕" pitchFamily="50" charset="-127"/>
+                <a:ea typeface="나눔고딕" pitchFamily="50" charset="-127"/>
+              </a:rPr>
+              <a:t>	</a:t>
+            </a:r>
+            <a:r>
+              <a:rPr lang="en-US" altLang="ko-KR" sz="1600" b="1" spc="-20" dirty="0" err="1">
+                <a:solidFill>
+                  <a:schemeClr val="accent6">
+                    <a:lumMod val="75000"/>
+                  </a:schemeClr>
+                </a:solidFill>
+                <a:latin typeface="나눔고딕" pitchFamily="50" charset="-127"/>
+                <a:ea typeface="나눔고딕" pitchFamily="50" charset="-127"/>
+              </a:rPr>
+              <a:t>attraction.dat</a:t>
+            </a:r>
+            <a:r>
+              <a:rPr lang="ko-KR" altLang="en-US" sz="1600" b="1" spc="-20" dirty="0">
+                <a:solidFill>
+                  <a:schemeClr val="accent6">
+                    <a:lumMod val="75000"/>
+                  </a:schemeClr>
+                </a:solidFill>
+                <a:latin typeface="나눔고딕" pitchFamily="50" charset="-127"/>
+                <a:ea typeface="나눔고딕" pitchFamily="50" charset="-127"/>
+              </a:rPr>
+              <a:t>파일에 저장되는</a:t>
+            </a:r>
+            <a:r>
+              <a:rPr lang="en-US" altLang="ko-KR" sz="1600" b="1" spc="-20" dirty="0">
+                <a:solidFill>
+                  <a:schemeClr val="accent6">
+                    <a:lumMod val="75000"/>
+                  </a:schemeClr>
+                </a:solidFill>
+                <a:latin typeface="나눔고딕" pitchFamily="50" charset="-127"/>
+                <a:ea typeface="나눔고딕" pitchFamily="50" charset="-127"/>
+              </a:rPr>
+              <a:t>	</a:t>
+            </a:r>
+          </a:p>
+          <a:p>
+            <a:pPr>
+              <a:lnSpc>
+                <a:spcPct val="150000"/>
+              </a:lnSpc>
+            </a:pPr>
+            <a:r>
+              <a:rPr lang="en-US" altLang="ko-KR" sz="1600" b="1" spc="-20" dirty="0">
+                <a:solidFill>
+                  <a:schemeClr val="accent6">
+                    <a:lumMod val="75000"/>
+                  </a:schemeClr>
+                </a:solidFill>
+                <a:latin typeface="나눔고딕" pitchFamily="50" charset="-127"/>
+                <a:ea typeface="나눔고딕" pitchFamily="50" charset="-127"/>
+              </a:rPr>
+              <a:t>	</a:t>
+            </a:r>
+            <a:r>
+              <a:rPr lang="ko-KR" altLang="en-US" sz="1600" b="1" spc="-20" dirty="0">
+                <a:solidFill>
+                  <a:schemeClr val="accent6">
+                    <a:lumMod val="75000"/>
+                  </a:schemeClr>
+                </a:solidFill>
+                <a:latin typeface="나눔고딕" pitchFamily="50" charset="-127"/>
+                <a:ea typeface="나눔고딕" pitchFamily="50" charset="-127"/>
+              </a:rPr>
+              <a:t>정보의 위치를 기록</a:t>
+            </a:r>
+            <a:endParaRPr lang="en-US" altLang="ko-KR" sz="1600" b="1" spc="-20" dirty="0">
+              <a:solidFill>
+                <a:schemeClr val="accent6">
+                  <a:lumMod val="75000"/>
+                </a:schemeClr>
+              </a:solidFill>
+              <a:latin typeface="나눔고딕" pitchFamily="50" charset="-127"/>
+              <a:ea typeface="나눔고딕" pitchFamily="50" charset="-127"/>
+            </a:endParaRPr>
+          </a:p>
+          <a:p>
+            <a:pPr>
+              <a:lnSpc>
+                <a:spcPct val="150000"/>
+              </a:lnSpc>
+            </a:pPr>
+            <a:r>
+              <a:rPr lang="en-US" altLang="ko-KR" sz="1600" b="1" spc="-20" dirty="0">
+                <a:solidFill>
+                  <a:schemeClr val="accent6">
+                    <a:lumMod val="75000"/>
+                  </a:schemeClr>
+                </a:solidFill>
+                <a:latin typeface="나눔고딕" pitchFamily="50" charset="-127"/>
+                <a:ea typeface="나눔고딕" pitchFamily="50" charset="-127"/>
+              </a:rPr>
+              <a:t>[</a:t>
+            </a:r>
+            <a:r>
+              <a:rPr lang="en-US" altLang="ko-KR" sz="1600" b="1" spc="-20" dirty="0" err="1">
+                <a:solidFill>
+                  <a:schemeClr val="accent6">
+                    <a:lumMod val="75000"/>
+                  </a:schemeClr>
+                </a:solidFill>
+                <a:latin typeface="나눔고딕" pitchFamily="50" charset="-127"/>
+                <a:ea typeface="나눔고딕" pitchFamily="50" charset="-127"/>
+              </a:rPr>
+              <a:t>AttractionData</a:t>
+            </a:r>
+            <a:r>
+              <a:rPr lang="en-US" altLang="ko-KR" sz="1600" b="1" spc="-20" dirty="0">
+                <a:solidFill>
+                  <a:schemeClr val="accent6">
+                    <a:lumMod val="75000"/>
+                  </a:schemeClr>
+                </a:solidFill>
+                <a:latin typeface="나눔고딕" pitchFamily="50" charset="-127"/>
+                <a:ea typeface="나눔고딕" pitchFamily="50" charset="-127"/>
+              </a:rPr>
+              <a:t>]</a:t>
+            </a:r>
+          </a:p>
+          <a:p>
+            <a:pPr>
+              <a:lnSpc>
+                <a:spcPct val="150000"/>
+              </a:lnSpc>
+            </a:pPr>
+            <a:r>
+              <a:rPr lang="en-US" altLang="ko-KR" sz="1600" b="1" spc="-20" dirty="0">
+                <a:solidFill>
+                  <a:schemeClr val="accent6">
+                    <a:lumMod val="75000"/>
+                  </a:schemeClr>
+                </a:solidFill>
+                <a:latin typeface="나눔고딕" pitchFamily="50" charset="-127"/>
+                <a:ea typeface="나눔고딕" pitchFamily="50" charset="-127"/>
+              </a:rPr>
+              <a:t>	</a:t>
+            </a:r>
+            <a:r>
+              <a:rPr lang="ko-KR" altLang="en-US" sz="1600" b="1" spc="-20" dirty="0">
+                <a:solidFill>
+                  <a:schemeClr val="accent6">
+                    <a:lumMod val="75000"/>
+                  </a:schemeClr>
+                </a:solidFill>
+                <a:latin typeface="나눔고딕" pitchFamily="50" charset="-127"/>
+                <a:ea typeface="나눔고딕" pitchFamily="50" charset="-127"/>
+              </a:rPr>
+              <a:t>사용자가 입력하는 관광지 정보</a:t>
+            </a:r>
+            <a:endParaRPr lang="en-US" altLang="ko-KR" sz="1600" b="1" spc="-20" dirty="0">
+              <a:solidFill>
+                <a:schemeClr val="accent6">
+                  <a:lumMod val="75000"/>
+                </a:schemeClr>
+              </a:solidFill>
+              <a:latin typeface="나눔고딕" pitchFamily="50" charset="-127"/>
+              <a:ea typeface="나눔고딕" pitchFamily="50" charset="-127"/>
+            </a:endParaRPr>
+          </a:p>
+          <a:p>
+            <a:pPr>
+              <a:lnSpc>
+                <a:spcPct val="150000"/>
+              </a:lnSpc>
+            </a:pPr>
+            <a:r>
+              <a:rPr lang="en-US" altLang="ko-KR" sz="1600" b="1" spc="-20" dirty="0">
+                <a:solidFill>
+                  <a:schemeClr val="accent6">
+                    <a:lumMod val="75000"/>
+                  </a:schemeClr>
+                </a:solidFill>
+                <a:latin typeface="나눔고딕" pitchFamily="50" charset="-127"/>
+                <a:ea typeface="나눔고딕" pitchFamily="50" charset="-127"/>
+              </a:rPr>
+              <a:t>	</a:t>
+            </a:r>
+            <a:r>
+              <a:rPr lang="en-US" altLang="ko-KR" sz="1600" b="1" spc="-20" dirty="0" err="1">
+                <a:solidFill>
+                  <a:schemeClr val="accent6">
+                    <a:lumMod val="75000"/>
+                  </a:schemeClr>
+                </a:solidFill>
+                <a:latin typeface="나눔고딕" pitchFamily="50" charset="-127"/>
+                <a:ea typeface="나눔고딕" pitchFamily="50" charset="-127"/>
+              </a:rPr>
+              <a:t>attraction.dat</a:t>
+            </a:r>
+            <a:r>
+              <a:rPr lang="ko-KR" altLang="en-US" sz="1600" b="1" spc="-20" dirty="0">
+                <a:solidFill>
+                  <a:schemeClr val="accent6">
+                    <a:lumMod val="75000"/>
+                  </a:schemeClr>
+                </a:solidFill>
+                <a:latin typeface="나눔고딕" pitchFamily="50" charset="-127"/>
+                <a:ea typeface="나눔고딕" pitchFamily="50" charset="-127"/>
+              </a:rPr>
+              <a:t>파일에 저장</a:t>
+            </a:r>
+            <a:endParaRPr lang="en-US" altLang="ko-KR" sz="1600" b="1" spc="-20" dirty="0">
+              <a:solidFill>
+                <a:schemeClr val="accent6">
+                  <a:lumMod val="75000"/>
+                </a:schemeClr>
+              </a:solidFill>
+              <a:latin typeface="나눔고딕" pitchFamily="50" charset="-127"/>
+              <a:ea typeface="나눔고딕" pitchFamily="50" charset="-127"/>
+            </a:endParaRPr>
+          </a:p>
+          <a:p>
+            <a:pPr>
+              <a:lnSpc>
+                <a:spcPct val="150000"/>
+              </a:lnSpc>
+            </a:pPr>
+            <a:r>
+              <a:rPr lang="en-US" altLang="ko-KR" sz="1600" b="1" spc="-20" dirty="0">
+                <a:solidFill>
+                  <a:schemeClr val="accent6">
+                    <a:lumMod val="75000"/>
+                  </a:schemeClr>
+                </a:solidFill>
+                <a:latin typeface="나눔고딕" pitchFamily="50" charset="-127"/>
+                <a:ea typeface="나눔고딕" pitchFamily="50" charset="-127"/>
+              </a:rPr>
+              <a:t>[</a:t>
+            </a:r>
+            <a:r>
+              <a:rPr lang="en-US" altLang="ko-KR" sz="1600" b="1" spc="-20" dirty="0" err="1">
+                <a:solidFill>
+                  <a:schemeClr val="accent6">
+                    <a:lumMod val="75000"/>
+                  </a:schemeClr>
+                </a:solidFill>
+                <a:latin typeface="나눔고딕" pitchFamily="50" charset="-127"/>
+                <a:ea typeface="나눔고딕" pitchFamily="50" charset="-127"/>
+              </a:rPr>
+              <a:t>Operation_Time</a:t>
+            </a:r>
+            <a:r>
+              <a:rPr lang="en-US" altLang="ko-KR" sz="1600" b="1" spc="-20" dirty="0">
+                <a:solidFill>
+                  <a:schemeClr val="accent6">
+                    <a:lumMod val="75000"/>
+                  </a:schemeClr>
+                </a:solidFill>
+                <a:latin typeface="나눔고딕" pitchFamily="50" charset="-127"/>
+                <a:ea typeface="나눔고딕" pitchFamily="50" charset="-127"/>
+              </a:rPr>
+              <a:t>]</a:t>
+            </a:r>
+          </a:p>
+          <a:p>
+            <a:pPr>
+              <a:lnSpc>
+                <a:spcPct val="150000"/>
+              </a:lnSpc>
+            </a:pPr>
+            <a:r>
+              <a:rPr lang="en-US" altLang="ko-KR" sz="1600" b="1" spc="-20" dirty="0">
+                <a:solidFill>
+                  <a:schemeClr val="accent6">
+                    <a:lumMod val="75000"/>
+                  </a:schemeClr>
+                </a:solidFill>
+                <a:latin typeface="나눔고딕" pitchFamily="50" charset="-127"/>
+                <a:ea typeface="나눔고딕" pitchFamily="50" charset="-127"/>
+              </a:rPr>
+              <a:t>	</a:t>
+            </a:r>
+            <a:r>
+              <a:rPr lang="en-US" altLang="ko-KR" sz="1600" b="1" spc="-20" dirty="0" err="1">
+                <a:solidFill>
+                  <a:schemeClr val="accent6">
+                    <a:lumMod val="75000"/>
+                  </a:schemeClr>
+                </a:solidFill>
+                <a:latin typeface="나눔고딕" pitchFamily="50" charset="-127"/>
+                <a:ea typeface="나눔고딕" pitchFamily="50" charset="-127"/>
+              </a:rPr>
+              <a:t>AttractionData</a:t>
+            </a:r>
+            <a:r>
+              <a:rPr lang="ko-KR" altLang="en-US" sz="1600" b="1" spc="-20" dirty="0">
+                <a:solidFill>
+                  <a:schemeClr val="accent6">
+                    <a:lumMod val="75000"/>
+                  </a:schemeClr>
+                </a:solidFill>
+                <a:latin typeface="나눔고딕" pitchFamily="50" charset="-127"/>
+                <a:ea typeface="나눔고딕" pitchFamily="50" charset="-127"/>
+              </a:rPr>
+              <a:t> 하위 구조체</a:t>
+            </a:r>
+            <a:endParaRPr lang="en-US" altLang="ko-KR" sz="1600" b="1" spc="-20" dirty="0">
+              <a:solidFill>
+                <a:schemeClr val="accent6">
+                  <a:lumMod val="75000"/>
+                </a:schemeClr>
+              </a:solidFill>
+              <a:latin typeface="나눔고딕" pitchFamily="50" charset="-127"/>
+              <a:ea typeface="나눔고딕" pitchFamily="50" charset="-127"/>
+            </a:endParaRPr>
+          </a:p>
+          <a:p>
+            <a:pPr>
+              <a:lnSpc>
+                <a:spcPct val="150000"/>
+              </a:lnSpc>
+            </a:pPr>
+            <a:r>
+              <a:rPr lang="en-US" altLang="ko-KR" sz="1600" b="1" spc="-20" dirty="0">
+                <a:solidFill>
+                  <a:schemeClr val="accent6">
+                    <a:lumMod val="75000"/>
+                  </a:schemeClr>
+                </a:solidFill>
+                <a:latin typeface="나눔고딕" pitchFamily="50" charset="-127"/>
+                <a:ea typeface="나눔고딕" pitchFamily="50" charset="-127"/>
+              </a:rPr>
+              <a:t>	</a:t>
+            </a:r>
+            <a:r>
+              <a:rPr lang="ko-KR" altLang="en-US" sz="1600" b="1" spc="-20" dirty="0">
+                <a:solidFill>
+                  <a:schemeClr val="accent6">
+                    <a:lumMod val="75000"/>
+                  </a:schemeClr>
+                </a:solidFill>
+                <a:latin typeface="나눔고딕" pitchFamily="50" charset="-127"/>
+                <a:ea typeface="나눔고딕" pitchFamily="50" charset="-127"/>
+              </a:rPr>
+              <a:t>관광지의 운영시간 저장</a:t>
+            </a:r>
+            <a:endParaRPr lang="en-US" altLang="ko-KR" sz="1600" b="1" spc="-20" dirty="0">
+              <a:solidFill>
+                <a:schemeClr val="accent6">
+                  <a:lumMod val="75000"/>
+                </a:schemeClr>
+              </a:solidFill>
+              <a:latin typeface="나눔고딕" pitchFamily="50" charset="-127"/>
+              <a:ea typeface="나눔고딕" pitchFamily="50" charset="-127"/>
+            </a:endParaRPr>
+          </a:p>
+          <a:p>
+            <a:pPr>
+              <a:lnSpc>
+                <a:spcPct val="150000"/>
+              </a:lnSpc>
+            </a:pPr>
+            <a:r>
+              <a:rPr lang="en-US" altLang="ko-KR" sz="1600" b="1" spc="-20" dirty="0">
+                <a:solidFill>
+                  <a:schemeClr val="accent6">
+                    <a:lumMod val="75000"/>
+                  </a:schemeClr>
+                </a:solidFill>
+                <a:latin typeface="나눔고딕" pitchFamily="50" charset="-127"/>
+                <a:ea typeface="나눔고딕" pitchFamily="50" charset="-127"/>
+              </a:rPr>
+              <a:t>[Path[][]]</a:t>
+            </a:r>
+          </a:p>
+          <a:p>
+            <a:pPr>
+              <a:lnSpc>
+                <a:spcPct val="150000"/>
+              </a:lnSpc>
+            </a:pPr>
+            <a:r>
+              <a:rPr lang="en-US" altLang="ko-KR" sz="1600" b="1" spc="-20" dirty="0">
+                <a:solidFill>
+                  <a:schemeClr val="accent6">
+                    <a:lumMod val="75000"/>
+                  </a:schemeClr>
+                </a:solidFill>
+                <a:latin typeface="나눔고딕" pitchFamily="50" charset="-127"/>
+                <a:ea typeface="나눔고딕" pitchFamily="50" charset="-127"/>
+              </a:rPr>
+              <a:t>	</a:t>
+            </a:r>
+            <a:r>
+              <a:rPr lang="ko-KR" altLang="en-US" sz="1600" b="1" spc="-20" dirty="0">
+                <a:solidFill>
+                  <a:schemeClr val="accent6">
+                    <a:lumMod val="75000"/>
+                  </a:schemeClr>
+                </a:solidFill>
+                <a:latin typeface="나눔고딕" pitchFamily="50" charset="-127"/>
+                <a:ea typeface="나눔고딕" pitchFamily="50" charset="-127"/>
+              </a:rPr>
+              <a:t>관광지끼리의 이동시간 정보를 저장</a:t>
+            </a:r>
+            <a:endParaRPr lang="en-US" altLang="ko-KR" sz="1600" b="1" spc="-20" dirty="0">
+              <a:solidFill>
+                <a:schemeClr val="accent6">
+                  <a:lumMod val="75000"/>
+                </a:schemeClr>
+              </a:solidFill>
+              <a:latin typeface="나눔고딕" pitchFamily="50" charset="-127"/>
+              <a:ea typeface="나눔고딕" pitchFamily="50" charset="-127"/>
+            </a:endParaRPr>
+          </a:p>
+        </p:txBody>
+      </p:sp>
+      <p:pic>
+        <p:nvPicPr>
+          <p:cNvPr id="7" name="그림 6">
+            <a:extLst>
+              <a:ext uri="{FF2B5EF4-FFF2-40B4-BE49-F238E27FC236}">
+                <a16:creationId xmlns:a16="http://schemas.microsoft.com/office/drawing/2014/main" id="{00479F41-1606-5149-A6F4-8405090C6AB5}"/>
+              </a:ext>
+            </a:extLst>
+          </p:cNvPr>
+          <p:cNvPicPr>
+            <a:picLocks noChangeAspect="1"/>
+          </p:cNvPicPr>
+          <p:nvPr/>
+        </p:nvPicPr>
+        <p:blipFill>
+          <a:blip r:embed="rId3">
+            <a:extLst>
+              <a:ext uri="{28A0092B-C50C-407E-A947-70E740481C1C}">
+                <a14:useLocalDpi xmlns:a14="http://schemas.microsoft.com/office/drawing/2010/main" val="0"/>
+              </a:ext>
+            </a:extLst>
+          </a:blip>
+          <a:stretch>
+            <a:fillRect/>
+          </a:stretch>
+        </p:blipFill>
+        <p:spPr>
+          <a:xfrm>
+            <a:off x="4239964" y="2151637"/>
+            <a:ext cx="4508500" cy="3086100"/>
+          </a:xfrm>
+          <a:prstGeom prst="rect">
+            <a:avLst/>
+          </a:prstGeom>
+        </p:spPr>
+      </p:pic>
+    </p:spTree>
+    <p:extLst>
+      <p:ext uri="{BB962C8B-B14F-4D97-AF65-F5344CB8AC3E}">
+        <p14:creationId xmlns:p14="http://schemas.microsoft.com/office/powerpoint/2010/main" val="2157019614"/>
+      </p:ext>
+    </p:extLst>
+  </p:cSld>
+  <p:clrMapOvr>
+    <a:masterClrMapping/>
+  </p:clrMapOvr>
+</p:sld>
+</file>
+
+<file path=ppt/slides/slide3.xml><?xml version="1.0" encoding="utf-8"?>
+<p:sld xmlns:a="http://schemas.openxmlformats.org/drawingml/2006/main" xmlns:r="http://schemas.openxmlformats.org/officeDocument/2006/relationships" xmlns:p="http://schemas.openxmlformats.org/presentationml/2006/main">
+  <p:cSld>
+    <p:spTree>
+      <p:nvGrpSpPr>
+        <p:cNvPr id="1" name=""/>
+        <p:cNvGrpSpPr/>
+        <p:nvPr/>
+      </p:nvGrpSpPr>
+      <p:grpSpPr>
+        <a:xfrm>
+          <a:off x="0" y="0"/>
+          <a:ext cx="0" cy="0"/>
+          <a:chOff x="0" y="0"/>
+          <a:chExt cx="0" cy="0"/>
+        </a:xfrm>
+      </p:grpSpPr>
+      <p:sp>
+        <p:nvSpPr>
+          <p:cNvPr id="2" name="제목 1"/>
+          <p:cNvSpPr>
+            <a:spLocks noGrp="1"/>
+          </p:cNvSpPr>
+          <p:nvPr>
+            <p:ph type="ctrTitle"/>
+          </p:nvPr>
+        </p:nvSpPr>
+        <p:spPr>
+          <a:xfrm>
+            <a:off x="467544" y="404664"/>
+            <a:ext cx="6552728" cy="704078"/>
+          </a:xfrm>
+        </p:spPr>
+        <p:txBody>
+          <a:bodyPr>
+            <a:noAutofit/>
+          </a:bodyPr>
+          <a:lstStyle/>
+          <a:p>
+            <a:pPr algn="l"/>
+            <a:r>
+              <a:rPr lang="en-US" altLang="ko-KR" sz="3200" spc="-100" dirty="0">
+                <a:latin typeface="나눔고딕 ExtraBold" pitchFamily="50" charset="-127"/>
+                <a:ea typeface="나눔고딕 ExtraBold" pitchFamily="50" charset="-127"/>
+              </a:rPr>
+              <a:t>Function</a:t>
+            </a:r>
+            <a:endParaRPr lang="en-US" altLang="ko-KR" sz="3000" b="1" spc="-100" dirty="0">
+              <a:solidFill>
+                <a:schemeClr val="accent6">
+                  <a:lumMod val="75000"/>
+                </a:schemeClr>
+              </a:solidFill>
+              <a:latin typeface="나눔고딕 ExtraBold" pitchFamily="50" charset="-127"/>
+              <a:ea typeface="나눔고딕 ExtraBold" pitchFamily="50" charset="-127"/>
+            </a:endParaRPr>
+          </a:p>
+        </p:txBody>
+      </p:sp>
+      <p:sp>
+        <p:nvSpPr>
+          <p:cNvPr id="8" name="직사각형 7"/>
+          <p:cNvSpPr/>
+          <p:nvPr/>
+        </p:nvSpPr>
+        <p:spPr>
+          <a:xfrm>
+            <a:off x="395536" y="404664"/>
+            <a:ext cx="8352928" cy="792088"/>
+          </a:xfrm>
+          <a:prstGeom prst="rect">
+            <a:avLst/>
+          </a:prstGeom>
+          <a:noFill/>
+          <a:ln w="88900">
+            <a:solidFill>
+              <a:schemeClr val="accent6">
+                <a:lumMod val="75000"/>
+              </a:schemeClr>
+            </a:solidFill>
+            <a:miter lim="800000"/>
+          </a:ln>
+        </p:spPr>
+        <p:style>
+          <a:lnRef idx="2">
+            <a:schemeClr val="accent1">
+              <a:shade val="50000"/>
+            </a:schemeClr>
+          </a:lnRef>
+          <a:fillRef idx="1">
+            <a:schemeClr val="accent1"/>
+          </a:fillRef>
+          <a:effectRef idx="0">
+            <a:schemeClr val="accent1"/>
+          </a:effectRef>
+          <a:fontRef idx="minor">
+            <a:schemeClr val="lt1"/>
+          </a:fontRef>
+        </p:style>
+        <p:txBody>
+          <a:bodyPr rtlCol="0" anchor="ctr"/>
+          <a:lstStyle/>
+          <a:p>
+            <a:pPr algn="ctr"/>
+            <a:endParaRPr lang="ko-KR" altLang="en-US" dirty="0">
+              <a:solidFill>
+                <a:schemeClr val="accent6">
+                  <a:lumMod val="75000"/>
+                </a:schemeClr>
+              </a:solidFill>
+              <a:latin typeface="나눔고딕" pitchFamily="50" charset="-127"/>
+              <a:ea typeface="나눔고딕" pitchFamily="50" charset="-127"/>
+            </a:endParaRPr>
+          </a:p>
+        </p:txBody>
+      </p:sp>
+      <p:sp>
+        <p:nvSpPr>
+          <p:cNvPr id="20" name="제목 1">
+            <a:extLst>
+              <a:ext uri="{FF2B5EF4-FFF2-40B4-BE49-F238E27FC236}">
+                <a16:creationId xmlns:a16="http://schemas.microsoft.com/office/drawing/2014/main" id="{55BFEB79-7FEA-4549-BA3A-7E6C629B3553}"/>
+              </a:ext>
+            </a:extLst>
+          </p:cNvPr>
+          <p:cNvSpPr txBox="1">
+            <a:spLocks/>
+          </p:cNvSpPr>
+          <p:nvPr/>
+        </p:nvSpPr>
+        <p:spPr>
+          <a:xfrm>
+            <a:off x="5508104" y="476673"/>
+            <a:ext cx="2941314" cy="1080120"/>
+          </a:xfrm>
+          <a:prstGeom prst="rect">
+            <a:avLst/>
+          </a:prstGeom>
+        </p:spPr>
+        <p:txBody>
+          <a:bodyPr vert="horz" lIns="91440" tIns="45720" rIns="91440" bIns="45720" rtlCol="0" anchor="t">
+            <a:noAutofit/>
+          </a:bodyPr>
+          <a:lstStyle/>
+          <a:p>
+            <a:pPr marL="0" marR="0" lvl="0" indent="0" algn="r" defTabSz="914400" rtl="0" eaLnBrk="1" fontAlgn="auto" latinLnBrk="1" hangingPunct="1">
+              <a:lnSpc>
+                <a:spcPts val="5600"/>
+              </a:lnSpc>
+              <a:spcBef>
+                <a:spcPct val="0"/>
+              </a:spcBef>
+              <a:spcAft>
+                <a:spcPts val="0"/>
+              </a:spcAft>
+              <a:buClrTx/>
+              <a:buSzTx/>
+              <a:buFontTx/>
+              <a:buNone/>
+              <a:tabLst/>
+              <a:defRPr/>
+            </a:pPr>
+            <a:r>
+              <a:rPr kumimoji="0" lang="en-US" altLang="ko-KR" sz="2400" b="1" i="0" u="none" strike="noStrike" kern="1200" cap="none" spc="-150" normalizeH="0" baseline="0" noProof="0" dirty="0">
+                <a:ln>
+                  <a:noFill/>
+                </a:ln>
+                <a:solidFill>
+                  <a:srgbClr val="706868"/>
+                </a:solidFill>
+                <a:effectLst/>
+                <a:uLnTx/>
+                <a:uFillTx/>
+                <a:latin typeface="나눔고딕 ExtraBold" pitchFamily="50" charset="-127"/>
+                <a:ea typeface="나눔고딕 ExtraBold" pitchFamily="50" charset="-127"/>
+                <a:cs typeface="+mj-cs"/>
+              </a:rPr>
+              <a:t>03. </a:t>
+            </a:r>
+            <a:r>
+              <a:rPr lang="en-US" altLang="ko-KR" sz="2400" b="1" spc="-150" dirty="0">
+                <a:solidFill>
+                  <a:srgbClr val="706868"/>
+                </a:solidFill>
+                <a:latin typeface="나눔고딕 ExtraBold" pitchFamily="50" charset="-127"/>
+                <a:ea typeface="나눔고딕 ExtraBold" pitchFamily="50" charset="-127"/>
+                <a:cs typeface="+mj-cs"/>
+              </a:rPr>
+              <a:t>programing</a:t>
+            </a:r>
+            <a:r>
+              <a:rPr kumimoji="0" lang="en-US" altLang="ko-KR" sz="2400" b="1" i="0" u="none" strike="noStrike" kern="1200" cap="none" spc="-150" normalizeH="0" baseline="0" noProof="0" dirty="0">
+                <a:ln>
+                  <a:noFill/>
+                </a:ln>
+                <a:solidFill>
+                  <a:srgbClr val="706868"/>
+                </a:solidFill>
+                <a:effectLst/>
+                <a:uLnTx/>
+                <a:uFillTx/>
+                <a:latin typeface="나눔고딕 ExtraBold" pitchFamily="50" charset="-127"/>
+                <a:ea typeface="나눔고딕 ExtraBold" pitchFamily="50" charset="-127"/>
+                <a:cs typeface="+mj-cs"/>
+              </a:rPr>
+              <a:t> </a:t>
+            </a:r>
+          </a:p>
+          <a:p>
+            <a:pPr marL="0" marR="0" lvl="0" indent="0" algn="r" defTabSz="914400" rtl="0" eaLnBrk="1" fontAlgn="auto" latinLnBrk="1" hangingPunct="1">
+              <a:lnSpc>
+                <a:spcPts val="5600"/>
+              </a:lnSpc>
+              <a:spcBef>
+                <a:spcPct val="0"/>
+              </a:spcBef>
+              <a:spcAft>
+                <a:spcPts val="0"/>
+              </a:spcAft>
+              <a:buClrTx/>
+              <a:buSzTx/>
+              <a:buFontTx/>
+              <a:buNone/>
+              <a:tabLst/>
+              <a:defRPr/>
+            </a:pPr>
+            <a:endParaRPr kumimoji="0" lang="ko-KR" altLang="en-US" sz="2400" b="0" i="0" u="none" strike="noStrike" kern="1200" cap="none" spc="0" normalizeH="0" baseline="0" noProof="0" dirty="0">
+              <a:ln>
+                <a:noFill/>
+              </a:ln>
+              <a:solidFill>
+                <a:srgbClr val="706868"/>
+              </a:solidFill>
+              <a:effectLst/>
+              <a:uLnTx/>
+              <a:uFillTx/>
+              <a:latin typeface="나눔고딕 ExtraBold" pitchFamily="50" charset="-127"/>
+              <a:ea typeface="나눔고딕 ExtraBold" pitchFamily="50" charset="-127"/>
+              <a:cs typeface="+mj-cs"/>
+            </a:endParaRPr>
+          </a:p>
+        </p:txBody>
+      </p:sp>
+      <p:sp>
+        <p:nvSpPr>
+          <p:cNvPr id="10" name="TextBox 9">
+            <a:extLst>
+              <a:ext uri="{FF2B5EF4-FFF2-40B4-BE49-F238E27FC236}">
+                <a16:creationId xmlns:a16="http://schemas.microsoft.com/office/drawing/2014/main" id="{549AD279-1A70-8E48-8ACA-8C1359690FD9}"/>
+              </a:ext>
+            </a:extLst>
+          </p:cNvPr>
+          <p:cNvSpPr txBox="1"/>
+          <p:nvPr/>
+        </p:nvSpPr>
+        <p:spPr>
+          <a:xfrm>
+            <a:off x="395536" y="1454074"/>
+            <a:ext cx="3312368" cy="4296561"/>
+          </a:xfrm>
+          <a:prstGeom prst="rect">
+            <a:avLst/>
+          </a:prstGeom>
+          <a:noFill/>
+        </p:spPr>
+        <p:txBody>
+          <a:bodyPr wrap="square" rtlCol="0">
+            <a:spAutoFit/>
+          </a:bodyPr>
+          <a:lstStyle/>
+          <a:p>
+            <a:pPr>
+              <a:lnSpc>
+                <a:spcPct val="150000"/>
+              </a:lnSpc>
+            </a:pPr>
+            <a:r>
+              <a:rPr lang="ko-KR" altLang="en-US" sz="1600" b="1" spc="-20" dirty="0">
+                <a:solidFill>
+                  <a:schemeClr val="accent6">
+                    <a:lumMod val="75000"/>
+                  </a:schemeClr>
+                </a:solidFill>
+                <a:latin typeface="나눔고딕" pitchFamily="50" charset="-127"/>
+                <a:ea typeface="나눔고딕" pitchFamily="50" charset="-127"/>
+              </a:rPr>
+              <a:t>프로그램 </a:t>
+            </a:r>
+            <a:r>
+              <a:rPr lang="ko-KR" altLang="en-US" sz="1600" b="1" spc="-20" dirty="0" err="1">
+                <a:solidFill>
+                  <a:schemeClr val="accent6">
+                    <a:lumMod val="75000"/>
+                  </a:schemeClr>
+                </a:solidFill>
+                <a:latin typeface="나눔고딕" pitchFamily="50" charset="-127"/>
+                <a:ea typeface="나눔고딕" pitchFamily="50" charset="-127"/>
+              </a:rPr>
+              <a:t>기본출력</a:t>
+            </a:r>
+            <a:endParaRPr lang="en-US" altLang="ko-KR" sz="1600" b="1" spc="-20" dirty="0">
+              <a:solidFill>
+                <a:schemeClr val="accent6">
+                  <a:lumMod val="75000"/>
+                </a:schemeClr>
+              </a:solidFill>
+              <a:latin typeface="나눔고딕" pitchFamily="50" charset="-127"/>
+              <a:ea typeface="나눔고딕" pitchFamily="50" charset="-127"/>
+            </a:endParaRPr>
+          </a:p>
+          <a:p>
+            <a:pPr>
+              <a:lnSpc>
+                <a:spcPct val="150000"/>
+              </a:lnSpc>
+            </a:pPr>
+            <a:r>
+              <a:rPr lang="en-US" altLang="ko-KR" sz="1600" b="1" spc="-20" dirty="0">
+                <a:solidFill>
+                  <a:schemeClr val="accent6">
+                    <a:lumMod val="75000"/>
+                  </a:schemeClr>
+                </a:solidFill>
+                <a:latin typeface="나눔고딕" pitchFamily="50" charset="-127"/>
+                <a:ea typeface="나눔고딕" pitchFamily="50" charset="-127"/>
+              </a:rPr>
+              <a:t>  -</a:t>
+            </a:r>
+            <a:r>
+              <a:rPr lang="en-US" altLang="ko-KR" sz="1600" b="1" spc="-20" dirty="0" err="1">
+                <a:solidFill>
+                  <a:schemeClr val="accent6">
+                    <a:lumMod val="75000"/>
+                  </a:schemeClr>
+                </a:solidFill>
+                <a:latin typeface="나눔고딕" pitchFamily="50" charset="-127"/>
+                <a:ea typeface="나눔고딕" pitchFamily="50" charset="-127"/>
+              </a:rPr>
+              <a:t>PrintTitle</a:t>
+            </a:r>
+            <a:r>
+              <a:rPr lang="en-US" altLang="ko-KR" sz="1600" b="1" spc="-20" dirty="0">
+                <a:solidFill>
+                  <a:schemeClr val="accent6">
+                    <a:lumMod val="75000"/>
+                  </a:schemeClr>
+                </a:solidFill>
+                <a:latin typeface="나눔고딕" pitchFamily="50" charset="-127"/>
+                <a:ea typeface="나눔고딕" pitchFamily="50" charset="-127"/>
+              </a:rPr>
+              <a:t>(), menu()</a:t>
+            </a:r>
+          </a:p>
+          <a:p>
+            <a:pPr>
+              <a:lnSpc>
+                <a:spcPct val="150000"/>
+              </a:lnSpc>
+            </a:pPr>
+            <a:r>
+              <a:rPr lang="en-US" altLang="ko-KR" sz="1600" b="1" spc="-20" dirty="0">
+                <a:solidFill>
+                  <a:schemeClr val="accent6">
+                    <a:lumMod val="75000"/>
+                  </a:schemeClr>
+                </a:solidFill>
+                <a:latin typeface="나눔고딕" pitchFamily="50" charset="-127"/>
+                <a:ea typeface="나눔고딕" pitchFamily="50" charset="-127"/>
+              </a:rPr>
+              <a:t>  </a:t>
+            </a:r>
+          </a:p>
+          <a:p>
+            <a:pPr>
+              <a:lnSpc>
+                <a:spcPct val="150000"/>
+              </a:lnSpc>
+            </a:pPr>
+            <a:r>
+              <a:rPr lang="en-US" altLang="ko-KR" sz="2000" b="1" spc="-20" dirty="0" err="1">
+                <a:solidFill>
+                  <a:schemeClr val="accent6">
+                    <a:lumMod val="75000"/>
+                  </a:schemeClr>
+                </a:solidFill>
+                <a:latin typeface="나눔고딕" pitchFamily="50" charset="-127"/>
+                <a:ea typeface="나눔고딕" pitchFamily="50" charset="-127"/>
+              </a:rPr>
+              <a:t>get_count</a:t>
+            </a:r>
+            <a:r>
+              <a:rPr lang="en-US" altLang="ko-KR" sz="2000" b="1" spc="-20" dirty="0">
+                <a:solidFill>
+                  <a:schemeClr val="accent6">
+                    <a:lumMod val="75000"/>
+                  </a:schemeClr>
+                </a:solidFill>
+                <a:latin typeface="나눔고딕" pitchFamily="50" charset="-127"/>
+                <a:ea typeface="나눔고딕" pitchFamily="50" charset="-127"/>
+              </a:rPr>
+              <a:t>()</a:t>
+            </a:r>
+          </a:p>
+          <a:p>
+            <a:pPr>
+              <a:lnSpc>
+                <a:spcPct val="150000"/>
+              </a:lnSpc>
+            </a:pPr>
+            <a:r>
+              <a:rPr lang="en-US" altLang="ko-KR" sz="1600" b="1" spc="-20" dirty="0">
+                <a:solidFill>
+                  <a:schemeClr val="accent6">
+                    <a:lumMod val="75000"/>
+                  </a:schemeClr>
+                </a:solidFill>
+                <a:latin typeface="나눔고딕" pitchFamily="50" charset="-127"/>
+                <a:ea typeface="나눔고딕" pitchFamily="50" charset="-127"/>
+              </a:rPr>
+              <a:t>Index</a:t>
+            </a:r>
+            <a:r>
+              <a:rPr lang="ko-KR" altLang="en-US" sz="1600" b="1" spc="-20" dirty="0" err="1">
+                <a:solidFill>
+                  <a:schemeClr val="accent6">
+                    <a:lumMod val="75000"/>
+                  </a:schemeClr>
+                </a:solidFill>
+                <a:latin typeface="나눔고딕" pitchFamily="50" charset="-127"/>
+                <a:ea typeface="나눔고딕" pitchFamily="50" charset="-127"/>
+              </a:rPr>
+              <a:t>를</a:t>
+            </a:r>
+            <a:r>
+              <a:rPr lang="ko-KR" altLang="en-US" sz="1600" b="1" spc="-20" dirty="0">
+                <a:solidFill>
+                  <a:schemeClr val="accent6">
+                    <a:lumMod val="75000"/>
+                  </a:schemeClr>
+                </a:solidFill>
+                <a:latin typeface="나눔고딕" pitchFamily="50" charset="-127"/>
+                <a:ea typeface="나눔고딕" pitchFamily="50" charset="-127"/>
+              </a:rPr>
+              <a:t> 통해 관광지의 개수 파악</a:t>
+            </a:r>
+            <a:endParaRPr lang="en-US" altLang="ko-KR" sz="1600" b="1" spc="-20" dirty="0">
+              <a:solidFill>
+                <a:schemeClr val="accent6">
+                  <a:lumMod val="75000"/>
+                </a:schemeClr>
+              </a:solidFill>
+              <a:latin typeface="나눔고딕" pitchFamily="50" charset="-127"/>
+              <a:ea typeface="나눔고딕" pitchFamily="50" charset="-127"/>
+            </a:endParaRPr>
+          </a:p>
+          <a:p>
+            <a:pPr>
+              <a:lnSpc>
+                <a:spcPct val="150000"/>
+              </a:lnSpc>
+            </a:pPr>
+            <a:endParaRPr lang="en-US" altLang="ko-KR" sz="1600" b="1" spc="-20" dirty="0">
+              <a:solidFill>
+                <a:schemeClr val="accent6">
+                  <a:lumMod val="75000"/>
+                </a:schemeClr>
+              </a:solidFill>
+              <a:latin typeface="나눔고딕" pitchFamily="50" charset="-127"/>
+              <a:ea typeface="나눔고딕" pitchFamily="50" charset="-127"/>
+            </a:endParaRPr>
+          </a:p>
+          <a:p>
+            <a:pPr>
+              <a:lnSpc>
+                <a:spcPct val="150000"/>
+              </a:lnSpc>
+            </a:pPr>
+            <a:r>
+              <a:rPr lang="en-US" altLang="ko-KR" sz="2000" b="1" spc="-20" dirty="0" err="1">
+                <a:solidFill>
+                  <a:schemeClr val="accent6">
+                    <a:lumMod val="75000"/>
+                  </a:schemeClr>
+                </a:solidFill>
+                <a:latin typeface="나눔고딕" pitchFamily="50" charset="-127"/>
+                <a:ea typeface="나눔고딕" pitchFamily="50" charset="-127"/>
+              </a:rPr>
+              <a:t>list_attraction</a:t>
+            </a:r>
+            <a:r>
+              <a:rPr lang="en-US" altLang="ko-KR" sz="2000" b="1" spc="-20" dirty="0">
+                <a:solidFill>
+                  <a:schemeClr val="accent6">
+                    <a:lumMod val="75000"/>
+                  </a:schemeClr>
+                </a:solidFill>
+                <a:latin typeface="나눔고딕" pitchFamily="50" charset="-127"/>
+                <a:ea typeface="나눔고딕" pitchFamily="50" charset="-127"/>
+              </a:rPr>
+              <a:t>()</a:t>
+            </a:r>
+          </a:p>
+          <a:p>
+            <a:pPr>
+              <a:lnSpc>
+                <a:spcPct val="150000"/>
+              </a:lnSpc>
+            </a:pPr>
+            <a:r>
+              <a:rPr lang="en-US" altLang="ko-KR" sz="1600" b="1" spc="-20" dirty="0">
+                <a:solidFill>
+                  <a:schemeClr val="accent6">
+                    <a:lumMod val="75000"/>
+                  </a:schemeClr>
+                </a:solidFill>
+                <a:latin typeface="나눔고딕" pitchFamily="50" charset="-127"/>
+                <a:ea typeface="나눔고딕" pitchFamily="50" charset="-127"/>
+              </a:rPr>
+              <a:t>Index</a:t>
+            </a:r>
+            <a:r>
+              <a:rPr lang="ko-KR" altLang="en-US" sz="1600" b="1" spc="-20" dirty="0">
+                <a:solidFill>
+                  <a:schemeClr val="accent6">
+                    <a:lumMod val="75000"/>
+                  </a:schemeClr>
+                </a:solidFill>
+                <a:latin typeface="나눔고딕" pitchFamily="50" charset="-127"/>
+                <a:ea typeface="나눔고딕" pitchFamily="50" charset="-127"/>
+              </a:rPr>
+              <a:t>파일을 통해 데이터 </a:t>
+            </a:r>
+            <a:r>
+              <a:rPr lang="ko-KR" altLang="en-US" sz="1600" b="1" spc="-20" dirty="0" err="1">
+                <a:solidFill>
+                  <a:schemeClr val="accent6">
+                    <a:lumMod val="75000"/>
+                  </a:schemeClr>
+                </a:solidFill>
+                <a:latin typeface="나눔고딕" pitchFamily="50" charset="-127"/>
+                <a:ea typeface="나눔고딕" pitchFamily="50" charset="-127"/>
+              </a:rPr>
+              <a:t>저장위치를</a:t>
+            </a:r>
+            <a:endParaRPr lang="en-US" altLang="ko-KR" sz="1600" b="1" spc="-20" dirty="0">
+              <a:solidFill>
+                <a:schemeClr val="accent6">
+                  <a:lumMod val="75000"/>
+                </a:schemeClr>
+              </a:solidFill>
+              <a:latin typeface="나눔고딕" pitchFamily="50" charset="-127"/>
+              <a:ea typeface="나눔고딕" pitchFamily="50" charset="-127"/>
+            </a:endParaRPr>
+          </a:p>
+          <a:p>
+            <a:pPr>
+              <a:lnSpc>
+                <a:spcPct val="150000"/>
+              </a:lnSpc>
+            </a:pPr>
+            <a:r>
+              <a:rPr lang="ko-KR" altLang="en-US" sz="1600" b="1" spc="-20" dirty="0">
+                <a:solidFill>
+                  <a:schemeClr val="accent6">
+                    <a:lumMod val="75000"/>
+                  </a:schemeClr>
+                </a:solidFill>
+                <a:latin typeface="나눔고딕" pitchFamily="50" charset="-127"/>
+                <a:ea typeface="나눔고딕" pitchFamily="50" charset="-127"/>
+              </a:rPr>
+              <a:t>파악하여 </a:t>
+            </a:r>
+            <a:r>
+              <a:rPr lang="en-US" altLang="ko-KR" sz="1600" b="1" spc="-20" dirty="0" err="1">
+                <a:solidFill>
+                  <a:schemeClr val="accent6">
+                    <a:lumMod val="75000"/>
+                  </a:schemeClr>
+                </a:solidFill>
+                <a:latin typeface="나눔고딕" pitchFamily="50" charset="-127"/>
+                <a:ea typeface="나눔고딕" pitchFamily="50" charset="-127"/>
+              </a:rPr>
+              <a:t>display_member</a:t>
+            </a:r>
+            <a:r>
+              <a:rPr lang="ko-KR" altLang="en-US" sz="1600" b="1" spc="-20" dirty="0">
+                <a:solidFill>
+                  <a:schemeClr val="accent6">
+                    <a:lumMod val="75000"/>
+                  </a:schemeClr>
+                </a:solidFill>
+                <a:latin typeface="나눔고딕" pitchFamily="50" charset="-127"/>
+                <a:ea typeface="나눔고딕" pitchFamily="50" charset="-127"/>
+              </a:rPr>
+              <a:t> 호출</a:t>
+            </a:r>
+            <a:endParaRPr lang="en-US" altLang="ko-KR" sz="1600" b="1" spc="-20" dirty="0">
+              <a:solidFill>
+                <a:schemeClr val="accent6">
+                  <a:lumMod val="75000"/>
+                </a:schemeClr>
+              </a:solidFill>
+              <a:latin typeface="나눔고딕" pitchFamily="50" charset="-127"/>
+              <a:ea typeface="나눔고딕" pitchFamily="50" charset="-127"/>
+            </a:endParaRPr>
+          </a:p>
+          <a:p>
+            <a:pPr>
+              <a:lnSpc>
+                <a:spcPct val="150000"/>
+              </a:lnSpc>
+            </a:pPr>
+            <a:r>
+              <a:rPr lang="ko-KR" altLang="en-US" sz="1600" b="1" spc="-20" dirty="0">
+                <a:solidFill>
+                  <a:schemeClr val="accent6">
+                    <a:lumMod val="75000"/>
+                  </a:schemeClr>
+                </a:solidFill>
+                <a:latin typeface="나눔고딕" pitchFamily="50" charset="-127"/>
+                <a:ea typeface="나눔고딕" pitchFamily="50" charset="-127"/>
+              </a:rPr>
+              <a:t>해당 관광지의 정보 출력</a:t>
+            </a:r>
+            <a:endParaRPr lang="en-US" altLang="ko-KR" sz="1600" b="1" spc="-20" dirty="0">
+              <a:solidFill>
+                <a:schemeClr val="accent6">
+                  <a:lumMod val="75000"/>
+                </a:schemeClr>
+              </a:solidFill>
+              <a:latin typeface="나눔고딕" pitchFamily="50" charset="-127"/>
+              <a:ea typeface="나눔고딕" pitchFamily="50" charset="-127"/>
+            </a:endParaRPr>
+          </a:p>
+          <a:p>
+            <a:pPr>
+              <a:lnSpc>
+                <a:spcPct val="150000"/>
+              </a:lnSpc>
+            </a:pPr>
+            <a:endParaRPr lang="en-US" altLang="ko-KR" sz="1600" b="1" spc="-20" dirty="0">
+              <a:solidFill>
+                <a:schemeClr val="accent6">
+                  <a:lumMod val="75000"/>
+                </a:schemeClr>
+              </a:solidFill>
+              <a:latin typeface="나눔고딕" pitchFamily="50" charset="-127"/>
+              <a:ea typeface="나눔고딕" pitchFamily="50" charset="-127"/>
+            </a:endParaRPr>
+          </a:p>
+        </p:txBody>
+      </p:sp>
+      <p:pic>
+        <p:nvPicPr>
+          <p:cNvPr id="7" name="그림 6">
+            <a:extLst>
+              <a:ext uri="{FF2B5EF4-FFF2-40B4-BE49-F238E27FC236}">
+                <a16:creationId xmlns:a16="http://schemas.microsoft.com/office/drawing/2014/main" id="{5CC87F6E-CFCB-A94C-83BC-8A943CF7C7FF}"/>
+              </a:ext>
+            </a:extLst>
+          </p:cNvPr>
+          <p:cNvPicPr>
+            <a:picLocks noChangeAspect="1"/>
+          </p:cNvPicPr>
+          <p:nvPr/>
+        </p:nvPicPr>
+        <p:blipFill>
+          <a:blip r:embed="rId3">
+            <a:extLst>
+              <a:ext uri="{28A0092B-C50C-407E-A947-70E740481C1C}">
+                <a14:useLocalDpi xmlns:a14="http://schemas.microsoft.com/office/drawing/2010/main" val="0"/>
+              </a:ext>
+            </a:extLst>
+          </a:blip>
+          <a:stretch>
+            <a:fillRect/>
+          </a:stretch>
+        </p:blipFill>
+        <p:spPr>
+          <a:xfrm>
+            <a:off x="3865345" y="1443781"/>
+            <a:ext cx="4955127" cy="4996942"/>
+          </a:xfrm>
+          <a:prstGeom prst="rect">
+            <a:avLst/>
+          </a:prstGeom>
+        </p:spPr>
+      </p:pic>
+      <p:sp>
+        <p:nvSpPr>
+          <p:cNvPr id="9" name="직사각형 8">
+            <a:extLst>
+              <a:ext uri="{FF2B5EF4-FFF2-40B4-BE49-F238E27FC236}">
+                <a16:creationId xmlns:a16="http://schemas.microsoft.com/office/drawing/2014/main" id="{37806EA9-10B8-6640-A3F0-22129C857709}"/>
+              </a:ext>
+            </a:extLst>
+          </p:cNvPr>
+          <p:cNvSpPr/>
+          <p:nvPr/>
+        </p:nvSpPr>
+        <p:spPr>
+          <a:xfrm>
+            <a:off x="3879038" y="1484784"/>
+            <a:ext cx="2493162" cy="1110830"/>
+          </a:xfrm>
+          <a:prstGeom prst="rect">
+            <a:avLst/>
+          </a:prstGeom>
+          <a:noFill/>
+          <a:ln>
+            <a:solidFill>
+              <a:srgbClr val="FF0000"/>
+            </a:solidFill>
+          </a:ln>
+        </p:spPr>
+        <p:style>
+          <a:lnRef idx="2">
+            <a:schemeClr val="accent1">
+              <a:shade val="50000"/>
+            </a:schemeClr>
+          </a:lnRef>
+          <a:fillRef idx="1">
+            <a:schemeClr val="accent1"/>
+          </a:fillRef>
+          <a:effectRef idx="0">
+            <a:schemeClr val="accent1"/>
+          </a:effectRef>
+          <a:fontRef idx="minor">
+            <a:schemeClr val="lt1"/>
+          </a:fontRef>
+        </p:style>
+        <p:txBody>
+          <a:bodyPr rtlCol="0" anchor="ctr"/>
+          <a:lstStyle/>
+          <a:p>
+            <a:pPr algn="ctr"/>
+            <a:endParaRPr kumimoji="1" lang="ko-KR" altLang="en-US"/>
+          </a:p>
+        </p:txBody>
+      </p:sp>
+    </p:spTree>
+    <p:extLst>
+      <p:ext uri="{BB962C8B-B14F-4D97-AF65-F5344CB8AC3E}">
+        <p14:creationId xmlns:p14="http://schemas.microsoft.com/office/powerpoint/2010/main" val="2723453726"/>
+      </p:ext>
+    </p:extLst>
+  </p:cSld>
+  <p:clrMapOvr>
+    <a:masterClrMapping/>
+  </p:clrMapOvr>
+</p:sld>
+</file>
+
+<file path=ppt/slides/slide4.xml><?xml version="1.0" encoding="utf-8"?>
+<p:sld xmlns:a="http://schemas.openxmlformats.org/drawingml/2006/main" xmlns:r="http://schemas.openxmlformats.org/officeDocument/2006/relationships" xmlns:p="http://schemas.openxmlformats.org/presentationml/2006/main">
+  <p:cSld>
+    <p:spTree>
+      <p:nvGrpSpPr>
+        <p:cNvPr id="1" name=""/>
+        <p:cNvGrpSpPr/>
+        <p:nvPr/>
+      </p:nvGrpSpPr>
+      <p:grpSpPr>
+        <a:xfrm>
+          <a:off x="0" y="0"/>
+          <a:ext cx="0" cy="0"/>
+          <a:chOff x="0" y="0"/>
+          <a:chExt cx="0" cy="0"/>
+        </a:xfrm>
+      </p:grpSpPr>
+      <p:sp>
+        <p:nvSpPr>
+          <p:cNvPr id="2" name="제목 1"/>
+          <p:cNvSpPr>
+            <a:spLocks noGrp="1"/>
+          </p:cNvSpPr>
+          <p:nvPr>
+            <p:ph type="ctrTitle"/>
+          </p:nvPr>
+        </p:nvSpPr>
+        <p:spPr>
+          <a:xfrm>
+            <a:off x="467544" y="404664"/>
+            <a:ext cx="6552728" cy="704078"/>
+          </a:xfrm>
+        </p:spPr>
+        <p:txBody>
+          <a:bodyPr>
+            <a:noAutofit/>
+          </a:bodyPr>
+          <a:lstStyle/>
+          <a:p>
+            <a:pPr algn="l"/>
+            <a:r>
+              <a:rPr lang="en-US" altLang="ko-KR" sz="3200" spc="-100" dirty="0">
+                <a:latin typeface="나눔고딕 ExtraBold" pitchFamily="50" charset="-127"/>
+                <a:ea typeface="나눔고딕 ExtraBold" pitchFamily="50" charset="-127"/>
+              </a:rPr>
+              <a:t>Function</a:t>
+            </a:r>
+            <a:endParaRPr lang="en-US" altLang="ko-KR" sz="3000" b="1" spc="-100" dirty="0">
+              <a:solidFill>
+                <a:schemeClr val="accent6">
+                  <a:lumMod val="75000"/>
+                </a:schemeClr>
+              </a:solidFill>
+              <a:latin typeface="나눔고딕 ExtraBold" pitchFamily="50" charset="-127"/>
+              <a:ea typeface="나눔고딕 ExtraBold" pitchFamily="50" charset="-127"/>
+            </a:endParaRPr>
+          </a:p>
+        </p:txBody>
+      </p:sp>
+      <p:sp>
+        <p:nvSpPr>
+          <p:cNvPr id="8" name="직사각형 7"/>
+          <p:cNvSpPr/>
+          <p:nvPr/>
+        </p:nvSpPr>
+        <p:spPr>
+          <a:xfrm>
+            <a:off x="395536" y="404664"/>
+            <a:ext cx="8352928" cy="792088"/>
+          </a:xfrm>
+          <a:prstGeom prst="rect">
+            <a:avLst/>
+          </a:prstGeom>
+          <a:noFill/>
+          <a:ln w="88900">
+            <a:solidFill>
+              <a:schemeClr val="accent6">
+                <a:lumMod val="75000"/>
+              </a:schemeClr>
+            </a:solidFill>
+            <a:miter lim="800000"/>
+          </a:ln>
+        </p:spPr>
+        <p:style>
+          <a:lnRef idx="2">
+            <a:schemeClr val="accent1">
+              <a:shade val="50000"/>
+            </a:schemeClr>
+          </a:lnRef>
+          <a:fillRef idx="1">
+            <a:schemeClr val="accent1"/>
+          </a:fillRef>
+          <a:effectRef idx="0">
+            <a:schemeClr val="accent1"/>
+          </a:effectRef>
+          <a:fontRef idx="minor">
+            <a:schemeClr val="lt1"/>
+          </a:fontRef>
+        </p:style>
+        <p:txBody>
+          <a:bodyPr rtlCol="0" anchor="ctr"/>
+          <a:lstStyle/>
+          <a:p>
+            <a:pPr algn="ctr"/>
+            <a:endParaRPr lang="ko-KR" altLang="en-US" dirty="0">
+              <a:solidFill>
+                <a:schemeClr val="accent6">
+                  <a:lumMod val="75000"/>
+                </a:schemeClr>
+              </a:solidFill>
+              <a:latin typeface="나눔고딕" pitchFamily="50" charset="-127"/>
+              <a:ea typeface="나눔고딕" pitchFamily="50" charset="-127"/>
+            </a:endParaRPr>
+          </a:p>
+        </p:txBody>
+      </p:sp>
+      <p:sp>
+        <p:nvSpPr>
+          <p:cNvPr id="20" name="제목 1">
+            <a:extLst>
+              <a:ext uri="{FF2B5EF4-FFF2-40B4-BE49-F238E27FC236}">
+                <a16:creationId xmlns:a16="http://schemas.microsoft.com/office/drawing/2014/main" id="{55BFEB79-7FEA-4549-BA3A-7E6C629B3553}"/>
+              </a:ext>
+            </a:extLst>
+          </p:cNvPr>
+          <p:cNvSpPr txBox="1">
+            <a:spLocks/>
+          </p:cNvSpPr>
+          <p:nvPr/>
+        </p:nvSpPr>
+        <p:spPr>
+          <a:xfrm>
+            <a:off x="5508104" y="476673"/>
+            <a:ext cx="2941314" cy="1080120"/>
+          </a:xfrm>
+          <a:prstGeom prst="rect">
+            <a:avLst/>
+          </a:prstGeom>
+        </p:spPr>
+        <p:txBody>
+          <a:bodyPr vert="horz" lIns="91440" tIns="45720" rIns="91440" bIns="45720" rtlCol="0" anchor="t">
+            <a:noAutofit/>
+          </a:bodyPr>
+          <a:lstStyle/>
+          <a:p>
+            <a:pPr marL="0" marR="0" lvl="0" indent="0" algn="r" defTabSz="914400" rtl="0" eaLnBrk="1" fontAlgn="auto" latinLnBrk="1" hangingPunct="1">
+              <a:lnSpc>
+                <a:spcPts val="5600"/>
+              </a:lnSpc>
+              <a:spcBef>
+                <a:spcPct val="0"/>
+              </a:spcBef>
+              <a:spcAft>
+                <a:spcPts val="0"/>
+              </a:spcAft>
+              <a:buClrTx/>
+              <a:buSzTx/>
+              <a:buFontTx/>
+              <a:buNone/>
+              <a:tabLst/>
+              <a:defRPr/>
+            </a:pPr>
+            <a:r>
+              <a:rPr kumimoji="0" lang="en-US" altLang="ko-KR" sz="2400" b="1" i="0" u="none" strike="noStrike" kern="1200" cap="none" spc="-150" normalizeH="0" baseline="0" noProof="0" dirty="0">
+                <a:ln>
+                  <a:noFill/>
+                </a:ln>
+                <a:solidFill>
+                  <a:srgbClr val="706868"/>
+                </a:solidFill>
+                <a:effectLst/>
+                <a:uLnTx/>
+                <a:uFillTx/>
+                <a:latin typeface="나눔고딕 ExtraBold" pitchFamily="50" charset="-127"/>
+                <a:ea typeface="나눔고딕 ExtraBold" pitchFamily="50" charset="-127"/>
+                <a:cs typeface="+mj-cs"/>
+              </a:rPr>
+              <a:t>03. </a:t>
+            </a:r>
+            <a:r>
+              <a:rPr lang="en-US" altLang="ko-KR" sz="2400" b="1" spc="-150" dirty="0">
+                <a:solidFill>
+                  <a:srgbClr val="706868"/>
+                </a:solidFill>
+                <a:latin typeface="나눔고딕 ExtraBold" pitchFamily="50" charset="-127"/>
+                <a:ea typeface="나눔고딕 ExtraBold" pitchFamily="50" charset="-127"/>
+                <a:cs typeface="+mj-cs"/>
+              </a:rPr>
+              <a:t>programing</a:t>
+            </a:r>
+            <a:r>
+              <a:rPr kumimoji="0" lang="en-US" altLang="ko-KR" sz="2400" b="1" i="0" u="none" strike="noStrike" kern="1200" cap="none" spc="-150" normalizeH="0" baseline="0" noProof="0" dirty="0">
+                <a:ln>
+                  <a:noFill/>
+                </a:ln>
+                <a:solidFill>
+                  <a:srgbClr val="706868"/>
+                </a:solidFill>
+                <a:effectLst/>
+                <a:uLnTx/>
+                <a:uFillTx/>
+                <a:latin typeface="나눔고딕 ExtraBold" pitchFamily="50" charset="-127"/>
+                <a:ea typeface="나눔고딕 ExtraBold" pitchFamily="50" charset="-127"/>
+                <a:cs typeface="+mj-cs"/>
+              </a:rPr>
+              <a:t> </a:t>
+            </a:r>
+          </a:p>
+          <a:p>
+            <a:pPr marL="0" marR="0" lvl="0" indent="0" algn="r" defTabSz="914400" rtl="0" eaLnBrk="1" fontAlgn="auto" latinLnBrk="1" hangingPunct="1">
+              <a:lnSpc>
+                <a:spcPts val="5600"/>
+              </a:lnSpc>
+              <a:spcBef>
+                <a:spcPct val="0"/>
+              </a:spcBef>
+              <a:spcAft>
+                <a:spcPts val="0"/>
+              </a:spcAft>
+              <a:buClrTx/>
+              <a:buSzTx/>
+              <a:buFontTx/>
+              <a:buNone/>
+              <a:tabLst/>
+              <a:defRPr/>
+            </a:pPr>
+            <a:endParaRPr kumimoji="0" lang="ko-KR" altLang="en-US" sz="2400" b="0" i="0" u="none" strike="noStrike" kern="1200" cap="none" spc="0" normalizeH="0" baseline="0" noProof="0" dirty="0">
+              <a:ln>
+                <a:noFill/>
+              </a:ln>
+              <a:solidFill>
+                <a:srgbClr val="706868"/>
+              </a:solidFill>
+              <a:effectLst/>
+              <a:uLnTx/>
+              <a:uFillTx/>
+              <a:latin typeface="나눔고딕 ExtraBold" pitchFamily="50" charset="-127"/>
+              <a:ea typeface="나눔고딕 ExtraBold" pitchFamily="50" charset="-127"/>
+              <a:cs typeface="+mj-cs"/>
+            </a:endParaRPr>
+          </a:p>
+        </p:txBody>
+      </p:sp>
+      <p:sp>
+        <p:nvSpPr>
+          <p:cNvPr id="10" name="TextBox 9">
+            <a:extLst>
+              <a:ext uri="{FF2B5EF4-FFF2-40B4-BE49-F238E27FC236}">
+                <a16:creationId xmlns:a16="http://schemas.microsoft.com/office/drawing/2014/main" id="{549AD279-1A70-8E48-8ACA-8C1359690FD9}"/>
+              </a:ext>
+            </a:extLst>
+          </p:cNvPr>
+          <p:cNvSpPr txBox="1"/>
+          <p:nvPr/>
+        </p:nvSpPr>
+        <p:spPr>
+          <a:xfrm>
+            <a:off x="395536" y="1454074"/>
+            <a:ext cx="3312368" cy="4388894"/>
+          </a:xfrm>
+          <a:prstGeom prst="rect">
+            <a:avLst/>
+          </a:prstGeom>
+          <a:noFill/>
+        </p:spPr>
+        <p:txBody>
+          <a:bodyPr wrap="square" rtlCol="0">
+            <a:spAutoFit/>
+          </a:bodyPr>
+          <a:lstStyle/>
+          <a:p>
+            <a:pPr>
+              <a:lnSpc>
+                <a:spcPct val="150000"/>
+              </a:lnSpc>
+            </a:pPr>
+            <a:r>
+              <a:rPr lang="en-US" altLang="ko-KR" sz="2000" b="1" spc="-20" dirty="0" err="1">
+                <a:solidFill>
+                  <a:schemeClr val="accent6">
+                    <a:lumMod val="75000"/>
+                  </a:schemeClr>
+                </a:solidFill>
+                <a:latin typeface="나눔고딕" pitchFamily="50" charset="-127"/>
+                <a:ea typeface="나눔고딕" pitchFamily="50" charset="-127"/>
+              </a:rPr>
+              <a:t>init_file</a:t>
+            </a:r>
+            <a:r>
+              <a:rPr lang="en-US" altLang="ko-KR" sz="2000" b="1" spc="-20" dirty="0">
+                <a:solidFill>
+                  <a:schemeClr val="accent6">
+                    <a:lumMod val="75000"/>
+                  </a:schemeClr>
+                </a:solidFill>
+                <a:latin typeface="나눔고딕" pitchFamily="50" charset="-127"/>
+                <a:ea typeface="나눔고딕" pitchFamily="50" charset="-127"/>
+              </a:rPr>
+              <a:t>()</a:t>
+            </a:r>
+          </a:p>
+          <a:p>
+            <a:pPr>
+              <a:lnSpc>
+                <a:spcPct val="150000"/>
+              </a:lnSpc>
+            </a:pPr>
+            <a:r>
+              <a:rPr lang="en-US" altLang="ko-KR" sz="1600" b="1" spc="-20" dirty="0">
+                <a:solidFill>
+                  <a:schemeClr val="accent6">
+                    <a:lumMod val="75000"/>
+                  </a:schemeClr>
+                </a:solidFill>
+                <a:latin typeface="나눔고딕" pitchFamily="50" charset="-127"/>
+                <a:ea typeface="나눔고딕" pitchFamily="50" charset="-127"/>
+              </a:rPr>
+              <a:t> </a:t>
+            </a:r>
+            <a:r>
+              <a:rPr lang="en-US" altLang="ko-KR" sz="1600" b="1" spc="-20" dirty="0" err="1">
+                <a:solidFill>
+                  <a:schemeClr val="accent6">
+                    <a:lumMod val="75000"/>
+                  </a:schemeClr>
+                </a:solidFill>
+                <a:latin typeface="나눔고딕" pitchFamily="50" charset="-127"/>
+                <a:ea typeface="나눔고딕" pitchFamily="50" charset="-127"/>
+              </a:rPr>
+              <a:t>datafile,indexfile</a:t>
+            </a:r>
+            <a:r>
+              <a:rPr lang="ko-KR" altLang="en-US" sz="1600" b="1" spc="-20" dirty="0">
+                <a:solidFill>
+                  <a:schemeClr val="accent6">
+                    <a:lumMod val="75000"/>
+                  </a:schemeClr>
+                </a:solidFill>
+                <a:latin typeface="나눔고딕" pitchFamily="50" charset="-127"/>
+                <a:ea typeface="나눔고딕" pitchFamily="50" charset="-127"/>
+              </a:rPr>
+              <a:t> 초기화</a:t>
+            </a:r>
+            <a:endParaRPr lang="en-US" altLang="ko-KR" sz="1600" b="1" spc="-20" dirty="0">
+              <a:solidFill>
+                <a:schemeClr val="accent6">
+                  <a:lumMod val="75000"/>
+                </a:schemeClr>
+              </a:solidFill>
+              <a:latin typeface="나눔고딕" pitchFamily="50" charset="-127"/>
+              <a:ea typeface="나눔고딕" pitchFamily="50" charset="-127"/>
+            </a:endParaRPr>
+          </a:p>
+          <a:p>
+            <a:pPr>
+              <a:lnSpc>
+                <a:spcPct val="150000"/>
+              </a:lnSpc>
+            </a:pPr>
+            <a:r>
+              <a:rPr lang="en-US" altLang="ko-KR" sz="1600" b="1" spc="-20" dirty="0">
+                <a:solidFill>
+                  <a:schemeClr val="accent6">
+                    <a:lumMod val="75000"/>
+                  </a:schemeClr>
+                </a:solidFill>
+                <a:latin typeface="나눔고딕" pitchFamily="50" charset="-127"/>
+                <a:ea typeface="나눔고딕" pitchFamily="50" charset="-127"/>
+              </a:rPr>
+              <a:t>  </a:t>
+            </a:r>
+          </a:p>
+          <a:p>
+            <a:pPr>
+              <a:lnSpc>
+                <a:spcPct val="150000"/>
+              </a:lnSpc>
+            </a:pPr>
+            <a:r>
+              <a:rPr lang="en-US" altLang="ko-KR" sz="2000" b="1" spc="-20" dirty="0" err="1">
+                <a:solidFill>
+                  <a:schemeClr val="accent6">
+                    <a:lumMod val="75000"/>
+                  </a:schemeClr>
+                </a:solidFill>
+                <a:latin typeface="나눔고딕" pitchFamily="50" charset="-127"/>
+                <a:ea typeface="나눔고딕" pitchFamily="50" charset="-127"/>
+              </a:rPr>
+              <a:t>insert_attraction</a:t>
+            </a:r>
+            <a:r>
+              <a:rPr lang="en-US" altLang="ko-KR" sz="2000" b="1" spc="-20" dirty="0">
+                <a:solidFill>
+                  <a:schemeClr val="accent6">
+                    <a:lumMod val="75000"/>
+                  </a:schemeClr>
+                </a:solidFill>
+                <a:latin typeface="나눔고딕" pitchFamily="50" charset="-127"/>
+                <a:ea typeface="나눔고딕" pitchFamily="50" charset="-127"/>
+              </a:rPr>
+              <a:t>()</a:t>
+            </a:r>
+          </a:p>
+          <a:p>
+            <a:pPr>
+              <a:lnSpc>
+                <a:spcPct val="150000"/>
+              </a:lnSpc>
+            </a:pPr>
+            <a:r>
+              <a:rPr lang="en-US" altLang="ko-KR" sz="1600" b="1" spc="-20" dirty="0" err="1">
+                <a:solidFill>
+                  <a:schemeClr val="accent6">
+                    <a:lumMod val="75000"/>
+                  </a:schemeClr>
+                </a:solidFill>
+                <a:latin typeface="나눔고딕" pitchFamily="50" charset="-127"/>
+                <a:ea typeface="나눔고딕" pitchFamily="50" charset="-127"/>
+              </a:rPr>
+              <a:t>Indexfile</a:t>
+            </a:r>
+            <a:r>
+              <a:rPr lang="ko-KR" altLang="en-US" sz="1600" b="1" spc="-20" dirty="0">
+                <a:solidFill>
+                  <a:schemeClr val="accent6">
+                    <a:lumMod val="75000"/>
+                  </a:schemeClr>
+                </a:solidFill>
+                <a:latin typeface="나눔고딕" pitchFamily="50" charset="-127"/>
+                <a:ea typeface="나눔고딕" pitchFamily="50" charset="-127"/>
+              </a:rPr>
+              <a:t>에 저장된 마지막 위치에</a:t>
+            </a:r>
+            <a:endParaRPr lang="en-US" altLang="ko-KR" sz="1600" b="1" spc="-20" dirty="0">
+              <a:solidFill>
+                <a:schemeClr val="accent6">
+                  <a:lumMod val="75000"/>
+                </a:schemeClr>
+              </a:solidFill>
+              <a:latin typeface="나눔고딕" pitchFamily="50" charset="-127"/>
+              <a:ea typeface="나눔고딕" pitchFamily="50" charset="-127"/>
+            </a:endParaRPr>
+          </a:p>
+          <a:p>
+            <a:pPr>
+              <a:lnSpc>
+                <a:spcPct val="150000"/>
+              </a:lnSpc>
+            </a:pPr>
+            <a:r>
+              <a:rPr lang="ko-KR" altLang="en-US" sz="1600" b="1" spc="-20" dirty="0" err="1">
+                <a:solidFill>
+                  <a:schemeClr val="accent6">
+                    <a:lumMod val="75000"/>
+                  </a:schemeClr>
+                </a:solidFill>
+                <a:latin typeface="나눔고딕" pitchFamily="50" charset="-127"/>
+                <a:ea typeface="나눔고딕" pitchFamily="50" charset="-127"/>
+              </a:rPr>
+              <a:t>입력받은</a:t>
+            </a:r>
+            <a:r>
+              <a:rPr lang="ko-KR" altLang="en-US" sz="1600" b="1" spc="-20" dirty="0">
+                <a:solidFill>
+                  <a:schemeClr val="accent6">
+                    <a:lumMod val="75000"/>
+                  </a:schemeClr>
+                </a:solidFill>
+                <a:latin typeface="나눔고딕" pitchFamily="50" charset="-127"/>
+                <a:ea typeface="나눔고딕" pitchFamily="50" charset="-127"/>
+              </a:rPr>
+              <a:t> 정보를 </a:t>
+            </a:r>
+            <a:r>
+              <a:rPr lang="en-US" altLang="ko-KR" sz="1600" b="1" spc="-20" dirty="0">
+                <a:solidFill>
+                  <a:schemeClr val="accent6">
+                    <a:lumMod val="75000"/>
+                  </a:schemeClr>
+                </a:solidFill>
+                <a:latin typeface="나눔고딕" pitchFamily="50" charset="-127"/>
+                <a:ea typeface="나눔고딕" pitchFamily="50" charset="-127"/>
+              </a:rPr>
+              <a:t>datafile</a:t>
+            </a:r>
+            <a:r>
+              <a:rPr lang="ko-KR" altLang="en-US" sz="1600" b="1" spc="-20" dirty="0">
+                <a:solidFill>
+                  <a:schemeClr val="accent6">
+                    <a:lumMod val="75000"/>
+                  </a:schemeClr>
+                </a:solidFill>
+                <a:latin typeface="나눔고딕" pitchFamily="50" charset="-127"/>
+                <a:ea typeface="나눔고딕" pitchFamily="50" charset="-127"/>
+              </a:rPr>
+              <a:t>에 저장</a:t>
+            </a:r>
+            <a:endParaRPr lang="en-US" altLang="ko-KR" sz="1600" b="1" spc="-20" dirty="0">
+              <a:solidFill>
+                <a:schemeClr val="accent6">
+                  <a:lumMod val="75000"/>
+                </a:schemeClr>
+              </a:solidFill>
+              <a:latin typeface="나눔고딕" pitchFamily="50" charset="-127"/>
+              <a:ea typeface="나눔고딕" pitchFamily="50" charset="-127"/>
+            </a:endParaRPr>
+          </a:p>
+          <a:p>
+            <a:pPr>
+              <a:lnSpc>
+                <a:spcPct val="150000"/>
+              </a:lnSpc>
+            </a:pPr>
+            <a:endParaRPr lang="en-US" altLang="ko-KR" sz="1600" b="1" spc="-20" dirty="0">
+              <a:solidFill>
+                <a:schemeClr val="accent6">
+                  <a:lumMod val="75000"/>
+                </a:schemeClr>
+              </a:solidFill>
+              <a:latin typeface="나눔고딕" pitchFamily="50" charset="-127"/>
+              <a:ea typeface="나눔고딕" pitchFamily="50" charset="-127"/>
+            </a:endParaRPr>
+          </a:p>
+          <a:p>
+            <a:pPr>
+              <a:lnSpc>
+                <a:spcPct val="150000"/>
+              </a:lnSpc>
+            </a:pPr>
+            <a:r>
+              <a:rPr lang="en-US" altLang="ko-KR" sz="2000" b="1" spc="-20" dirty="0" err="1">
+                <a:solidFill>
+                  <a:schemeClr val="accent6">
+                    <a:lumMod val="75000"/>
+                  </a:schemeClr>
+                </a:solidFill>
+                <a:latin typeface="나눔고딕" pitchFamily="50" charset="-127"/>
+                <a:ea typeface="나눔고딕" pitchFamily="50" charset="-127"/>
+              </a:rPr>
+              <a:t>qwap</a:t>
+            </a:r>
+            <a:r>
+              <a:rPr lang="en-US" altLang="ko-KR" sz="2000" b="1" spc="-20" dirty="0">
+                <a:solidFill>
+                  <a:schemeClr val="accent6">
+                    <a:lumMod val="75000"/>
+                  </a:schemeClr>
+                </a:solidFill>
+                <a:latin typeface="나눔고딕" pitchFamily="50" charset="-127"/>
+                <a:ea typeface="나눔고딕" pitchFamily="50" charset="-127"/>
+              </a:rPr>
+              <a:t>(), </a:t>
+            </a:r>
+            <a:r>
+              <a:rPr lang="en-US" altLang="ko-KR" sz="2000" b="1" spc="-20" dirty="0" err="1">
+                <a:solidFill>
+                  <a:schemeClr val="accent6">
+                    <a:lumMod val="75000"/>
+                  </a:schemeClr>
+                </a:solidFill>
+                <a:latin typeface="나눔고딕" pitchFamily="50" charset="-127"/>
+                <a:ea typeface="나눔고딕" pitchFamily="50" charset="-127"/>
+              </a:rPr>
+              <a:t>qsort</a:t>
+            </a:r>
+            <a:r>
+              <a:rPr lang="en-US" altLang="ko-KR" sz="2000" b="1" spc="-20" dirty="0">
+                <a:solidFill>
+                  <a:schemeClr val="accent6">
+                    <a:lumMod val="75000"/>
+                  </a:schemeClr>
+                </a:solidFill>
+                <a:latin typeface="나눔고딕" pitchFamily="50" charset="-127"/>
+                <a:ea typeface="나눔고딕" pitchFamily="50" charset="-127"/>
+              </a:rPr>
+              <a:t>(), comp()</a:t>
+            </a:r>
+          </a:p>
+          <a:p>
+            <a:pPr>
+              <a:lnSpc>
+                <a:spcPct val="150000"/>
+              </a:lnSpc>
+            </a:pPr>
+            <a:r>
+              <a:rPr lang="en-US" altLang="ko-KR" sz="1600" b="1" spc="-20" dirty="0" err="1">
+                <a:solidFill>
+                  <a:schemeClr val="accent6">
+                    <a:lumMod val="75000"/>
+                  </a:schemeClr>
+                </a:solidFill>
+                <a:latin typeface="나눔고딕" pitchFamily="50" charset="-127"/>
+                <a:ea typeface="나눔고딕" pitchFamily="50" charset="-127"/>
+              </a:rPr>
+              <a:t>Indexfile</a:t>
+            </a:r>
+            <a:r>
+              <a:rPr lang="ko-KR" altLang="en-US" sz="1600" b="1" spc="-20" dirty="0">
+                <a:solidFill>
+                  <a:schemeClr val="accent6">
+                    <a:lumMod val="75000"/>
+                  </a:schemeClr>
+                </a:solidFill>
+                <a:latin typeface="나눔고딕" pitchFamily="50" charset="-127"/>
+                <a:ea typeface="나눔고딕" pitchFamily="50" charset="-127"/>
+              </a:rPr>
+              <a:t>의 관광지 </a:t>
+            </a:r>
+            <a:r>
+              <a:rPr lang="ko-KR" altLang="en-US" sz="1600" b="1" spc="-20" dirty="0" err="1">
+                <a:solidFill>
+                  <a:schemeClr val="accent6">
+                    <a:lumMod val="75000"/>
+                  </a:schemeClr>
+                </a:solidFill>
+                <a:latin typeface="나눔고딕" pitchFamily="50" charset="-127"/>
+                <a:ea typeface="나눔고딕" pitchFamily="50" charset="-127"/>
+              </a:rPr>
+              <a:t>번호정보를</a:t>
+            </a:r>
+            <a:r>
+              <a:rPr lang="ko-KR" altLang="en-US" sz="1600" b="1" spc="-20" dirty="0">
+                <a:solidFill>
+                  <a:schemeClr val="accent6">
+                    <a:lumMod val="75000"/>
+                  </a:schemeClr>
+                </a:solidFill>
+                <a:latin typeface="나눔고딕" pitchFamily="50" charset="-127"/>
+                <a:ea typeface="나눔고딕" pitchFamily="50" charset="-127"/>
+              </a:rPr>
+              <a:t> 통해</a:t>
+            </a:r>
+            <a:endParaRPr lang="en-US" altLang="ko-KR" sz="1600" b="1" spc="-20" dirty="0">
+              <a:solidFill>
+                <a:schemeClr val="accent6">
+                  <a:lumMod val="75000"/>
+                </a:schemeClr>
+              </a:solidFill>
+              <a:latin typeface="나눔고딕" pitchFamily="50" charset="-127"/>
+              <a:ea typeface="나눔고딕" pitchFamily="50" charset="-127"/>
+            </a:endParaRPr>
+          </a:p>
+          <a:p>
+            <a:pPr>
+              <a:lnSpc>
+                <a:spcPct val="150000"/>
+              </a:lnSpc>
+            </a:pPr>
+            <a:r>
+              <a:rPr lang="ko-KR" altLang="en-US" sz="1600" b="1" spc="-20" dirty="0">
+                <a:solidFill>
+                  <a:schemeClr val="accent6">
+                    <a:lumMod val="75000"/>
+                  </a:schemeClr>
+                </a:solidFill>
+                <a:latin typeface="나눔고딕" pitchFamily="50" charset="-127"/>
+                <a:ea typeface="나눔고딕" pitchFamily="50" charset="-127"/>
+              </a:rPr>
+              <a:t>비교 및 정렬</a:t>
+            </a:r>
+            <a:endParaRPr lang="en-US" altLang="ko-KR" sz="1600" b="1" spc="-20" dirty="0">
+              <a:solidFill>
+                <a:schemeClr val="accent6">
+                  <a:lumMod val="75000"/>
+                </a:schemeClr>
+              </a:solidFill>
+              <a:latin typeface="나눔고딕" pitchFamily="50" charset="-127"/>
+              <a:ea typeface="나눔고딕" pitchFamily="50" charset="-127"/>
+            </a:endParaRPr>
+          </a:p>
+          <a:p>
+            <a:pPr>
+              <a:lnSpc>
+                <a:spcPct val="150000"/>
+              </a:lnSpc>
+            </a:pPr>
+            <a:endParaRPr lang="en-US" altLang="ko-KR" sz="1600" b="1" spc="-20" dirty="0">
+              <a:solidFill>
+                <a:schemeClr val="accent6">
+                  <a:lumMod val="75000"/>
+                </a:schemeClr>
+              </a:solidFill>
+              <a:latin typeface="나눔고딕" pitchFamily="50" charset="-127"/>
+              <a:ea typeface="나눔고딕" pitchFamily="50" charset="-127"/>
+            </a:endParaRPr>
+          </a:p>
+        </p:txBody>
+      </p:sp>
+      <p:pic>
+        <p:nvPicPr>
+          <p:cNvPr id="12" name="그림 11">
+            <a:extLst>
+              <a:ext uri="{FF2B5EF4-FFF2-40B4-BE49-F238E27FC236}">
+                <a16:creationId xmlns:a16="http://schemas.microsoft.com/office/drawing/2014/main" id="{D181D6F9-E448-324F-9D44-232CCE9CF27B}"/>
+              </a:ext>
+            </a:extLst>
+          </p:cNvPr>
+          <p:cNvPicPr>
+            <a:picLocks noChangeAspect="1"/>
+          </p:cNvPicPr>
+          <p:nvPr/>
+        </p:nvPicPr>
+        <p:blipFill>
+          <a:blip r:embed="rId3">
+            <a:extLst>
+              <a:ext uri="{28A0092B-C50C-407E-A947-70E740481C1C}">
+                <a14:useLocalDpi xmlns:a14="http://schemas.microsoft.com/office/drawing/2010/main" val="0"/>
+              </a:ext>
+            </a:extLst>
+          </a:blip>
+          <a:stretch>
+            <a:fillRect/>
+          </a:stretch>
+        </p:blipFill>
+        <p:spPr>
+          <a:xfrm>
+            <a:off x="3851920" y="1443781"/>
+            <a:ext cx="4955127" cy="4996942"/>
+          </a:xfrm>
+          <a:prstGeom prst="rect">
+            <a:avLst/>
+          </a:prstGeom>
+        </p:spPr>
+      </p:pic>
+      <p:sp>
+        <p:nvSpPr>
+          <p:cNvPr id="13" name="직사각형 12">
+            <a:extLst>
+              <a:ext uri="{FF2B5EF4-FFF2-40B4-BE49-F238E27FC236}">
+                <a16:creationId xmlns:a16="http://schemas.microsoft.com/office/drawing/2014/main" id="{209632F6-51B4-BD43-8EDB-2B35E4026F6E}"/>
+              </a:ext>
+            </a:extLst>
+          </p:cNvPr>
+          <p:cNvSpPr/>
+          <p:nvPr/>
+        </p:nvSpPr>
+        <p:spPr>
+          <a:xfrm>
+            <a:off x="3851920" y="2646108"/>
+            <a:ext cx="3312368" cy="1296144"/>
+          </a:xfrm>
+          <a:prstGeom prst="rect">
+            <a:avLst/>
+          </a:prstGeom>
+          <a:noFill/>
+          <a:ln>
+            <a:solidFill>
+              <a:srgbClr val="FF0000"/>
+            </a:solidFill>
+          </a:ln>
+        </p:spPr>
+        <p:style>
+          <a:lnRef idx="2">
+            <a:schemeClr val="accent1">
+              <a:shade val="50000"/>
+            </a:schemeClr>
+          </a:lnRef>
+          <a:fillRef idx="1">
+            <a:schemeClr val="accent1"/>
+          </a:fillRef>
+          <a:effectRef idx="0">
+            <a:schemeClr val="accent1"/>
+          </a:effectRef>
+          <a:fontRef idx="minor">
+            <a:schemeClr val="lt1"/>
+          </a:fontRef>
+        </p:style>
+        <p:txBody>
+          <a:bodyPr rtlCol="0" anchor="ctr"/>
+          <a:lstStyle/>
+          <a:p>
+            <a:pPr algn="ctr"/>
+            <a:endParaRPr kumimoji="1" lang="ko-KR" altLang="en-US"/>
+          </a:p>
+        </p:txBody>
+      </p:sp>
+    </p:spTree>
+    <p:extLst>
+      <p:ext uri="{BB962C8B-B14F-4D97-AF65-F5344CB8AC3E}">
+        <p14:creationId xmlns:p14="http://schemas.microsoft.com/office/powerpoint/2010/main" val="2373846836"/>
+      </p:ext>
+    </p:extLst>
+  </p:cSld>
+  <p:clrMapOvr>
+    <a:masterClrMapping/>
+  </p:clrMapOvr>
+</p:sld>
+</file>
+
+<file path=ppt/slides/slide5.xml><?xml version="1.0" encoding="utf-8"?>
+<p:sld xmlns:a="http://schemas.openxmlformats.org/drawingml/2006/main" xmlns:r="http://schemas.openxmlformats.org/officeDocument/2006/relationships" xmlns:p="http://schemas.openxmlformats.org/presentationml/2006/main">
+  <p:cSld>
+    <p:spTree>
+      <p:nvGrpSpPr>
+        <p:cNvPr id="1" name=""/>
+        <p:cNvGrpSpPr/>
+        <p:nvPr/>
+      </p:nvGrpSpPr>
+      <p:grpSpPr>
+        <a:xfrm>
+          <a:off x="0" y="0"/>
+          <a:ext cx="0" cy="0"/>
+          <a:chOff x="0" y="0"/>
+          <a:chExt cx="0" cy="0"/>
+        </a:xfrm>
+      </p:grpSpPr>
+      <p:sp>
+        <p:nvSpPr>
+          <p:cNvPr id="2" name="제목 1"/>
+          <p:cNvSpPr>
+            <a:spLocks noGrp="1"/>
+          </p:cNvSpPr>
+          <p:nvPr>
+            <p:ph type="ctrTitle"/>
+          </p:nvPr>
+        </p:nvSpPr>
+        <p:spPr>
+          <a:xfrm>
+            <a:off x="467544" y="404664"/>
+            <a:ext cx="6552728" cy="704078"/>
+          </a:xfrm>
+        </p:spPr>
+        <p:txBody>
+          <a:bodyPr>
+            <a:noAutofit/>
+          </a:bodyPr>
+          <a:lstStyle/>
+          <a:p>
+            <a:pPr algn="l"/>
+            <a:r>
+              <a:rPr lang="en-US" altLang="ko-KR" sz="3200" spc="-100" dirty="0">
+                <a:latin typeface="나눔고딕 ExtraBold" pitchFamily="50" charset="-127"/>
+                <a:ea typeface="나눔고딕 ExtraBold" pitchFamily="50" charset="-127"/>
+              </a:rPr>
+              <a:t>Function</a:t>
+            </a:r>
+            <a:endParaRPr lang="en-US" altLang="ko-KR" sz="3000" b="1" spc="-100" dirty="0">
+              <a:solidFill>
+                <a:schemeClr val="accent6">
+                  <a:lumMod val="75000"/>
+                </a:schemeClr>
+              </a:solidFill>
+              <a:latin typeface="나눔고딕 ExtraBold" pitchFamily="50" charset="-127"/>
+              <a:ea typeface="나눔고딕 ExtraBold" pitchFamily="50" charset="-127"/>
+            </a:endParaRPr>
+          </a:p>
+        </p:txBody>
+      </p:sp>
+      <p:sp>
+        <p:nvSpPr>
+          <p:cNvPr id="8" name="직사각형 7"/>
+          <p:cNvSpPr/>
+          <p:nvPr/>
+        </p:nvSpPr>
+        <p:spPr>
+          <a:xfrm>
+            <a:off x="395536" y="404664"/>
+            <a:ext cx="8352928" cy="792088"/>
+          </a:xfrm>
+          <a:prstGeom prst="rect">
+            <a:avLst/>
+          </a:prstGeom>
+          <a:noFill/>
+          <a:ln w="88900">
+            <a:solidFill>
+              <a:schemeClr val="accent6">
+                <a:lumMod val="75000"/>
+              </a:schemeClr>
+            </a:solidFill>
+            <a:miter lim="800000"/>
+          </a:ln>
+        </p:spPr>
+        <p:style>
+          <a:lnRef idx="2">
+            <a:schemeClr val="accent1">
+              <a:shade val="50000"/>
+            </a:schemeClr>
+          </a:lnRef>
+          <a:fillRef idx="1">
+            <a:schemeClr val="accent1"/>
+          </a:fillRef>
+          <a:effectRef idx="0">
+            <a:schemeClr val="accent1"/>
+          </a:effectRef>
+          <a:fontRef idx="minor">
+            <a:schemeClr val="lt1"/>
+          </a:fontRef>
+        </p:style>
+        <p:txBody>
+          <a:bodyPr rtlCol="0" anchor="ctr"/>
+          <a:lstStyle/>
+          <a:p>
+            <a:pPr algn="ctr"/>
+            <a:endParaRPr lang="ko-KR" altLang="en-US" dirty="0">
+              <a:solidFill>
+                <a:schemeClr val="accent6">
+                  <a:lumMod val="75000"/>
+                </a:schemeClr>
+              </a:solidFill>
+              <a:latin typeface="나눔고딕" pitchFamily="50" charset="-127"/>
+              <a:ea typeface="나눔고딕" pitchFamily="50" charset="-127"/>
+            </a:endParaRPr>
+          </a:p>
+        </p:txBody>
+      </p:sp>
+      <p:sp>
+        <p:nvSpPr>
+          <p:cNvPr id="20" name="제목 1">
+            <a:extLst>
+              <a:ext uri="{FF2B5EF4-FFF2-40B4-BE49-F238E27FC236}">
+                <a16:creationId xmlns:a16="http://schemas.microsoft.com/office/drawing/2014/main" id="{55BFEB79-7FEA-4549-BA3A-7E6C629B3553}"/>
+              </a:ext>
+            </a:extLst>
+          </p:cNvPr>
+          <p:cNvSpPr txBox="1">
+            <a:spLocks/>
+          </p:cNvSpPr>
+          <p:nvPr/>
+        </p:nvSpPr>
+        <p:spPr>
+          <a:xfrm>
+            <a:off x="5508104" y="476673"/>
+            <a:ext cx="2941314" cy="1080120"/>
+          </a:xfrm>
+          <a:prstGeom prst="rect">
+            <a:avLst/>
+          </a:prstGeom>
+        </p:spPr>
+        <p:txBody>
+          <a:bodyPr vert="horz" lIns="91440" tIns="45720" rIns="91440" bIns="45720" rtlCol="0" anchor="t">
+            <a:noAutofit/>
+          </a:bodyPr>
+          <a:lstStyle/>
+          <a:p>
+            <a:pPr marL="0" marR="0" lvl="0" indent="0" algn="r" defTabSz="914400" rtl="0" eaLnBrk="1" fontAlgn="auto" latinLnBrk="1" hangingPunct="1">
+              <a:lnSpc>
+                <a:spcPts val="5600"/>
+              </a:lnSpc>
+              <a:spcBef>
+                <a:spcPct val="0"/>
+              </a:spcBef>
+              <a:spcAft>
+                <a:spcPts val="0"/>
+              </a:spcAft>
+              <a:buClrTx/>
+              <a:buSzTx/>
+              <a:buFontTx/>
+              <a:buNone/>
+              <a:tabLst/>
+              <a:defRPr/>
+            </a:pPr>
+            <a:r>
+              <a:rPr kumimoji="0" lang="en-US" altLang="ko-KR" sz="2400" b="1" i="0" u="none" strike="noStrike" kern="1200" cap="none" spc="-150" normalizeH="0" baseline="0" noProof="0" dirty="0">
+                <a:ln>
+                  <a:noFill/>
+                </a:ln>
+                <a:solidFill>
+                  <a:srgbClr val="706868"/>
+                </a:solidFill>
+                <a:effectLst/>
+                <a:uLnTx/>
+                <a:uFillTx/>
+                <a:latin typeface="나눔고딕 ExtraBold" pitchFamily="50" charset="-127"/>
+                <a:ea typeface="나눔고딕 ExtraBold" pitchFamily="50" charset="-127"/>
+                <a:cs typeface="+mj-cs"/>
+              </a:rPr>
+              <a:t>03. </a:t>
+            </a:r>
+            <a:r>
+              <a:rPr lang="en-US" altLang="ko-KR" sz="2400" b="1" spc="-150" dirty="0">
+                <a:solidFill>
+                  <a:srgbClr val="706868"/>
+                </a:solidFill>
+                <a:latin typeface="나눔고딕 ExtraBold" pitchFamily="50" charset="-127"/>
+                <a:ea typeface="나눔고딕 ExtraBold" pitchFamily="50" charset="-127"/>
+                <a:cs typeface="+mj-cs"/>
+              </a:rPr>
+              <a:t>programing</a:t>
+            </a:r>
+            <a:r>
+              <a:rPr kumimoji="0" lang="en-US" altLang="ko-KR" sz="2400" b="1" i="0" u="none" strike="noStrike" kern="1200" cap="none" spc="-150" normalizeH="0" baseline="0" noProof="0" dirty="0">
+                <a:ln>
+                  <a:noFill/>
+                </a:ln>
+                <a:solidFill>
+                  <a:srgbClr val="706868"/>
+                </a:solidFill>
+                <a:effectLst/>
+                <a:uLnTx/>
+                <a:uFillTx/>
+                <a:latin typeface="나눔고딕 ExtraBold" pitchFamily="50" charset="-127"/>
+                <a:ea typeface="나눔고딕 ExtraBold" pitchFamily="50" charset="-127"/>
+                <a:cs typeface="+mj-cs"/>
+              </a:rPr>
+              <a:t> </a:t>
+            </a:r>
+          </a:p>
+          <a:p>
+            <a:pPr marL="0" marR="0" lvl="0" indent="0" algn="r" defTabSz="914400" rtl="0" eaLnBrk="1" fontAlgn="auto" latinLnBrk="1" hangingPunct="1">
+              <a:lnSpc>
+                <a:spcPts val="5600"/>
+              </a:lnSpc>
+              <a:spcBef>
+                <a:spcPct val="0"/>
+              </a:spcBef>
+              <a:spcAft>
+                <a:spcPts val="0"/>
+              </a:spcAft>
+              <a:buClrTx/>
+              <a:buSzTx/>
+              <a:buFontTx/>
+              <a:buNone/>
+              <a:tabLst/>
+              <a:defRPr/>
+            </a:pPr>
+            <a:endParaRPr kumimoji="0" lang="ko-KR" altLang="en-US" sz="2400" b="0" i="0" u="none" strike="noStrike" kern="1200" cap="none" spc="0" normalizeH="0" baseline="0" noProof="0" dirty="0">
+              <a:ln>
+                <a:noFill/>
+              </a:ln>
+              <a:solidFill>
+                <a:srgbClr val="706868"/>
+              </a:solidFill>
+              <a:effectLst/>
+              <a:uLnTx/>
+              <a:uFillTx/>
+              <a:latin typeface="나눔고딕 ExtraBold" pitchFamily="50" charset="-127"/>
+              <a:ea typeface="나눔고딕 ExtraBold" pitchFamily="50" charset="-127"/>
+              <a:cs typeface="+mj-cs"/>
+            </a:endParaRPr>
+          </a:p>
+        </p:txBody>
+      </p:sp>
+      <p:sp>
+        <p:nvSpPr>
+          <p:cNvPr id="10" name="TextBox 9">
+            <a:extLst>
+              <a:ext uri="{FF2B5EF4-FFF2-40B4-BE49-F238E27FC236}">
+                <a16:creationId xmlns:a16="http://schemas.microsoft.com/office/drawing/2014/main" id="{549AD279-1A70-8E48-8ACA-8C1359690FD9}"/>
+              </a:ext>
+            </a:extLst>
+          </p:cNvPr>
+          <p:cNvSpPr txBox="1"/>
+          <p:nvPr/>
+        </p:nvSpPr>
+        <p:spPr>
+          <a:xfrm>
+            <a:off x="395536" y="1454074"/>
+            <a:ext cx="3312368" cy="6050887"/>
+          </a:xfrm>
+          <a:prstGeom prst="rect">
+            <a:avLst/>
+          </a:prstGeom>
+          <a:noFill/>
+        </p:spPr>
+        <p:txBody>
+          <a:bodyPr wrap="square" rtlCol="0">
+            <a:spAutoFit/>
+          </a:bodyPr>
+          <a:lstStyle/>
+          <a:p>
+            <a:pPr>
+              <a:lnSpc>
+                <a:spcPct val="150000"/>
+              </a:lnSpc>
+            </a:pPr>
+            <a:r>
+              <a:rPr lang="en-US" altLang="ko-KR" sz="2000" b="1" spc="-20" dirty="0" err="1">
+                <a:solidFill>
+                  <a:schemeClr val="accent6">
+                    <a:lumMod val="75000"/>
+                  </a:schemeClr>
+                </a:solidFill>
+                <a:latin typeface="나눔고딕" pitchFamily="50" charset="-127"/>
+                <a:ea typeface="나눔고딕" pitchFamily="50" charset="-127"/>
+              </a:rPr>
+              <a:t>find_attraction</a:t>
+            </a:r>
+            <a:r>
+              <a:rPr lang="en-US" altLang="ko-KR" sz="2000" b="1" spc="-20" dirty="0">
+                <a:solidFill>
+                  <a:schemeClr val="accent6">
+                    <a:lumMod val="75000"/>
+                  </a:schemeClr>
+                </a:solidFill>
+                <a:latin typeface="나눔고딕" pitchFamily="50" charset="-127"/>
+                <a:ea typeface="나눔고딕" pitchFamily="50" charset="-127"/>
+              </a:rPr>
+              <a:t>()</a:t>
+            </a:r>
+          </a:p>
+          <a:p>
+            <a:pPr>
+              <a:lnSpc>
+                <a:spcPct val="150000"/>
+              </a:lnSpc>
+            </a:pPr>
+            <a:r>
+              <a:rPr lang="ko-KR" altLang="en-US" sz="1600" b="1" spc="-20" dirty="0">
+                <a:solidFill>
+                  <a:schemeClr val="accent6">
+                    <a:lumMod val="75000"/>
+                  </a:schemeClr>
+                </a:solidFill>
+                <a:latin typeface="나눔고딕" pitchFamily="50" charset="-127"/>
+                <a:ea typeface="나눔고딕" pitchFamily="50" charset="-127"/>
+              </a:rPr>
+              <a:t>원하는 관광지 번호를 찾는다</a:t>
+            </a:r>
+            <a:r>
+              <a:rPr lang="en-US" altLang="ko-KR" sz="1600" b="1" spc="-20" dirty="0">
+                <a:solidFill>
+                  <a:schemeClr val="accent6">
+                    <a:lumMod val="75000"/>
+                  </a:schemeClr>
+                </a:solidFill>
+                <a:latin typeface="나눔고딕" pitchFamily="50" charset="-127"/>
+                <a:ea typeface="나눔고딕" pitchFamily="50" charset="-127"/>
+              </a:rPr>
+              <a:t>.</a:t>
+            </a:r>
+          </a:p>
+          <a:p>
+            <a:pPr>
+              <a:lnSpc>
+                <a:spcPct val="150000"/>
+              </a:lnSpc>
+            </a:pPr>
+            <a:r>
+              <a:rPr lang="ko-KR" altLang="en-US" sz="1600" b="1" spc="-20" dirty="0">
+                <a:solidFill>
+                  <a:schemeClr val="accent6">
+                    <a:lumMod val="75000"/>
+                  </a:schemeClr>
+                </a:solidFill>
+                <a:latin typeface="나눔고딕" pitchFamily="50" charset="-127"/>
+                <a:ea typeface="나눔고딕" pitchFamily="50" charset="-127"/>
+              </a:rPr>
+              <a:t>관광지 번호를 </a:t>
+            </a:r>
+            <a:r>
+              <a:rPr lang="ko-KR" altLang="en-US" sz="1600" b="1" spc="-20" dirty="0" err="1">
+                <a:solidFill>
+                  <a:schemeClr val="accent6">
+                    <a:lumMod val="75000"/>
+                  </a:schemeClr>
+                </a:solidFill>
+                <a:latin typeface="나눔고딕" pitchFamily="50" charset="-127"/>
+                <a:ea typeface="나눔고딕" pitchFamily="50" charset="-127"/>
+              </a:rPr>
+              <a:t>입력받아</a:t>
+            </a:r>
+            <a:endParaRPr lang="en-US" altLang="ko-KR" sz="1600" b="1" spc="-20" dirty="0">
+              <a:solidFill>
+                <a:schemeClr val="accent6">
+                  <a:lumMod val="75000"/>
+                </a:schemeClr>
+              </a:solidFill>
+              <a:latin typeface="나눔고딕" pitchFamily="50" charset="-127"/>
+              <a:ea typeface="나눔고딕" pitchFamily="50" charset="-127"/>
+            </a:endParaRPr>
+          </a:p>
+          <a:p>
+            <a:pPr>
+              <a:lnSpc>
+                <a:spcPct val="150000"/>
+              </a:lnSpc>
+            </a:pPr>
+            <a:r>
+              <a:rPr lang="en-US" altLang="ko-KR" sz="2000" b="1" spc="-20" dirty="0" err="1">
+                <a:solidFill>
+                  <a:schemeClr val="accent6">
+                    <a:lumMod val="75000"/>
+                  </a:schemeClr>
+                </a:solidFill>
+                <a:latin typeface="나눔고딕" pitchFamily="50" charset="-127"/>
+                <a:ea typeface="나눔고딕" pitchFamily="50" charset="-127"/>
+              </a:rPr>
+              <a:t>fbin_search</a:t>
+            </a:r>
+            <a:r>
+              <a:rPr lang="en-US" altLang="ko-KR" sz="2000" b="1" spc="-20" dirty="0">
+                <a:solidFill>
+                  <a:schemeClr val="accent6">
+                    <a:lumMod val="75000"/>
+                  </a:schemeClr>
+                </a:solidFill>
+                <a:latin typeface="나눔고딕" pitchFamily="50" charset="-127"/>
+                <a:ea typeface="나눔고딕" pitchFamily="50" charset="-127"/>
+              </a:rPr>
+              <a:t>()</a:t>
+            </a:r>
+            <a:r>
+              <a:rPr lang="ko-KR" altLang="en-US" sz="1600" b="1" spc="-20" dirty="0">
+                <a:solidFill>
+                  <a:schemeClr val="accent6">
+                    <a:lumMod val="75000"/>
+                  </a:schemeClr>
+                </a:solidFill>
+                <a:latin typeface="나눔고딕" pitchFamily="50" charset="-127"/>
+                <a:ea typeface="나눔고딕" pitchFamily="50" charset="-127"/>
+              </a:rPr>
+              <a:t>호출</a:t>
+            </a:r>
+            <a:endParaRPr lang="en-US" altLang="ko-KR" sz="1600" b="1" spc="-20" dirty="0">
+              <a:solidFill>
+                <a:schemeClr val="accent6">
+                  <a:lumMod val="75000"/>
+                </a:schemeClr>
+              </a:solidFill>
+              <a:latin typeface="나눔고딕" pitchFamily="50" charset="-127"/>
+              <a:ea typeface="나눔고딕" pitchFamily="50" charset="-127"/>
+            </a:endParaRPr>
+          </a:p>
+          <a:p>
+            <a:pPr>
+              <a:lnSpc>
+                <a:spcPct val="150000"/>
+              </a:lnSpc>
+            </a:pPr>
+            <a:r>
+              <a:rPr lang="en-US" altLang="ko-KR" sz="1600" b="1" spc="-20" dirty="0" err="1">
+                <a:solidFill>
+                  <a:schemeClr val="accent6">
+                    <a:lumMod val="75000"/>
+                  </a:schemeClr>
+                </a:solidFill>
+                <a:latin typeface="나눔고딕" pitchFamily="50" charset="-127"/>
+                <a:ea typeface="나눔고딕" pitchFamily="50" charset="-127"/>
+              </a:rPr>
+              <a:t>Indexfile</a:t>
+            </a:r>
+            <a:r>
+              <a:rPr lang="ko-KR" altLang="en-US" sz="1600" b="1" spc="-20" dirty="0">
+                <a:solidFill>
+                  <a:schemeClr val="accent6">
+                    <a:lumMod val="75000"/>
+                  </a:schemeClr>
+                </a:solidFill>
+                <a:latin typeface="나눔고딕" pitchFamily="50" charset="-127"/>
+                <a:ea typeface="나눔고딕" pitchFamily="50" charset="-127"/>
+              </a:rPr>
+              <a:t>에서 해당 번호 위치 검색</a:t>
+            </a:r>
+            <a:endParaRPr lang="en-US" altLang="ko-KR" sz="1600" b="1" spc="-20" dirty="0">
+              <a:solidFill>
+                <a:schemeClr val="accent6">
+                  <a:lumMod val="75000"/>
+                </a:schemeClr>
+              </a:solidFill>
+              <a:latin typeface="나눔고딕" pitchFamily="50" charset="-127"/>
+              <a:ea typeface="나눔고딕" pitchFamily="50" charset="-127"/>
+            </a:endParaRPr>
+          </a:p>
+          <a:p>
+            <a:pPr>
+              <a:lnSpc>
+                <a:spcPct val="150000"/>
+              </a:lnSpc>
+            </a:pPr>
+            <a:endParaRPr lang="en-US" altLang="ko-KR" sz="1600" b="1" spc="-20" dirty="0">
+              <a:solidFill>
+                <a:schemeClr val="accent6">
+                  <a:lumMod val="75000"/>
+                </a:schemeClr>
+              </a:solidFill>
+              <a:latin typeface="나눔고딕" pitchFamily="50" charset="-127"/>
+              <a:ea typeface="나눔고딕" pitchFamily="50" charset="-127"/>
+            </a:endParaRPr>
+          </a:p>
+          <a:p>
+            <a:pPr>
+              <a:lnSpc>
+                <a:spcPct val="150000"/>
+              </a:lnSpc>
+            </a:pPr>
+            <a:r>
+              <a:rPr lang="en-US" altLang="ko-KR" sz="2000" b="1" spc="-20" dirty="0" err="1">
+                <a:solidFill>
+                  <a:schemeClr val="accent6">
+                    <a:lumMod val="75000"/>
+                  </a:schemeClr>
+                </a:solidFill>
+                <a:latin typeface="나눔고딕" pitchFamily="50" charset="-127"/>
+                <a:ea typeface="나눔고딕" pitchFamily="50" charset="-127"/>
+              </a:rPr>
+              <a:t>delete_attraction</a:t>
+            </a:r>
+            <a:r>
+              <a:rPr lang="en-US" altLang="ko-KR" sz="2000" b="1" spc="-20" dirty="0">
+                <a:solidFill>
+                  <a:schemeClr val="accent6">
+                    <a:lumMod val="75000"/>
+                  </a:schemeClr>
+                </a:solidFill>
+                <a:latin typeface="나눔고딕" pitchFamily="50" charset="-127"/>
+                <a:ea typeface="나눔고딕" pitchFamily="50" charset="-127"/>
+              </a:rPr>
+              <a:t>()</a:t>
+            </a:r>
+          </a:p>
+          <a:p>
+            <a:pPr>
+              <a:lnSpc>
+                <a:spcPct val="150000"/>
+              </a:lnSpc>
+            </a:pPr>
+            <a:r>
+              <a:rPr lang="en-US" altLang="ko-KR" sz="2000" b="1" spc="-20" dirty="0" err="1">
+                <a:solidFill>
+                  <a:schemeClr val="accent6">
+                    <a:lumMod val="75000"/>
+                  </a:schemeClr>
+                </a:solidFill>
+                <a:latin typeface="나눔고딕" pitchFamily="50" charset="-127"/>
+                <a:ea typeface="나눔고딕" pitchFamily="50" charset="-127"/>
+              </a:rPr>
+              <a:t>show_attraction</a:t>
+            </a:r>
+            <a:r>
+              <a:rPr lang="en-US" altLang="ko-KR" sz="2000" b="1" spc="-20" dirty="0">
+                <a:solidFill>
+                  <a:schemeClr val="accent6">
+                    <a:lumMod val="75000"/>
+                  </a:schemeClr>
+                </a:solidFill>
+                <a:latin typeface="나눔고딕" pitchFamily="50" charset="-127"/>
+                <a:ea typeface="나눔고딕" pitchFamily="50" charset="-127"/>
+              </a:rPr>
+              <a:t>()</a:t>
+            </a:r>
+          </a:p>
+          <a:p>
+            <a:pPr>
+              <a:lnSpc>
+                <a:spcPct val="150000"/>
+              </a:lnSpc>
+            </a:pPr>
+            <a:r>
+              <a:rPr lang="en-US" altLang="ko-KR" sz="1600" b="1" spc="-20" dirty="0">
+                <a:solidFill>
+                  <a:schemeClr val="accent6">
+                    <a:lumMod val="75000"/>
+                  </a:schemeClr>
+                </a:solidFill>
+                <a:latin typeface="나눔고딕" pitchFamily="50" charset="-127"/>
+                <a:ea typeface="나눔고딕" pitchFamily="50" charset="-127"/>
+              </a:rPr>
+              <a:t>datafile</a:t>
+            </a:r>
+            <a:r>
+              <a:rPr lang="ko-KR" altLang="en-US" sz="1600" b="1" spc="-20" dirty="0">
+                <a:solidFill>
+                  <a:schemeClr val="accent6">
+                    <a:lumMod val="75000"/>
+                  </a:schemeClr>
+                </a:solidFill>
+                <a:latin typeface="나눔고딕" pitchFamily="50" charset="-127"/>
+                <a:ea typeface="나눔고딕" pitchFamily="50" charset="-127"/>
+              </a:rPr>
+              <a:t>에서 해당 데이터</a:t>
+            </a:r>
+            <a:endParaRPr lang="en-US" altLang="ko-KR" sz="1600" b="1" spc="-20" dirty="0">
+              <a:solidFill>
+                <a:schemeClr val="accent6">
+                  <a:lumMod val="75000"/>
+                </a:schemeClr>
+              </a:solidFill>
+              <a:latin typeface="나눔고딕" pitchFamily="50" charset="-127"/>
+              <a:ea typeface="나눔고딕" pitchFamily="50" charset="-127"/>
+            </a:endParaRPr>
+          </a:p>
+          <a:p>
+            <a:pPr>
+              <a:lnSpc>
+                <a:spcPct val="150000"/>
+              </a:lnSpc>
+            </a:pPr>
+            <a:r>
+              <a:rPr lang="en-US" altLang="ko-KR" sz="1600" b="1" spc="-20" dirty="0">
+                <a:solidFill>
+                  <a:schemeClr val="accent6">
+                    <a:lumMod val="75000"/>
+                  </a:schemeClr>
+                </a:solidFill>
+                <a:latin typeface="나눔고딕" pitchFamily="50" charset="-127"/>
+                <a:ea typeface="나눔고딕" pitchFamily="50" charset="-127"/>
+              </a:rPr>
+              <a:t>	</a:t>
+            </a:r>
+            <a:r>
+              <a:rPr lang="ko-KR" altLang="en-US" sz="1600" b="1" spc="-20" dirty="0">
+                <a:solidFill>
+                  <a:schemeClr val="accent6">
+                    <a:lumMod val="75000"/>
+                  </a:schemeClr>
+                </a:solidFill>
+                <a:latin typeface="나눔고딕" pitchFamily="50" charset="-127"/>
+                <a:ea typeface="나눔고딕" pitchFamily="50" charset="-127"/>
+              </a:rPr>
+              <a:t>삭제 및 출력</a:t>
+            </a:r>
+            <a:endParaRPr lang="en-US" altLang="ko-KR" sz="1600" b="1" spc="-20" dirty="0">
+              <a:solidFill>
+                <a:schemeClr val="accent6">
+                  <a:lumMod val="75000"/>
+                </a:schemeClr>
+              </a:solidFill>
+              <a:latin typeface="나눔고딕" pitchFamily="50" charset="-127"/>
+              <a:ea typeface="나눔고딕" pitchFamily="50" charset="-127"/>
+            </a:endParaRPr>
+          </a:p>
+          <a:p>
+            <a:pPr>
+              <a:lnSpc>
+                <a:spcPct val="150000"/>
+              </a:lnSpc>
+            </a:pPr>
+            <a:r>
+              <a:rPr lang="en-US" altLang="ko-KR" sz="2000" b="1" spc="-20" dirty="0" err="1">
+                <a:solidFill>
+                  <a:schemeClr val="accent6">
+                    <a:lumMod val="75000"/>
+                  </a:schemeClr>
+                </a:solidFill>
+                <a:latin typeface="나눔고딕" pitchFamily="50" charset="-127"/>
+                <a:ea typeface="나눔고딕" pitchFamily="50" charset="-127"/>
+              </a:rPr>
+              <a:t>set_delete</a:t>
+            </a:r>
+            <a:r>
+              <a:rPr lang="en-US" altLang="ko-KR" sz="2000" b="1" spc="-20" dirty="0">
+                <a:solidFill>
+                  <a:schemeClr val="accent6">
+                    <a:lumMod val="75000"/>
+                  </a:schemeClr>
+                </a:solidFill>
+                <a:latin typeface="나눔고딕" pitchFamily="50" charset="-127"/>
+                <a:ea typeface="나눔고딕" pitchFamily="50" charset="-127"/>
+              </a:rPr>
+              <a:t>()</a:t>
+            </a:r>
+          </a:p>
+          <a:p>
+            <a:pPr>
+              <a:lnSpc>
+                <a:spcPct val="150000"/>
+              </a:lnSpc>
+            </a:pPr>
+            <a:r>
+              <a:rPr lang="en-US" altLang="ko-KR" sz="1600" b="1" spc="-20" dirty="0" err="1">
+                <a:solidFill>
+                  <a:schemeClr val="accent6">
+                    <a:lumMod val="75000"/>
+                  </a:schemeClr>
+                </a:solidFill>
+                <a:latin typeface="나눔고딕" pitchFamily="50" charset="-127"/>
+                <a:ea typeface="나눔고딕" pitchFamily="50" charset="-127"/>
+              </a:rPr>
+              <a:t>indexfile</a:t>
+            </a:r>
+            <a:r>
+              <a:rPr lang="ko-KR" altLang="en-US" sz="1600" b="1" spc="-20" dirty="0">
+                <a:solidFill>
+                  <a:schemeClr val="accent6">
+                    <a:lumMod val="75000"/>
+                  </a:schemeClr>
+                </a:solidFill>
+                <a:latin typeface="나눔고딕" pitchFamily="50" charset="-127"/>
+                <a:ea typeface="나눔고딕" pitchFamily="50" charset="-127"/>
+              </a:rPr>
+              <a:t>에서 해당 데이터 삭제</a:t>
+            </a:r>
+            <a:endParaRPr lang="en-US" altLang="ko-KR" sz="1600" b="1" spc="-20" dirty="0">
+              <a:solidFill>
+                <a:schemeClr val="accent6">
+                  <a:lumMod val="75000"/>
+                </a:schemeClr>
+              </a:solidFill>
+              <a:latin typeface="나눔고딕" pitchFamily="50" charset="-127"/>
+              <a:ea typeface="나눔고딕" pitchFamily="50" charset="-127"/>
+            </a:endParaRPr>
+          </a:p>
+          <a:p>
+            <a:pPr>
+              <a:lnSpc>
+                <a:spcPct val="150000"/>
+              </a:lnSpc>
+            </a:pPr>
+            <a:endParaRPr lang="en-US" altLang="ko-KR" sz="1600" b="1" spc="-20" dirty="0">
+              <a:solidFill>
+                <a:schemeClr val="accent6">
+                  <a:lumMod val="75000"/>
+                </a:schemeClr>
+              </a:solidFill>
+              <a:latin typeface="나눔고딕" pitchFamily="50" charset="-127"/>
+              <a:ea typeface="나눔고딕" pitchFamily="50" charset="-127"/>
+            </a:endParaRPr>
+          </a:p>
+          <a:p>
+            <a:pPr>
+              <a:lnSpc>
+                <a:spcPct val="150000"/>
+              </a:lnSpc>
+            </a:pPr>
+            <a:r>
+              <a:rPr lang="ko-KR" altLang="en-US" sz="1600" b="1" spc="-20" dirty="0">
+                <a:solidFill>
+                  <a:schemeClr val="accent6">
+                    <a:lumMod val="75000"/>
+                  </a:schemeClr>
+                </a:solidFill>
+                <a:latin typeface="나눔고딕" pitchFamily="50" charset="-127"/>
+                <a:ea typeface="나눔고딕" pitchFamily="50" charset="-127"/>
+              </a:rPr>
+              <a:t> </a:t>
+            </a:r>
+            <a:endParaRPr lang="en-US" altLang="ko-KR" sz="1600" b="1" spc="-20" dirty="0">
+              <a:solidFill>
+                <a:schemeClr val="accent6">
+                  <a:lumMod val="75000"/>
+                </a:schemeClr>
+              </a:solidFill>
+              <a:latin typeface="나눔고딕" pitchFamily="50" charset="-127"/>
+              <a:ea typeface="나눔고딕" pitchFamily="50" charset="-127"/>
+            </a:endParaRPr>
+          </a:p>
+          <a:p>
+            <a:pPr>
+              <a:lnSpc>
+                <a:spcPct val="150000"/>
+              </a:lnSpc>
+            </a:pPr>
+            <a:endParaRPr lang="en-US" altLang="ko-KR" sz="1600" b="1" spc="-20" dirty="0">
+              <a:solidFill>
+                <a:schemeClr val="accent6">
+                  <a:lumMod val="75000"/>
+                </a:schemeClr>
+              </a:solidFill>
+              <a:latin typeface="나눔고딕" pitchFamily="50" charset="-127"/>
+              <a:ea typeface="나눔고딕" pitchFamily="50" charset="-127"/>
+            </a:endParaRPr>
+          </a:p>
+        </p:txBody>
+      </p:sp>
+      <p:pic>
+        <p:nvPicPr>
+          <p:cNvPr id="13" name="그림 12">
+            <a:extLst>
+              <a:ext uri="{FF2B5EF4-FFF2-40B4-BE49-F238E27FC236}">
+                <a16:creationId xmlns:a16="http://schemas.microsoft.com/office/drawing/2014/main" id="{862AEA7D-EA80-9F45-9A45-2A4C344A452D}"/>
+              </a:ext>
+            </a:extLst>
+          </p:cNvPr>
+          <p:cNvPicPr>
+            <a:picLocks noChangeAspect="1"/>
+          </p:cNvPicPr>
+          <p:nvPr/>
+        </p:nvPicPr>
+        <p:blipFill>
+          <a:blip r:embed="rId3">
+            <a:extLst>
+              <a:ext uri="{28A0092B-C50C-407E-A947-70E740481C1C}">
+                <a14:useLocalDpi xmlns:a14="http://schemas.microsoft.com/office/drawing/2010/main" val="0"/>
+              </a:ext>
+            </a:extLst>
+          </a:blip>
+          <a:stretch>
+            <a:fillRect/>
+          </a:stretch>
+        </p:blipFill>
+        <p:spPr>
+          <a:xfrm>
+            <a:off x="3865345" y="1443781"/>
+            <a:ext cx="4955127" cy="4996942"/>
+          </a:xfrm>
+          <a:prstGeom prst="rect">
+            <a:avLst/>
+          </a:prstGeom>
+        </p:spPr>
+      </p:pic>
+      <p:sp>
+        <p:nvSpPr>
+          <p:cNvPr id="14" name="직사각형 13">
+            <a:extLst>
+              <a:ext uri="{FF2B5EF4-FFF2-40B4-BE49-F238E27FC236}">
+                <a16:creationId xmlns:a16="http://schemas.microsoft.com/office/drawing/2014/main" id="{8E374460-1EB4-6D4E-802F-6F619833A9AE}"/>
+              </a:ext>
+            </a:extLst>
+          </p:cNvPr>
+          <p:cNvSpPr/>
+          <p:nvPr/>
+        </p:nvSpPr>
+        <p:spPr>
+          <a:xfrm>
+            <a:off x="3868828" y="3942252"/>
+            <a:ext cx="3727507" cy="1110830"/>
+          </a:xfrm>
+          <a:prstGeom prst="rect">
+            <a:avLst/>
+          </a:prstGeom>
+          <a:noFill/>
+          <a:ln>
+            <a:solidFill>
+              <a:srgbClr val="FF0000"/>
+            </a:solidFill>
+          </a:ln>
+        </p:spPr>
+        <p:style>
+          <a:lnRef idx="2">
+            <a:schemeClr val="accent1">
+              <a:shade val="50000"/>
+            </a:schemeClr>
+          </a:lnRef>
+          <a:fillRef idx="1">
+            <a:schemeClr val="accent1"/>
+          </a:fillRef>
+          <a:effectRef idx="0">
+            <a:schemeClr val="accent1"/>
+          </a:effectRef>
+          <a:fontRef idx="minor">
+            <a:schemeClr val="lt1"/>
+          </a:fontRef>
+        </p:style>
+        <p:txBody>
+          <a:bodyPr rtlCol="0" anchor="ctr"/>
+          <a:lstStyle/>
+          <a:p>
+            <a:pPr algn="ctr"/>
+            <a:endParaRPr kumimoji="1" lang="ko-KR" altLang="en-US"/>
+          </a:p>
+        </p:txBody>
+      </p:sp>
+    </p:spTree>
+    <p:extLst>
+      <p:ext uri="{BB962C8B-B14F-4D97-AF65-F5344CB8AC3E}">
+        <p14:creationId xmlns:p14="http://schemas.microsoft.com/office/powerpoint/2010/main" val="1997361294"/>
+      </p:ext>
+    </p:extLst>
+  </p:cSld>
+  <p:clrMapOvr>
+    <a:masterClrMapping/>
+  </p:clrMapOvr>
+</p:sld>
+</file>
+
+<file path=ppt/slides/slide6.xml><?xml version="1.0" encoding="utf-8"?>
+<p:sld xmlns:a="http://schemas.openxmlformats.org/drawingml/2006/main" xmlns:r="http://schemas.openxmlformats.org/officeDocument/2006/relationships" xmlns:p="http://schemas.openxmlformats.org/presentationml/2006/main">
+  <p:cSld>
+    <p:spTree>
+      <p:nvGrpSpPr>
+        <p:cNvPr id="1" name=""/>
+        <p:cNvGrpSpPr/>
+        <p:nvPr/>
+      </p:nvGrpSpPr>
+      <p:grpSpPr>
+        <a:xfrm>
+          <a:off x="0" y="0"/>
+          <a:ext cx="0" cy="0"/>
+          <a:chOff x="0" y="0"/>
+          <a:chExt cx="0" cy="0"/>
+        </a:xfrm>
+      </p:grpSpPr>
+      <p:sp>
+        <p:nvSpPr>
+          <p:cNvPr id="2" name="제목 1"/>
+          <p:cNvSpPr>
+            <a:spLocks noGrp="1"/>
+          </p:cNvSpPr>
+          <p:nvPr>
+            <p:ph type="ctrTitle"/>
+          </p:nvPr>
+        </p:nvSpPr>
+        <p:spPr>
+          <a:xfrm>
+            <a:off x="467544" y="404664"/>
+            <a:ext cx="6552728" cy="704078"/>
+          </a:xfrm>
+        </p:spPr>
+        <p:txBody>
+          <a:bodyPr>
+            <a:noAutofit/>
+          </a:bodyPr>
+          <a:lstStyle/>
+          <a:p>
+            <a:pPr algn="l"/>
+            <a:r>
+              <a:rPr lang="en-US" altLang="ko-KR" sz="3200" spc="-100" dirty="0">
+                <a:latin typeface="나눔고딕 ExtraBold" pitchFamily="50" charset="-127"/>
+                <a:ea typeface="나눔고딕 ExtraBold" pitchFamily="50" charset="-127"/>
+              </a:rPr>
+              <a:t>Function</a:t>
+            </a:r>
+            <a:endParaRPr lang="en-US" altLang="ko-KR" sz="3000" b="1" spc="-100" dirty="0">
+              <a:solidFill>
+                <a:schemeClr val="accent6">
+                  <a:lumMod val="75000"/>
+                </a:schemeClr>
+              </a:solidFill>
+              <a:latin typeface="나눔고딕 ExtraBold" pitchFamily="50" charset="-127"/>
+              <a:ea typeface="나눔고딕 ExtraBold" pitchFamily="50" charset="-127"/>
+            </a:endParaRPr>
+          </a:p>
+        </p:txBody>
+      </p:sp>
+      <p:sp>
+        <p:nvSpPr>
+          <p:cNvPr id="8" name="직사각형 7"/>
+          <p:cNvSpPr/>
+          <p:nvPr/>
+        </p:nvSpPr>
+        <p:spPr>
+          <a:xfrm>
+            <a:off x="395536" y="404664"/>
+            <a:ext cx="8352928" cy="792088"/>
+          </a:xfrm>
+          <a:prstGeom prst="rect">
+            <a:avLst/>
+          </a:prstGeom>
+          <a:noFill/>
+          <a:ln w="88900">
+            <a:solidFill>
+              <a:schemeClr val="accent6">
+                <a:lumMod val="75000"/>
+              </a:schemeClr>
+            </a:solidFill>
+            <a:miter lim="800000"/>
+          </a:ln>
+        </p:spPr>
+        <p:style>
+          <a:lnRef idx="2">
+            <a:schemeClr val="accent1">
+              <a:shade val="50000"/>
+            </a:schemeClr>
+          </a:lnRef>
+          <a:fillRef idx="1">
+            <a:schemeClr val="accent1"/>
+          </a:fillRef>
+          <a:effectRef idx="0">
+            <a:schemeClr val="accent1"/>
+          </a:effectRef>
+          <a:fontRef idx="minor">
+            <a:schemeClr val="lt1"/>
+          </a:fontRef>
+        </p:style>
+        <p:txBody>
+          <a:bodyPr rtlCol="0" anchor="ctr"/>
+          <a:lstStyle/>
+          <a:p>
+            <a:pPr algn="ctr"/>
+            <a:endParaRPr lang="ko-KR" altLang="en-US" dirty="0">
+              <a:solidFill>
+                <a:schemeClr val="accent6">
+                  <a:lumMod val="75000"/>
+                </a:schemeClr>
+              </a:solidFill>
+              <a:latin typeface="나눔고딕" pitchFamily="50" charset="-127"/>
+              <a:ea typeface="나눔고딕" pitchFamily="50" charset="-127"/>
+            </a:endParaRPr>
+          </a:p>
+        </p:txBody>
+      </p:sp>
+      <p:sp>
+        <p:nvSpPr>
+          <p:cNvPr id="20" name="제목 1">
+            <a:extLst>
+              <a:ext uri="{FF2B5EF4-FFF2-40B4-BE49-F238E27FC236}">
+                <a16:creationId xmlns:a16="http://schemas.microsoft.com/office/drawing/2014/main" id="{55BFEB79-7FEA-4549-BA3A-7E6C629B3553}"/>
+              </a:ext>
+            </a:extLst>
+          </p:cNvPr>
+          <p:cNvSpPr txBox="1">
+            <a:spLocks/>
+          </p:cNvSpPr>
+          <p:nvPr/>
+        </p:nvSpPr>
+        <p:spPr>
+          <a:xfrm>
+            <a:off x="5508104" y="476673"/>
+            <a:ext cx="2941314" cy="1080120"/>
+          </a:xfrm>
+          <a:prstGeom prst="rect">
+            <a:avLst/>
+          </a:prstGeom>
+        </p:spPr>
+        <p:txBody>
+          <a:bodyPr vert="horz" lIns="91440" tIns="45720" rIns="91440" bIns="45720" rtlCol="0" anchor="t">
+            <a:noAutofit/>
+          </a:bodyPr>
+          <a:lstStyle/>
+          <a:p>
+            <a:pPr marL="0" marR="0" lvl="0" indent="0" algn="r" defTabSz="914400" rtl="0" eaLnBrk="1" fontAlgn="auto" latinLnBrk="1" hangingPunct="1">
+              <a:lnSpc>
+                <a:spcPts val="5600"/>
+              </a:lnSpc>
+              <a:spcBef>
+                <a:spcPct val="0"/>
+              </a:spcBef>
+              <a:spcAft>
+                <a:spcPts val="0"/>
+              </a:spcAft>
+              <a:buClrTx/>
+              <a:buSzTx/>
+              <a:buFontTx/>
+              <a:buNone/>
+              <a:tabLst/>
+              <a:defRPr/>
+            </a:pPr>
+            <a:r>
+              <a:rPr kumimoji="0" lang="en-US" altLang="ko-KR" sz="2400" b="1" i="0" u="none" strike="noStrike" kern="1200" cap="none" spc="-150" normalizeH="0" baseline="0" noProof="0" dirty="0">
+                <a:ln>
+                  <a:noFill/>
+                </a:ln>
+                <a:solidFill>
+                  <a:srgbClr val="706868"/>
+                </a:solidFill>
+                <a:effectLst/>
+                <a:uLnTx/>
+                <a:uFillTx/>
+                <a:latin typeface="나눔고딕 ExtraBold" pitchFamily="50" charset="-127"/>
+                <a:ea typeface="나눔고딕 ExtraBold" pitchFamily="50" charset="-127"/>
+                <a:cs typeface="+mj-cs"/>
+              </a:rPr>
+              <a:t>03. </a:t>
+            </a:r>
+            <a:r>
+              <a:rPr lang="en-US" altLang="ko-KR" sz="2400" b="1" spc="-150" dirty="0">
+                <a:solidFill>
+                  <a:srgbClr val="706868"/>
+                </a:solidFill>
+                <a:latin typeface="나눔고딕 ExtraBold" pitchFamily="50" charset="-127"/>
+                <a:ea typeface="나눔고딕 ExtraBold" pitchFamily="50" charset="-127"/>
+                <a:cs typeface="+mj-cs"/>
+              </a:rPr>
+              <a:t>programing</a:t>
+            </a:r>
+            <a:r>
+              <a:rPr kumimoji="0" lang="en-US" altLang="ko-KR" sz="2400" b="1" i="0" u="none" strike="noStrike" kern="1200" cap="none" spc="-150" normalizeH="0" baseline="0" noProof="0" dirty="0">
+                <a:ln>
+                  <a:noFill/>
+                </a:ln>
+                <a:solidFill>
+                  <a:srgbClr val="706868"/>
+                </a:solidFill>
+                <a:effectLst/>
+                <a:uLnTx/>
+                <a:uFillTx/>
+                <a:latin typeface="나눔고딕 ExtraBold" pitchFamily="50" charset="-127"/>
+                <a:ea typeface="나눔고딕 ExtraBold" pitchFamily="50" charset="-127"/>
+                <a:cs typeface="+mj-cs"/>
+              </a:rPr>
+              <a:t> </a:t>
+            </a:r>
+          </a:p>
+          <a:p>
+            <a:pPr marL="0" marR="0" lvl="0" indent="0" algn="r" defTabSz="914400" rtl="0" eaLnBrk="1" fontAlgn="auto" latinLnBrk="1" hangingPunct="1">
+              <a:lnSpc>
+                <a:spcPts val="5600"/>
+              </a:lnSpc>
+              <a:spcBef>
+                <a:spcPct val="0"/>
+              </a:spcBef>
+              <a:spcAft>
+                <a:spcPts val="0"/>
+              </a:spcAft>
+              <a:buClrTx/>
+              <a:buSzTx/>
+              <a:buFontTx/>
+              <a:buNone/>
+              <a:tabLst/>
+              <a:defRPr/>
+            </a:pPr>
+            <a:endParaRPr kumimoji="0" lang="ko-KR" altLang="en-US" sz="2400" b="0" i="0" u="none" strike="noStrike" kern="1200" cap="none" spc="0" normalizeH="0" baseline="0" noProof="0" dirty="0">
+              <a:ln>
+                <a:noFill/>
+              </a:ln>
+              <a:solidFill>
+                <a:srgbClr val="706868"/>
+              </a:solidFill>
+              <a:effectLst/>
+              <a:uLnTx/>
+              <a:uFillTx/>
+              <a:latin typeface="나눔고딕 ExtraBold" pitchFamily="50" charset="-127"/>
+              <a:ea typeface="나눔고딕 ExtraBold" pitchFamily="50" charset="-127"/>
+              <a:cs typeface="+mj-cs"/>
+            </a:endParaRPr>
+          </a:p>
+        </p:txBody>
+      </p:sp>
+      <p:sp>
+        <p:nvSpPr>
+          <p:cNvPr id="10" name="TextBox 9">
+            <a:extLst>
+              <a:ext uri="{FF2B5EF4-FFF2-40B4-BE49-F238E27FC236}">
+                <a16:creationId xmlns:a16="http://schemas.microsoft.com/office/drawing/2014/main" id="{549AD279-1A70-8E48-8ACA-8C1359690FD9}"/>
+              </a:ext>
+            </a:extLst>
+          </p:cNvPr>
+          <p:cNvSpPr txBox="1"/>
+          <p:nvPr/>
+        </p:nvSpPr>
+        <p:spPr>
+          <a:xfrm>
+            <a:off x="395536" y="1454074"/>
+            <a:ext cx="3312368" cy="6281720"/>
+          </a:xfrm>
+          <a:prstGeom prst="rect">
+            <a:avLst/>
+          </a:prstGeom>
+          <a:noFill/>
+        </p:spPr>
+        <p:txBody>
+          <a:bodyPr wrap="square" rtlCol="0">
+            <a:spAutoFit/>
+          </a:bodyPr>
+          <a:lstStyle/>
+          <a:p>
+            <a:pPr>
+              <a:lnSpc>
+                <a:spcPct val="150000"/>
+              </a:lnSpc>
+            </a:pPr>
+            <a:r>
+              <a:rPr lang="en-US" altLang="ko-KR" sz="2000" b="1" spc="-20" dirty="0" err="1">
+                <a:solidFill>
+                  <a:schemeClr val="accent6">
+                    <a:lumMod val="75000"/>
+                  </a:schemeClr>
+                </a:solidFill>
+                <a:latin typeface="나눔고딕" pitchFamily="50" charset="-127"/>
+                <a:ea typeface="나눔고딕" pitchFamily="50" charset="-127"/>
+              </a:rPr>
+              <a:t>Save_Time</a:t>
+            </a:r>
+            <a:r>
+              <a:rPr lang="en-US" altLang="ko-KR" sz="2000" b="1" spc="-20" dirty="0">
+                <a:solidFill>
+                  <a:schemeClr val="accent6">
+                    <a:lumMod val="75000"/>
+                  </a:schemeClr>
+                </a:solidFill>
+                <a:latin typeface="나눔고딕" pitchFamily="50" charset="-127"/>
+                <a:ea typeface="나눔고딕" pitchFamily="50" charset="-127"/>
+              </a:rPr>
+              <a:t>()</a:t>
+            </a:r>
+          </a:p>
+          <a:p>
+            <a:pPr>
+              <a:lnSpc>
+                <a:spcPct val="150000"/>
+              </a:lnSpc>
+            </a:pPr>
+            <a:r>
+              <a:rPr lang="ko-KR" altLang="en-US" sz="1400" b="1" spc="-20" dirty="0">
+                <a:solidFill>
+                  <a:schemeClr val="accent6">
+                    <a:lumMod val="75000"/>
+                  </a:schemeClr>
+                </a:solidFill>
+                <a:latin typeface="나눔고딕" pitchFamily="50" charset="-127"/>
+                <a:ea typeface="나눔고딕" pitchFamily="50" charset="-127"/>
+              </a:rPr>
+              <a:t>시간</a:t>
+            </a:r>
+            <a:r>
+              <a:rPr lang="en-US" altLang="ko-KR" sz="1400" b="1" spc="-20" dirty="0">
+                <a:solidFill>
+                  <a:schemeClr val="accent6">
+                    <a:lumMod val="75000"/>
+                  </a:schemeClr>
+                </a:solidFill>
+                <a:latin typeface="나눔고딕" pitchFamily="50" charset="-127"/>
+                <a:ea typeface="나눔고딕" pitchFamily="50" charset="-127"/>
+              </a:rPr>
+              <a:t>:</a:t>
+            </a:r>
+            <a:r>
+              <a:rPr lang="ko-KR" altLang="en-US" sz="1400" b="1" spc="-20" dirty="0">
+                <a:solidFill>
+                  <a:schemeClr val="accent6">
+                    <a:lumMod val="75000"/>
+                  </a:schemeClr>
+                </a:solidFill>
+                <a:latin typeface="나눔고딕" pitchFamily="50" charset="-127"/>
+                <a:ea typeface="나눔고딕" pitchFamily="50" charset="-127"/>
+              </a:rPr>
+              <a:t>분으로 입력된 데이터를 분으로 전환</a:t>
+            </a:r>
+            <a:endParaRPr lang="en-US" altLang="ko-KR" sz="1400" b="1" spc="-20" dirty="0">
+              <a:solidFill>
+                <a:schemeClr val="accent6">
+                  <a:lumMod val="75000"/>
+                </a:schemeClr>
+              </a:solidFill>
+              <a:latin typeface="나눔고딕" pitchFamily="50" charset="-127"/>
+              <a:ea typeface="나눔고딕" pitchFamily="50" charset="-127"/>
+            </a:endParaRPr>
+          </a:p>
+          <a:p>
+            <a:pPr>
+              <a:lnSpc>
+                <a:spcPct val="150000"/>
+              </a:lnSpc>
+            </a:pPr>
+            <a:endParaRPr lang="en-US" altLang="ko-KR" sz="1400" b="1" spc="-20" dirty="0">
+              <a:solidFill>
+                <a:schemeClr val="accent6">
+                  <a:lumMod val="75000"/>
+                </a:schemeClr>
+              </a:solidFill>
+              <a:latin typeface="나눔고딕" pitchFamily="50" charset="-127"/>
+              <a:ea typeface="나눔고딕" pitchFamily="50" charset="-127"/>
+            </a:endParaRPr>
+          </a:p>
+          <a:p>
+            <a:pPr>
+              <a:lnSpc>
+                <a:spcPct val="150000"/>
+              </a:lnSpc>
+            </a:pPr>
+            <a:r>
+              <a:rPr lang="en-US" altLang="ko-KR" sz="2000" b="1" spc="-20" dirty="0" err="1">
+                <a:solidFill>
+                  <a:schemeClr val="accent6">
+                    <a:lumMod val="75000"/>
+                  </a:schemeClr>
+                </a:solidFill>
+                <a:latin typeface="나눔고딕" pitchFamily="50" charset="-127"/>
+                <a:ea typeface="나눔고딕" pitchFamily="50" charset="-127"/>
+              </a:rPr>
+              <a:t>Show_Time</a:t>
+            </a:r>
+            <a:r>
+              <a:rPr lang="en-US" altLang="ko-KR" sz="2000" b="1" spc="-20" dirty="0">
+                <a:solidFill>
+                  <a:schemeClr val="accent6">
+                    <a:lumMod val="75000"/>
+                  </a:schemeClr>
+                </a:solidFill>
+                <a:latin typeface="나눔고딕" pitchFamily="50" charset="-127"/>
+                <a:ea typeface="나눔고딕" pitchFamily="50" charset="-127"/>
+              </a:rPr>
+              <a:t>()</a:t>
+            </a:r>
+          </a:p>
+          <a:p>
+            <a:pPr>
+              <a:lnSpc>
+                <a:spcPct val="150000"/>
+              </a:lnSpc>
+            </a:pPr>
+            <a:r>
+              <a:rPr lang="ko-KR" altLang="en-US" sz="1400" b="1" spc="-20" dirty="0">
+                <a:solidFill>
+                  <a:schemeClr val="accent6">
+                    <a:lumMod val="75000"/>
+                  </a:schemeClr>
+                </a:solidFill>
+                <a:latin typeface="나눔고딕" pitchFamily="50" charset="-127"/>
+                <a:ea typeface="나눔고딕" pitchFamily="50" charset="-127"/>
+              </a:rPr>
+              <a:t>분으로 저장된 데이터를 시간</a:t>
+            </a:r>
+            <a:r>
+              <a:rPr lang="en-US" altLang="ko-KR" sz="1400" b="1" spc="-20" dirty="0">
+                <a:solidFill>
+                  <a:schemeClr val="accent6">
+                    <a:lumMod val="75000"/>
+                  </a:schemeClr>
+                </a:solidFill>
+                <a:latin typeface="나눔고딕" pitchFamily="50" charset="-127"/>
+                <a:ea typeface="나눔고딕" pitchFamily="50" charset="-127"/>
+              </a:rPr>
+              <a:t>:</a:t>
+            </a:r>
+            <a:r>
+              <a:rPr lang="ko-KR" altLang="en-US" sz="1400" b="1" spc="-20" dirty="0">
+                <a:solidFill>
+                  <a:schemeClr val="accent6">
+                    <a:lumMod val="75000"/>
+                  </a:schemeClr>
+                </a:solidFill>
+                <a:latin typeface="나눔고딕" pitchFamily="50" charset="-127"/>
+                <a:ea typeface="나눔고딕" pitchFamily="50" charset="-127"/>
+              </a:rPr>
+              <a:t>분으로 출력</a:t>
+            </a:r>
+            <a:endParaRPr lang="en-US" altLang="ko-KR" sz="1400" b="1" spc="-20" dirty="0">
+              <a:solidFill>
+                <a:schemeClr val="accent6">
+                  <a:lumMod val="75000"/>
+                </a:schemeClr>
+              </a:solidFill>
+              <a:latin typeface="나눔고딕" pitchFamily="50" charset="-127"/>
+              <a:ea typeface="나눔고딕" pitchFamily="50" charset="-127"/>
+            </a:endParaRPr>
+          </a:p>
+          <a:p>
+            <a:pPr>
+              <a:lnSpc>
+                <a:spcPct val="150000"/>
+              </a:lnSpc>
+            </a:pPr>
+            <a:endParaRPr lang="en-US" altLang="ko-KR" sz="1400" b="1" spc="-20" dirty="0">
+              <a:solidFill>
+                <a:schemeClr val="accent6">
+                  <a:lumMod val="75000"/>
+                </a:schemeClr>
+              </a:solidFill>
+              <a:latin typeface="나눔고딕" pitchFamily="50" charset="-127"/>
+              <a:ea typeface="나눔고딕" pitchFamily="50" charset="-127"/>
+            </a:endParaRPr>
+          </a:p>
+          <a:p>
+            <a:pPr>
+              <a:lnSpc>
+                <a:spcPct val="150000"/>
+              </a:lnSpc>
+            </a:pPr>
+            <a:r>
+              <a:rPr lang="en-US" altLang="ko-KR" sz="2000" b="1" spc="-20" dirty="0" err="1">
+                <a:solidFill>
+                  <a:schemeClr val="accent6">
+                    <a:lumMod val="75000"/>
+                  </a:schemeClr>
+                </a:solidFill>
+                <a:latin typeface="나눔고딕" pitchFamily="50" charset="-127"/>
+                <a:ea typeface="나눔고딕" pitchFamily="50" charset="-127"/>
+              </a:rPr>
+              <a:t>Dayofweek</a:t>
+            </a:r>
+            <a:r>
+              <a:rPr lang="en-US" altLang="ko-KR" sz="2000" b="1" spc="-20" dirty="0">
+                <a:solidFill>
+                  <a:schemeClr val="accent6">
+                    <a:lumMod val="75000"/>
+                  </a:schemeClr>
+                </a:solidFill>
+                <a:latin typeface="나눔고딕" pitchFamily="50" charset="-127"/>
+                <a:ea typeface="나눔고딕" pitchFamily="50" charset="-127"/>
+              </a:rPr>
+              <a:t>(</a:t>
+            </a:r>
+            <a:r>
+              <a:rPr lang="en-US" altLang="ko-KR" sz="2000" b="1" spc="-20" dirty="0" err="1">
+                <a:solidFill>
+                  <a:schemeClr val="accent6">
+                    <a:lumMod val="75000"/>
+                  </a:schemeClr>
+                </a:solidFill>
+                <a:latin typeface="나눔고딕" pitchFamily="50" charset="-127"/>
+                <a:ea typeface="나눔고딕" pitchFamily="50" charset="-127"/>
+              </a:rPr>
+              <a:t>int</a:t>
+            </a:r>
+            <a:r>
+              <a:rPr lang="en-US" altLang="ko-KR" sz="2000" b="1" spc="-20" dirty="0">
+                <a:solidFill>
+                  <a:schemeClr val="accent6">
+                    <a:lumMod val="75000"/>
+                  </a:schemeClr>
+                </a:solidFill>
+                <a:latin typeface="나눔고딕" pitchFamily="50" charset="-127"/>
+                <a:ea typeface="나눔고딕" pitchFamily="50" charset="-127"/>
+              </a:rPr>
+              <a:t>)</a:t>
+            </a:r>
+          </a:p>
+          <a:p>
+            <a:pPr>
+              <a:lnSpc>
+                <a:spcPct val="150000"/>
+              </a:lnSpc>
+            </a:pPr>
+            <a:r>
+              <a:rPr lang="ko-KR" altLang="en-US" sz="1400" b="1" spc="-20" dirty="0">
+                <a:solidFill>
+                  <a:schemeClr val="accent6">
+                    <a:lumMod val="75000"/>
+                  </a:schemeClr>
+                </a:solidFill>
+                <a:latin typeface="나눔고딕" pitchFamily="50" charset="-127"/>
+                <a:ea typeface="나눔고딕" pitchFamily="50" charset="-127"/>
+              </a:rPr>
+              <a:t>연</a:t>
+            </a:r>
+            <a:r>
+              <a:rPr lang="en-US" altLang="ko-KR" sz="1400" b="1" spc="-20" dirty="0">
+                <a:solidFill>
+                  <a:schemeClr val="accent6">
+                    <a:lumMod val="75000"/>
+                  </a:schemeClr>
+                </a:solidFill>
+                <a:latin typeface="나눔고딕" pitchFamily="50" charset="-127"/>
+                <a:ea typeface="나눔고딕" pitchFamily="50" charset="-127"/>
+              </a:rPr>
+              <a:t>/</a:t>
+            </a:r>
+            <a:r>
+              <a:rPr lang="ko-KR" altLang="en-US" sz="1400" b="1" spc="-20" dirty="0">
+                <a:solidFill>
+                  <a:schemeClr val="accent6">
+                    <a:lumMod val="75000"/>
+                  </a:schemeClr>
+                </a:solidFill>
+                <a:latin typeface="나눔고딕" pitchFamily="50" charset="-127"/>
+                <a:ea typeface="나눔고딕" pitchFamily="50" charset="-127"/>
+              </a:rPr>
+              <a:t>월</a:t>
+            </a:r>
+            <a:r>
+              <a:rPr lang="en-US" altLang="ko-KR" sz="1400" b="1" spc="-20" dirty="0">
+                <a:solidFill>
+                  <a:schemeClr val="accent6">
+                    <a:lumMod val="75000"/>
+                  </a:schemeClr>
+                </a:solidFill>
+                <a:latin typeface="나눔고딕" pitchFamily="50" charset="-127"/>
+                <a:ea typeface="나눔고딕" pitchFamily="50" charset="-127"/>
+              </a:rPr>
+              <a:t>/</a:t>
+            </a:r>
+            <a:r>
+              <a:rPr lang="ko-KR" altLang="en-US" sz="1400" b="1" spc="-20" dirty="0">
+                <a:solidFill>
+                  <a:schemeClr val="accent6">
+                    <a:lumMod val="75000"/>
+                  </a:schemeClr>
+                </a:solidFill>
+                <a:latin typeface="나눔고딕" pitchFamily="50" charset="-127"/>
+                <a:ea typeface="나눔고딕" pitchFamily="50" charset="-127"/>
+              </a:rPr>
+              <a:t>일로 입력된 날짜 정보를</a:t>
+            </a:r>
+            <a:endParaRPr lang="en-US" altLang="ko-KR" sz="1400" b="1" spc="-20" dirty="0">
+              <a:solidFill>
+                <a:schemeClr val="accent6">
+                  <a:lumMod val="75000"/>
+                </a:schemeClr>
+              </a:solidFill>
+              <a:latin typeface="나눔고딕" pitchFamily="50" charset="-127"/>
+              <a:ea typeface="나눔고딕" pitchFamily="50" charset="-127"/>
+            </a:endParaRPr>
+          </a:p>
+          <a:p>
+            <a:pPr>
+              <a:lnSpc>
+                <a:spcPct val="150000"/>
+              </a:lnSpc>
+            </a:pPr>
+            <a:r>
+              <a:rPr lang="ko-KR" altLang="en-US" sz="1400" b="1" spc="-20" dirty="0" err="1">
+                <a:solidFill>
+                  <a:schemeClr val="accent6">
+                    <a:lumMod val="75000"/>
+                  </a:schemeClr>
+                </a:solidFill>
+                <a:latin typeface="나눔고딕" pitchFamily="50" charset="-127"/>
+                <a:ea typeface="나눔고딕" pitchFamily="50" charset="-127"/>
+              </a:rPr>
+              <a:t>요일정보</a:t>
+            </a:r>
+            <a:r>
+              <a:rPr lang="en-US" altLang="ko-KR" sz="1400" b="1" spc="-20" dirty="0">
+                <a:solidFill>
+                  <a:schemeClr val="accent6">
+                    <a:lumMod val="75000"/>
+                  </a:schemeClr>
+                </a:solidFill>
+                <a:latin typeface="나눔고딕" pitchFamily="50" charset="-127"/>
+                <a:ea typeface="나눔고딕" pitchFamily="50" charset="-127"/>
+              </a:rPr>
+              <a:t>[0~6]</a:t>
+            </a:r>
+            <a:r>
+              <a:rPr lang="ko-KR" altLang="en-US" sz="1400" b="1" spc="-20" dirty="0" err="1">
+                <a:solidFill>
+                  <a:schemeClr val="accent6">
+                    <a:lumMod val="75000"/>
+                  </a:schemeClr>
+                </a:solidFill>
+                <a:latin typeface="나눔고딕" pitchFamily="50" charset="-127"/>
+                <a:ea typeface="나눔고딕" pitchFamily="50" charset="-127"/>
+              </a:rPr>
+              <a:t>으로</a:t>
+            </a:r>
+            <a:r>
+              <a:rPr lang="ko-KR" altLang="en-US" sz="1400" b="1" spc="-20" dirty="0">
+                <a:solidFill>
+                  <a:schemeClr val="accent6">
+                    <a:lumMod val="75000"/>
+                  </a:schemeClr>
+                </a:solidFill>
+                <a:latin typeface="나눔고딕" pitchFamily="50" charset="-127"/>
+                <a:ea typeface="나눔고딕" pitchFamily="50" charset="-127"/>
+              </a:rPr>
+              <a:t> 저장</a:t>
+            </a:r>
+            <a:endParaRPr lang="en-US" altLang="ko-KR" sz="1400" b="1" spc="-20" dirty="0">
+              <a:solidFill>
+                <a:schemeClr val="accent6">
+                  <a:lumMod val="75000"/>
+                </a:schemeClr>
+              </a:solidFill>
+              <a:latin typeface="나눔고딕" pitchFamily="50" charset="-127"/>
+              <a:ea typeface="나눔고딕" pitchFamily="50" charset="-127"/>
+            </a:endParaRPr>
+          </a:p>
+          <a:p>
+            <a:pPr>
+              <a:lnSpc>
+                <a:spcPct val="150000"/>
+              </a:lnSpc>
+            </a:pPr>
+            <a:endParaRPr lang="en-US" altLang="ko-KR" sz="1400" b="1" spc="-20" dirty="0">
+              <a:solidFill>
+                <a:schemeClr val="accent6">
+                  <a:lumMod val="75000"/>
+                </a:schemeClr>
+              </a:solidFill>
+              <a:latin typeface="나눔고딕" pitchFamily="50" charset="-127"/>
+              <a:ea typeface="나눔고딕" pitchFamily="50" charset="-127"/>
+            </a:endParaRPr>
+          </a:p>
+          <a:p>
+            <a:pPr>
+              <a:lnSpc>
+                <a:spcPct val="150000"/>
+              </a:lnSpc>
+            </a:pPr>
+            <a:r>
+              <a:rPr lang="en-US" altLang="ko-KR" sz="2000" b="1" spc="-20" dirty="0" err="1">
+                <a:solidFill>
+                  <a:schemeClr val="accent6">
+                    <a:lumMod val="75000"/>
+                  </a:schemeClr>
+                </a:solidFill>
+                <a:latin typeface="나눔고딕" pitchFamily="50" charset="-127"/>
+                <a:ea typeface="나눔고딕" pitchFamily="50" charset="-127"/>
+              </a:rPr>
+              <a:t>Show_Date</a:t>
+            </a:r>
+            <a:r>
+              <a:rPr lang="en-US" altLang="ko-KR" sz="2000" b="1" spc="-20" dirty="0">
+                <a:solidFill>
+                  <a:schemeClr val="accent6">
+                    <a:lumMod val="75000"/>
+                  </a:schemeClr>
+                </a:solidFill>
+                <a:latin typeface="나눔고딕" pitchFamily="50" charset="-127"/>
+                <a:ea typeface="나눔고딕" pitchFamily="50" charset="-127"/>
+              </a:rPr>
+              <a:t>()</a:t>
+            </a:r>
+          </a:p>
+          <a:p>
+            <a:pPr>
+              <a:lnSpc>
+                <a:spcPct val="150000"/>
+              </a:lnSpc>
+            </a:pPr>
+            <a:r>
+              <a:rPr lang="en-US" altLang="ko-KR" sz="1400" b="1" spc="-20" dirty="0">
+                <a:solidFill>
+                  <a:schemeClr val="accent6">
+                    <a:lumMod val="75000"/>
+                  </a:schemeClr>
+                </a:solidFill>
+                <a:latin typeface="나눔고딕" pitchFamily="50" charset="-127"/>
+                <a:ea typeface="나눔고딕" pitchFamily="50" charset="-127"/>
+              </a:rPr>
+              <a:t>[0~6]</a:t>
+            </a:r>
+            <a:r>
+              <a:rPr lang="ko-KR" altLang="en-US" sz="1400" b="1" spc="-20" dirty="0" err="1">
+                <a:solidFill>
+                  <a:schemeClr val="accent6">
+                    <a:lumMod val="75000"/>
+                  </a:schemeClr>
+                </a:solidFill>
+                <a:latin typeface="나눔고딕" pitchFamily="50" charset="-127"/>
+                <a:ea typeface="나눔고딕" pitchFamily="50" charset="-127"/>
+              </a:rPr>
+              <a:t>으로</a:t>
+            </a:r>
+            <a:r>
+              <a:rPr lang="ko-KR" altLang="en-US" sz="1400" b="1" spc="-20" dirty="0">
+                <a:solidFill>
+                  <a:schemeClr val="accent6">
+                    <a:lumMod val="75000"/>
+                  </a:schemeClr>
+                </a:solidFill>
+                <a:latin typeface="나눔고딕" pitchFamily="50" charset="-127"/>
+                <a:ea typeface="나눔고딕" pitchFamily="50" charset="-127"/>
+              </a:rPr>
+              <a:t> 저장된 요일 정보를</a:t>
+            </a:r>
+            <a:endParaRPr lang="en-US" altLang="ko-KR" sz="1400" b="1" spc="-20" dirty="0">
+              <a:solidFill>
+                <a:schemeClr val="accent6">
+                  <a:lumMod val="75000"/>
+                </a:schemeClr>
+              </a:solidFill>
+              <a:latin typeface="나눔고딕" pitchFamily="50" charset="-127"/>
+              <a:ea typeface="나눔고딕" pitchFamily="50" charset="-127"/>
+            </a:endParaRPr>
+          </a:p>
+          <a:p>
+            <a:pPr>
+              <a:lnSpc>
+                <a:spcPct val="150000"/>
+              </a:lnSpc>
+            </a:pPr>
+            <a:r>
+              <a:rPr lang="ko-KR" altLang="en-US" sz="1400" b="1" spc="-20" dirty="0">
+                <a:solidFill>
+                  <a:schemeClr val="accent6">
+                    <a:lumMod val="75000"/>
+                  </a:schemeClr>
+                </a:solidFill>
+                <a:latin typeface="나눔고딕" pitchFamily="50" charset="-127"/>
+                <a:ea typeface="나눔고딕" pitchFamily="50" charset="-127"/>
+              </a:rPr>
+              <a:t>월</a:t>
+            </a:r>
+            <a:r>
+              <a:rPr lang="en-US" altLang="ko-KR" sz="1400" b="1" spc="-20" dirty="0">
+                <a:solidFill>
+                  <a:schemeClr val="accent6">
+                    <a:lumMod val="75000"/>
+                  </a:schemeClr>
+                </a:solidFill>
+                <a:latin typeface="나눔고딕" pitchFamily="50" charset="-127"/>
+                <a:ea typeface="나눔고딕" pitchFamily="50" charset="-127"/>
+              </a:rPr>
+              <a:t>,</a:t>
+            </a:r>
+            <a:r>
+              <a:rPr lang="ko-KR" altLang="en-US" sz="1400" b="1" spc="-20" dirty="0">
+                <a:solidFill>
+                  <a:schemeClr val="accent6">
+                    <a:lumMod val="75000"/>
+                  </a:schemeClr>
+                </a:solidFill>
+                <a:latin typeface="나눔고딕" pitchFamily="50" charset="-127"/>
+                <a:ea typeface="나눔고딕" pitchFamily="50" charset="-127"/>
+              </a:rPr>
+              <a:t>화</a:t>
+            </a:r>
+            <a:r>
+              <a:rPr lang="en-US" altLang="ko-KR" sz="1400" b="1" spc="-20" dirty="0">
+                <a:solidFill>
+                  <a:schemeClr val="accent6">
+                    <a:lumMod val="75000"/>
+                  </a:schemeClr>
+                </a:solidFill>
+                <a:latin typeface="나눔고딕" pitchFamily="50" charset="-127"/>
+                <a:ea typeface="나눔고딕" pitchFamily="50" charset="-127"/>
+              </a:rPr>
+              <a:t>~</a:t>
+            </a:r>
+            <a:r>
+              <a:rPr lang="ko-KR" altLang="en-US" sz="1400" b="1" spc="-20" dirty="0">
+                <a:solidFill>
+                  <a:schemeClr val="accent6">
+                    <a:lumMod val="75000"/>
+                  </a:schemeClr>
+                </a:solidFill>
+                <a:latin typeface="나눔고딕" pitchFamily="50" charset="-127"/>
+                <a:ea typeface="나눔고딕" pitchFamily="50" charset="-127"/>
+              </a:rPr>
+              <a:t>토</a:t>
+            </a:r>
+            <a:r>
+              <a:rPr lang="en-US" altLang="ko-KR" sz="1400" b="1" spc="-20" dirty="0">
+                <a:solidFill>
+                  <a:schemeClr val="accent6">
+                    <a:lumMod val="75000"/>
+                  </a:schemeClr>
+                </a:solidFill>
+                <a:latin typeface="나눔고딕" pitchFamily="50" charset="-127"/>
+                <a:ea typeface="나눔고딕" pitchFamily="50" charset="-127"/>
+              </a:rPr>
+              <a:t>,</a:t>
+            </a:r>
+            <a:r>
+              <a:rPr lang="ko-KR" altLang="en-US" sz="1400" b="1" spc="-20" dirty="0">
+                <a:solidFill>
+                  <a:schemeClr val="accent6">
+                    <a:lumMod val="75000"/>
+                  </a:schemeClr>
+                </a:solidFill>
+                <a:latin typeface="나눔고딕" pitchFamily="50" charset="-127"/>
+                <a:ea typeface="나눔고딕" pitchFamily="50" charset="-127"/>
+              </a:rPr>
+              <a:t>일 로 출력</a:t>
+            </a:r>
+            <a:endParaRPr lang="en-US" altLang="ko-KR" sz="1400" b="1" spc="-20" dirty="0">
+              <a:solidFill>
+                <a:schemeClr val="accent6">
+                  <a:lumMod val="75000"/>
+                </a:schemeClr>
+              </a:solidFill>
+              <a:latin typeface="나눔고딕" pitchFamily="50" charset="-127"/>
+              <a:ea typeface="나눔고딕" pitchFamily="50" charset="-127"/>
+            </a:endParaRPr>
+          </a:p>
+          <a:p>
+            <a:pPr>
+              <a:lnSpc>
+                <a:spcPct val="150000"/>
+              </a:lnSpc>
+            </a:pPr>
+            <a:endParaRPr lang="en-US" altLang="ko-KR" sz="1600" b="1" spc="-20" dirty="0">
+              <a:solidFill>
+                <a:schemeClr val="accent6">
+                  <a:lumMod val="75000"/>
+                </a:schemeClr>
+              </a:solidFill>
+              <a:latin typeface="나눔고딕" pitchFamily="50" charset="-127"/>
+              <a:ea typeface="나눔고딕" pitchFamily="50" charset="-127"/>
+            </a:endParaRPr>
+          </a:p>
+          <a:p>
+            <a:pPr>
+              <a:lnSpc>
+                <a:spcPct val="150000"/>
+              </a:lnSpc>
+            </a:pPr>
+            <a:endParaRPr lang="en-US" altLang="ko-KR" sz="1600" b="1" spc="-20" dirty="0">
+              <a:solidFill>
+                <a:schemeClr val="accent6">
+                  <a:lumMod val="75000"/>
+                </a:schemeClr>
+              </a:solidFill>
+              <a:latin typeface="나눔고딕" pitchFamily="50" charset="-127"/>
+              <a:ea typeface="나눔고딕" pitchFamily="50" charset="-127"/>
+            </a:endParaRPr>
+          </a:p>
+          <a:p>
+            <a:pPr>
+              <a:lnSpc>
+                <a:spcPct val="150000"/>
+              </a:lnSpc>
+            </a:pPr>
+            <a:r>
+              <a:rPr lang="ko-KR" altLang="en-US" sz="1600" b="1" spc="-20" dirty="0">
+                <a:solidFill>
+                  <a:schemeClr val="accent6">
+                    <a:lumMod val="75000"/>
+                  </a:schemeClr>
+                </a:solidFill>
+                <a:latin typeface="나눔고딕" pitchFamily="50" charset="-127"/>
+                <a:ea typeface="나눔고딕" pitchFamily="50" charset="-127"/>
+              </a:rPr>
+              <a:t> </a:t>
+            </a:r>
+            <a:endParaRPr lang="en-US" altLang="ko-KR" sz="1600" b="1" spc="-20" dirty="0">
+              <a:solidFill>
+                <a:schemeClr val="accent6">
+                  <a:lumMod val="75000"/>
+                </a:schemeClr>
+              </a:solidFill>
+              <a:latin typeface="나눔고딕" pitchFamily="50" charset="-127"/>
+              <a:ea typeface="나눔고딕" pitchFamily="50" charset="-127"/>
+            </a:endParaRPr>
+          </a:p>
+          <a:p>
+            <a:pPr>
+              <a:lnSpc>
+                <a:spcPct val="150000"/>
+              </a:lnSpc>
+            </a:pPr>
+            <a:endParaRPr lang="en-US" altLang="ko-KR" sz="1600" b="1" spc="-20" dirty="0">
+              <a:solidFill>
+                <a:schemeClr val="accent6">
+                  <a:lumMod val="75000"/>
+                </a:schemeClr>
+              </a:solidFill>
+              <a:latin typeface="나눔고딕" pitchFamily="50" charset="-127"/>
+              <a:ea typeface="나눔고딕" pitchFamily="50" charset="-127"/>
+            </a:endParaRPr>
+          </a:p>
+        </p:txBody>
+      </p:sp>
+      <p:pic>
+        <p:nvPicPr>
+          <p:cNvPr id="9" name="그림 8">
+            <a:extLst>
+              <a:ext uri="{FF2B5EF4-FFF2-40B4-BE49-F238E27FC236}">
+                <a16:creationId xmlns:a16="http://schemas.microsoft.com/office/drawing/2014/main" id="{4AA99276-E3AA-5C4F-A059-15F8FC837B66}"/>
+              </a:ext>
+            </a:extLst>
+          </p:cNvPr>
+          <p:cNvPicPr>
+            <a:picLocks noChangeAspect="1"/>
+          </p:cNvPicPr>
+          <p:nvPr/>
+        </p:nvPicPr>
+        <p:blipFill>
+          <a:blip r:embed="rId3">
+            <a:extLst>
+              <a:ext uri="{28A0092B-C50C-407E-A947-70E740481C1C}">
+                <a14:useLocalDpi xmlns:a14="http://schemas.microsoft.com/office/drawing/2010/main" val="0"/>
+              </a:ext>
+            </a:extLst>
+          </a:blip>
+          <a:stretch>
+            <a:fillRect/>
+          </a:stretch>
+        </p:blipFill>
+        <p:spPr>
+          <a:xfrm>
+            <a:off x="3865345" y="1443781"/>
+            <a:ext cx="4955127" cy="4996942"/>
+          </a:xfrm>
+          <a:prstGeom prst="rect">
+            <a:avLst/>
+          </a:prstGeom>
+        </p:spPr>
+      </p:pic>
+      <p:sp>
+        <p:nvSpPr>
+          <p:cNvPr id="13" name="직사각형 12">
+            <a:extLst>
+              <a:ext uri="{FF2B5EF4-FFF2-40B4-BE49-F238E27FC236}">
+                <a16:creationId xmlns:a16="http://schemas.microsoft.com/office/drawing/2014/main" id="{2439B018-C54C-B14E-B8A6-591E13EFF057}"/>
+              </a:ext>
+            </a:extLst>
+          </p:cNvPr>
+          <p:cNvSpPr/>
+          <p:nvPr/>
+        </p:nvSpPr>
+        <p:spPr>
+          <a:xfrm>
+            <a:off x="3868828" y="5166388"/>
+            <a:ext cx="4735620" cy="1286948"/>
+          </a:xfrm>
+          <a:prstGeom prst="rect">
+            <a:avLst/>
+          </a:prstGeom>
+          <a:noFill/>
+          <a:ln>
+            <a:solidFill>
+              <a:srgbClr val="FF0000"/>
+            </a:solidFill>
+          </a:ln>
+        </p:spPr>
+        <p:style>
+          <a:lnRef idx="2">
+            <a:schemeClr val="accent1">
+              <a:shade val="50000"/>
+            </a:schemeClr>
+          </a:lnRef>
+          <a:fillRef idx="1">
+            <a:schemeClr val="accent1"/>
+          </a:fillRef>
+          <a:effectRef idx="0">
+            <a:schemeClr val="accent1"/>
+          </a:effectRef>
+          <a:fontRef idx="minor">
+            <a:schemeClr val="lt1"/>
+          </a:fontRef>
+        </p:style>
+        <p:txBody>
+          <a:bodyPr rtlCol="0" anchor="ctr"/>
+          <a:lstStyle/>
+          <a:p>
+            <a:pPr algn="ctr"/>
+            <a:endParaRPr kumimoji="1" lang="ko-KR" altLang="en-US"/>
+          </a:p>
+        </p:txBody>
+      </p:sp>
+    </p:spTree>
+    <p:extLst>
+      <p:ext uri="{BB962C8B-B14F-4D97-AF65-F5344CB8AC3E}">
+        <p14:creationId xmlns:p14="http://schemas.microsoft.com/office/powerpoint/2010/main" val="3465864961"/>
+      </p:ext>
+    </p:extLst>
+  </p:cSld>
+  <p:clrMapOvr>
+    <a:masterClrMapping/>
+  </p:clrMapOvr>
+</p:sld>
+</file>
+
+<file path=ppt/slides/slide7.xml><?xml version="1.0" encoding="utf-8"?>
 <p:sld xmlns:a="http://schemas.openxmlformats.org/drawingml/2006/main" xmlns:r="http://schemas.openxmlformats.org/officeDocument/2006/relationships" xmlns:p="http://schemas.openxmlformats.org/presentationml/2006/main">
   <p:cSld>
     <p:spTree>
@@ -4242,7 +10362,7 @@
 </p:sld>
 </file>
 
-<file path=ppt/slides/slide3.xml><?xml version="1.0" encoding="utf-8"?>
+<file path=ppt/slides/slide8.xml><?xml version="1.0" encoding="utf-8"?>
 <p:sld xmlns:a="http://schemas.openxmlformats.org/drawingml/2006/main" xmlns:r="http://schemas.openxmlformats.org/officeDocument/2006/relationships" xmlns:p="http://schemas.openxmlformats.org/presentationml/2006/main">
   <p:cSld>
     <p:spTree>
@@ -6528,7 +12648,7 @@
 </p:sld>
 </file>
 
-<file path=ppt/slides/slide4.xml><?xml version="1.0" encoding="utf-8"?>
+<file path=ppt/slides/slide9.xml><?xml version="1.0" encoding="utf-8"?>
 <p:sld xmlns:a="http://schemas.openxmlformats.org/drawingml/2006/main" xmlns:r="http://schemas.openxmlformats.org/officeDocument/2006/relationships" xmlns:p="http://schemas.openxmlformats.org/presentationml/2006/main">
   <p:cSld>
     <p:spTree>
@@ -7349,1410 +13469,6 @@
     <p:extLst>
       <p:ext uri="{BB962C8B-B14F-4D97-AF65-F5344CB8AC3E}">
         <p14:creationId xmlns:p14="http://schemas.microsoft.com/office/powerpoint/2010/main" val="3755298565"/>
-      </p:ext>
-    </p:extLst>
-  </p:cSld>
-  <p:clrMapOvr>
-    <a:masterClrMapping/>
-  </p:clrMapOvr>
-</p:sld>
-</file>
-
-<file path=ppt/slides/slide5.xml><?xml version="1.0" encoding="utf-8"?>
-<p:sld xmlns:a="http://schemas.openxmlformats.org/drawingml/2006/main" xmlns:r="http://schemas.openxmlformats.org/officeDocument/2006/relationships" xmlns:p="http://schemas.openxmlformats.org/presentationml/2006/main">
-  <p:cSld>
-    <p:spTree>
-      <p:nvGrpSpPr>
-        <p:cNvPr id="1" name=""/>
-        <p:cNvGrpSpPr/>
-        <p:nvPr/>
-      </p:nvGrpSpPr>
-      <p:grpSpPr>
-        <a:xfrm>
-          <a:off x="0" y="0"/>
-          <a:ext cx="0" cy="0"/>
-          <a:chOff x="0" y="0"/>
-          <a:chExt cx="0" cy="0"/>
-        </a:xfrm>
-      </p:grpSpPr>
-      <p:sp>
-        <p:nvSpPr>
-          <p:cNvPr id="2" name="제목 1"/>
-          <p:cNvSpPr>
-            <a:spLocks noGrp="1"/>
-          </p:cNvSpPr>
-          <p:nvPr>
-            <p:ph type="ctrTitle"/>
-          </p:nvPr>
-        </p:nvSpPr>
-        <p:spPr>
-          <a:xfrm>
-            <a:off x="467544" y="404664"/>
-            <a:ext cx="6552728" cy="704078"/>
-          </a:xfrm>
-        </p:spPr>
-        <p:txBody>
-          <a:bodyPr>
-            <a:noAutofit/>
-          </a:bodyPr>
-          <a:lstStyle/>
-          <a:p>
-            <a:pPr algn="l"/>
-            <a:r>
-              <a:rPr lang="en-US" altLang="ko-KR" sz="3200" spc="-100" dirty="0" err="1">
-                <a:latin typeface="나눔고딕 ExtraBold" pitchFamily="50" charset="-127"/>
-                <a:ea typeface="나눔고딕 ExtraBold" pitchFamily="50" charset="-127"/>
-              </a:rPr>
-              <a:t>Play_Program_Result</a:t>
-            </a:r>
-            <a:endParaRPr lang="en-US" altLang="ko-KR" sz="3000" b="1" spc="-100" dirty="0">
-              <a:solidFill>
-                <a:schemeClr val="accent6">
-                  <a:lumMod val="75000"/>
-                </a:schemeClr>
-              </a:solidFill>
-              <a:latin typeface="나눔고딕 ExtraBold" pitchFamily="50" charset="-127"/>
-              <a:ea typeface="나눔고딕 ExtraBold" pitchFamily="50" charset="-127"/>
-            </a:endParaRPr>
-          </a:p>
-        </p:txBody>
-      </p:sp>
-      <p:sp>
-        <p:nvSpPr>
-          <p:cNvPr id="8" name="직사각형 7"/>
-          <p:cNvSpPr/>
-          <p:nvPr/>
-        </p:nvSpPr>
-        <p:spPr>
-          <a:xfrm>
-            <a:off x="395536" y="404664"/>
-            <a:ext cx="8352928" cy="792088"/>
-          </a:xfrm>
-          <a:prstGeom prst="rect">
-            <a:avLst/>
-          </a:prstGeom>
-          <a:noFill/>
-          <a:ln w="88900">
-            <a:solidFill>
-              <a:schemeClr val="accent6">
-                <a:lumMod val="75000"/>
-              </a:schemeClr>
-            </a:solidFill>
-            <a:miter lim="800000"/>
-          </a:ln>
-        </p:spPr>
-        <p:style>
-          <a:lnRef idx="2">
-            <a:schemeClr val="accent1">
-              <a:shade val="50000"/>
-            </a:schemeClr>
-          </a:lnRef>
-          <a:fillRef idx="1">
-            <a:schemeClr val="accent1"/>
-          </a:fillRef>
-          <a:effectRef idx="0">
-            <a:schemeClr val="accent1"/>
-          </a:effectRef>
-          <a:fontRef idx="minor">
-            <a:schemeClr val="lt1"/>
-          </a:fontRef>
-        </p:style>
-        <p:txBody>
-          <a:bodyPr rtlCol="0" anchor="ctr"/>
-          <a:lstStyle/>
-          <a:p>
-            <a:pPr algn="ctr"/>
-            <a:endParaRPr lang="ko-KR" altLang="en-US" dirty="0">
-              <a:solidFill>
-                <a:schemeClr val="accent6">
-                  <a:lumMod val="75000"/>
-                </a:schemeClr>
-              </a:solidFill>
-              <a:latin typeface="나눔고딕" pitchFamily="50" charset="-127"/>
-              <a:ea typeface="나눔고딕" pitchFamily="50" charset="-127"/>
-            </a:endParaRPr>
-          </a:p>
-        </p:txBody>
-      </p:sp>
-      <p:sp>
-        <p:nvSpPr>
-          <p:cNvPr id="20" name="제목 1">
-            <a:extLst>
-              <a:ext uri="{FF2B5EF4-FFF2-40B4-BE49-F238E27FC236}">
-                <a16:creationId xmlns:a16="http://schemas.microsoft.com/office/drawing/2014/main" id="{55BFEB79-7FEA-4549-BA3A-7E6C629B3553}"/>
-              </a:ext>
-            </a:extLst>
-          </p:cNvPr>
-          <p:cNvSpPr txBox="1">
-            <a:spLocks/>
-          </p:cNvSpPr>
-          <p:nvPr/>
-        </p:nvSpPr>
-        <p:spPr>
-          <a:xfrm>
-            <a:off x="5508104" y="476673"/>
-            <a:ext cx="2941314" cy="1080120"/>
-          </a:xfrm>
-          <a:prstGeom prst="rect">
-            <a:avLst/>
-          </a:prstGeom>
-        </p:spPr>
-        <p:txBody>
-          <a:bodyPr vert="horz" lIns="91440" tIns="45720" rIns="91440" bIns="45720" rtlCol="0" anchor="t">
-            <a:noAutofit/>
-          </a:bodyPr>
-          <a:lstStyle/>
-          <a:p>
-            <a:pPr marL="0" marR="0" lvl="0" indent="0" algn="r" defTabSz="914400" rtl="0" eaLnBrk="1" fontAlgn="auto" latinLnBrk="1" hangingPunct="1">
-              <a:lnSpc>
-                <a:spcPts val="5600"/>
-              </a:lnSpc>
-              <a:spcBef>
-                <a:spcPct val="0"/>
-              </a:spcBef>
-              <a:spcAft>
-                <a:spcPts val="0"/>
-              </a:spcAft>
-              <a:buClrTx/>
-              <a:buSzTx/>
-              <a:buFontTx/>
-              <a:buNone/>
-              <a:tabLst/>
-              <a:defRPr/>
-            </a:pPr>
-            <a:r>
-              <a:rPr kumimoji="0" lang="en-US" altLang="ko-KR" sz="2400" b="1" i="0" u="none" strike="noStrike" kern="1200" cap="none" spc="-150" normalizeH="0" baseline="0" noProof="0" dirty="0">
-                <a:ln>
-                  <a:noFill/>
-                </a:ln>
-                <a:solidFill>
-                  <a:srgbClr val="706868"/>
-                </a:solidFill>
-                <a:effectLst/>
-                <a:uLnTx/>
-                <a:uFillTx/>
-                <a:latin typeface="나눔고딕 ExtraBold" pitchFamily="50" charset="-127"/>
-                <a:ea typeface="나눔고딕 ExtraBold" pitchFamily="50" charset="-127"/>
-                <a:cs typeface="+mj-cs"/>
-              </a:rPr>
-              <a:t>04. Test</a:t>
-            </a:r>
-          </a:p>
-          <a:p>
-            <a:pPr marL="0" marR="0" lvl="0" indent="0" algn="r" defTabSz="914400" rtl="0" eaLnBrk="1" fontAlgn="auto" latinLnBrk="1" hangingPunct="1">
-              <a:lnSpc>
-                <a:spcPts val="5600"/>
-              </a:lnSpc>
-              <a:spcBef>
-                <a:spcPct val="0"/>
-              </a:spcBef>
-              <a:spcAft>
-                <a:spcPts val="0"/>
-              </a:spcAft>
-              <a:buClrTx/>
-              <a:buSzTx/>
-              <a:buFontTx/>
-              <a:buNone/>
-              <a:tabLst/>
-              <a:defRPr/>
-            </a:pPr>
-            <a:endParaRPr kumimoji="0" lang="ko-KR" altLang="en-US" sz="2400" b="0" i="0" u="none" strike="noStrike" kern="1200" cap="none" spc="0" normalizeH="0" baseline="0" noProof="0" dirty="0">
-              <a:ln>
-                <a:noFill/>
-              </a:ln>
-              <a:solidFill>
-                <a:srgbClr val="706868"/>
-              </a:solidFill>
-              <a:effectLst/>
-              <a:uLnTx/>
-              <a:uFillTx/>
-              <a:latin typeface="나눔고딕 ExtraBold" pitchFamily="50" charset="-127"/>
-              <a:ea typeface="나눔고딕 ExtraBold" pitchFamily="50" charset="-127"/>
-              <a:cs typeface="+mj-cs"/>
-            </a:endParaRPr>
-          </a:p>
-        </p:txBody>
-      </p:sp>
-      <p:sp>
-        <p:nvSpPr>
-          <p:cNvPr id="10" name="TextBox 9">
-            <a:extLst>
-              <a:ext uri="{FF2B5EF4-FFF2-40B4-BE49-F238E27FC236}">
-                <a16:creationId xmlns:a16="http://schemas.microsoft.com/office/drawing/2014/main" id="{549AD279-1A70-8E48-8ACA-8C1359690FD9}"/>
-              </a:ext>
-            </a:extLst>
-          </p:cNvPr>
-          <p:cNvSpPr txBox="1"/>
-          <p:nvPr/>
-        </p:nvSpPr>
-        <p:spPr>
-          <a:xfrm>
-            <a:off x="392681" y="1407142"/>
-            <a:ext cx="1371007" cy="581698"/>
-          </a:xfrm>
-          <a:prstGeom prst="rect">
-            <a:avLst/>
-          </a:prstGeom>
-          <a:noFill/>
-        </p:spPr>
-        <p:txBody>
-          <a:bodyPr wrap="square" rtlCol="0">
-            <a:spAutoFit/>
-          </a:bodyPr>
-          <a:lstStyle/>
-          <a:p>
-            <a:pPr>
-              <a:lnSpc>
-                <a:spcPct val="150000"/>
-              </a:lnSpc>
-            </a:pPr>
-            <a:r>
-              <a:rPr lang="ko-KR" altLang="en-US" sz="2400" b="1" spc="-20" dirty="0">
-                <a:solidFill>
-                  <a:schemeClr val="accent6">
-                    <a:lumMod val="75000"/>
-                  </a:schemeClr>
-                </a:solidFill>
-                <a:latin typeface="나눔고딕" pitchFamily="50" charset="-127"/>
-                <a:ea typeface="나눔고딕" pitchFamily="50" charset="-127"/>
-              </a:rPr>
-              <a:t>프로그램</a:t>
-            </a:r>
-            <a:endParaRPr lang="en-US" altLang="ko-KR" sz="2400" b="1" spc="-20" dirty="0">
-              <a:solidFill>
-                <a:schemeClr val="accent6">
-                  <a:lumMod val="75000"/>
-                </a:schemeClr>
-              </a:solidFill>
-              <a:latin typeface="나눔고딕" pitchFamily="50" charset="-127"/>
-              <a:ea typeface="나눔고딕" pitchFamily="50" charset="-127"/>
-            </a:endParaRPr>
-          </a:p>
-        </p:txBody>
-      </p:sp>
-      <p:sp>
-        <p:nvSpPr>
-          <p:cNvPr id="6" name="TextBox 5">
-            <a:extLst>
-              <a:ext uri="{FF2B5EF4-FFF2-40B4-BE49-F238E27FC236}">
-                <a16:creationId xmlns:a16="http://schemas.microsoft.com/office/drawing/2014/main" id="{C1F295D6-8E1A-2642-9899-C818075FF24A}"/>
-              </a:ext>
-            </a:extLst>
-          </p:cNvPr>
-          <p:cNvSpPr txBox="1"/>
-          <p:nvPr/>
-        </p:nvSpPr>
-        <p:spPr>
-          <a:xfrm>
-            <a:off x="5383043" y="2024640"/>
-            <a:ext cx="3191436" cy="3862596"/>
-          </a:xfrm>
-          <a:prstGeom prst="rect">
-            <a:avLst/>
-          </a:prstGeom>
-          <a:noFill/>
-        </p:spPr>
-        <p:txBody>
-          <a:bodyPr wrap="square" rtlCol="0">
-            <a:spAutoFit/>
-          </a:bodyPr>
-          <a:lstStyle/>
-          <a:p>
-            <a:r>
-              <a:rPr lang="en-US" altLang="ko-KR" sz="1200" b="1" spc="-100" dirty="0" err="1">
-                <a:solidFill>
-                  <a:schemeClr val="accent6">
-                    <a:lumMod val="75000"/>
-                  </a:schemeClr>
-                </a:solidFill>
-                <a:latin typeface="나눔고딕 ExtraBold" pitchFamily="50" charset="-127"/>
-                <a:ea typeface="나눔고딕 ExtraBold" pitchFamily="50" charset="-127"/>
-              </a:rPr>
-              <a:t>Palau_Guell</a:t>
-            </a:r>
-            <a:endParaRPr lang="en-US" altLang="ko-KR" sz="1200" b="1" spc="-100" dirty="0">
-              <a:solidFill>
-                <a:schemeClr val="accent6">
-                  <a:lumMod val="75000"/>
-                </a:schemeClr>
-              </a:solidFill>
-              <a:latin typeface="나눔고딕 ExtraBold" pitchFamily="50" charset="-127"/>
-              <a:ea typeface="나눔고딕 ExtraBold" pitchFamily="50" charset="-127"/>
-            </a:endParaRPr>
-          </a:p>
-          <a:p>
-            <a:r>
-              <a:rPr lang="en-US" altLang="ko-KR" sz="1200" b="1" spc="-100" dirty="0">
-                <a:solidFill>
-                  <a:schemeClr val="accent6">
-                    <a:lumMod val="75000"/>
-                  </a:schemeClr>
-                </a:solidFill>
-                <a:latin typeface="나눔고딕 ExtraBold" pitchFamily="50" charset="-127"/>
-                <a:ea typeface="나눔고딕 ExtraBold" pitchFamily="50" charset="-127"/>
-              </a:rPr>
-              <a:t>	-10:00 ~ 17:30</a:t>
-            </a:r>
-          </a:p>
-          <a:p>
-            <a:r>
-              <a:rPr lang="en-US" altLang="ko-KR" sz="1200" b="1" spc="-100" dirty="0" err="1">
-                <a:solidFill>
-                  <a:schemeClr val="accent6">
-                    <a:lumMod val="75000"/>
-                  </a:schemeClr>
-                </a:solidFill>
-                <a:latin typeface="나눔고딕 ExtraBold" pitchFamily="50" charset="-127"/>
-                <a:ea typeface="나눔고딕 ExtraBold" pitchFamily="50" charset="-127"/>
-              </a:rPr>
-              <a:t>SantPau_Hospital</a:t>
-            </a:r>
-            <a:endParaRPr lang="en-US" altLang="ko-KR" sz="1200" b="1" spc="-100" dirty="0">
-              <a:solidFill>
-                <a:schemeClr val="accent6">
-                  <a:lumMod val="75000"/>
-                </a:schemeClr>
-              </a:solidFill>
-              <a:latin typeface="나눔고딕 ExtraBold" pitchFamily="50" charset="-127"/>
-              <a:ea typeface="나눔고딕 ExtraBold" pitchFamily="50" charset="-127"/>
-            </a:endParaRPr>
-          </a:p>
-          <a:p>
-            <a:r>
-              <a:rPr lang="en-US" altLang="ko-KR" sz="1200" b="1" spc="-100" dirty="0">
-                <a:solidFill>
-                  <a:schemeClr val="accent6">
-                    <a:lumMod val="75000"/>
-                  </a:schemeClr>
-                </a:solidFill>
-                <a:latin typeface="나눔고딕 ExtraBold" pitchFamily="50" charset="-127"/>
-                <a:ea typeface="나눔고딕 ExtraBold" pitchFamily="50" charset="-127"/>
-              </a:rPr>
-              <a:t>	-0930 ~ 1630</a:t>
-            </a:r>
-          </a:p>
-          <a:p>
-            <a:r>
-              <a:rPr lang="en-US" altLang="ko-KR" b="1" spc="-100" dirty="0">
-                <a:solidFill>
-                  <a:schemeClr val="accent6">
-                    <a:lumMod val="75000"/>
-                  </a:schemeClr>
-                </a:solidFill>
-                <a:latin typeface="나눔고딕 ExtraBold" pitchFamily="50" charset="-127"/>
-                <a:ea typeface="나눔고딕 ExtraBold" pitchFamily="50" charset="-127"/>
-                <a:cs typeface="+mj-cs"/>
-              </a:rPr>
-              <a:t>Museo Picasso</a:t>
-            </a:r>
-          </a:p>
-          <a:p>
-            <a:r>
-              <a:rPr lang="en-US" altLang="ko-KR" b="1" spc="-100" dirty="0">
-                <a:solidFill>
-                  <a:schemeClr val="accent6">
-                    <a:lumMod val="75000"/>
-                  </a:schemeClr>
-                </a:solidFill>
-                <a:latin typeface="나눔고딕 ExtraBold" pitchFamily="50" charset="-127"/>
-                <a:ea typeface="나눔고딕 ExtraBold" pitchFamily="50" charset="-127"/>
-                <a:cs typeface="+mj-cs"/>
-              </a:rPr>
-              <a:t>	-</a:t>
-            </a:r>
-            <a:r>
-              <a:rPr lang="ko-KR" altLang="en-US" b="1" spc="-100" dirty="0">
-                <a:solidFill>
-                  <a:schemeClr val="accent6">
-                    <a:lumMod val="75000"/>
-                  </a:schemeClr>
-                </a:solidFill>
-                <a:latin typeface="나눔고딕 ExtraBold" pitchFamily="50" charset="-127"/>
-                <a:ea typeface="나눔고딕 ExtraBold" pitchFamily="50" charset="-127"/>
-                <a:cs typeface="+mj-cs"/>
-              </a:rPr>
-              <a:t>월요일 휴무</a:t>
-            </a:r>
-            <a:endParaRPr lang="en-US" altLang="ko-KR" b="1" spc="-100" dirty="0">
-              <a:solidFill>
-                <a:schemeClr val="accent6">
-                  <a:lumMod val="75000"/>
-                </a:schemeClr>
-              </a:solidFill>
-              <a:latin typeface="나눔고딕 ExtraBold" pitchFamily="50" charset="-127"/>
-              <a:ea typeface="나눔고딕 ExtraBold" pitchFamily="50" charset="-127"/>
-              <a:cs typeface="+mj-cs"/>
-            </a:endParaRPr>
-          </a:p>
-          <a:p>
-            <a:r>
-              <a:rPr lang="en-US" altLang="ko-KR" b="1" spc="-100" dirty="0">
-                <a:solidFill>
-                  <a:schemeClr val="accent6">
-                    <a:lumMod val="75000"/>
-                  </a:schemeClr>
-                </a:solidFill>
-                <a:latin typeface="나눔고딕 ExtraBold" pitchFamily="50" charset="-127"/>
-                <a:ea typeface="나눔고딕 ExtraBold" pitchFamily="50" charset="-127"/>
-                <a:cs typeface="+mj-cs"/>
-              </a:rPr>
-              <a:t>	-09:00</a:t>
-            </a:r>
-            <a:r>
-              <a:rPr lang="ko-KR" altLang="en-US" b="1" spc="-100" dirty="0">
-                <a:solidFill>
-                  <a:schemeClr val="accent6">
-                    <a:lumMod val="75000"/>
-                  </a:schemeClr>
-                </a:solidFill>
-                <a:latin typeface="나눔고딕 ExtraBold" pitchFamily="50" charset="-127"/>
-                <a:ea typeface="나눔고딕 ExtraBold" pitchFamily="50" charset="-127"/>
-                <a:cs typeface="+mj-cs"/>
-              </a:rPr>
-              <a:t> </a:t>
-            </a:r>
-            <a:r>
-              <a:rPr lang="en-US" altLang="ko-KR" b="1" spc="-100" dirty="0">
-                <a:solidFill>
-                  <a:schemeClr val="accent6">
-                    <a:lumMod val="75000"/>
-                  </a:schemeClr>
-                </a:solidFill>
-                <a:latin typeface="나눔고딕 ExtraBold" pitchFamily="50" charset="-127"/>
-                <a:ea typeface="나눔고딕 ExtraBold" pitchFamily="50" charset="-127"/>
-                <a:cs typeface="+mj-cs"/>
-              </a:rPr>
-              <a:t>~</a:t>
-            </a:r>
-            <a:r>
-              <a:rPr lang="ko-KR" altLang="en-US" b="1" spc="-100" dirty="0">
-                <a:solidFill>
-                  <a:schemeClr val="accent6">
-                    <a:lumMod val="75000"/>
-                  </a:schemeClr>
-                </a:solidFill>
-                <a:latin typeface="나눔고딕 ExtraBold" pitchFamily="50" charset="-127"/>
-                <a:ea typeface="나눔고딕 ExtraBold" pitchFamily="50" charset="-127"/>
-                <a:cs typeface="+mj-cs"/>
-              </a:rPr>
-              <a:t> </a:t>
-            </a:r>
-            <a:r>
-              <a:rPr lang="en-US" altLang="ko-KR" b="1" spc="-100" dirty="0">
-                <a:solidFill>
-                  <a:schemeClr val="accent6">
-                    <a:lumMod val="75000"/>
-                  </a:schemeClr>
-                </a:solidFill>
-                <a:latin typeface="나눔고딕 ExtraBold" pitchFamily="50" charset="-127"/>
-                <a:ea typeface="나눔고딕 ExtraBold" pitchFamily="50" charset="-127"/>
-                <a:cs typeface="+mj-cs"/>
-              </a:rPr>
-              <a:t>19:00</a:t>
-            </a:r>
-          </a:p>
-          <a:p>
-            <a:r>
-              <a:rPr lang="en-US" altLang="ko-KR" b="1" spc="-100" dirty="0" err="1">
-                <a:solidFill>
-                  <a:schemeClr val="accent6">
-                    <a:lumMod val="75000"/>
-                  </a:schemeClr>
-                </a:solidFill>
-                <a:latin typeface="나눔고딕 ExtraBold" pitchFamily="50" charset="-127"/>
-                <a:ea typeface="나눔고딕 ExtraBold" pitchFamily="50" charset="-127"/>
-                <a:cs typeface="+mj-cs"/>
-              </a:rPr>
-              <a:t>Catalunya_Picasso</a:t>
-            </a:r>
-            <a:endParaRPr lang="en-US" altLang="ko-KR" b="1" spc="-100" dirty="0">
-              <a:solidFill>
-                <a:schemeClr val="accent6">
-                  <a:lumMod val="75000"/>
-                </a:schemeClr>
-              </a:solidFill>
-              <a:latin typeface="나눔고딕 ExtraBold" pitchFamily="50" charset="-127"/>
-              <a:ea typeface="나눔고딕 ExtraBold" pitchFamily="50" charset="-127"/>
-              <a:cs typeface="+mj-cs"/>
-            </a:endParaRPr>
-          </a:p>
-          <a:p>
-            <a:r>
-              <a:rPr lang="en-US" altLang="ko-KR" b="1" spc="-100" dirty="0">
-                <a:solidFill>
-                  <a:schemeClr val="accent6">
-                    <a:lumMod val="75000"/>
-                  </a:schemeClr>
-                </a:solidFill>
-                <a:latin typeface="나눔고딕 ExtraBold" pitchFamily="50" charset="-127"/>
-                <a:ea typeface="나눔고딕 ExtraBold" pitchFamily="50" charset="-127"/>
-                <a:cs typeface="+mj-cs"/>
-              </a:rPr>
-              <a:t>	-</a:t>
-            </a:r>
-            <a:r>
-              <a:rPr lang="ko-KR" altLang="en-US" b="1" spc="-100" dirty="0">
-                <a:solidFill>
-                  <a:schemeClr val="accent6">
-                    <a:lumMod val="75000"/>
-                  </a:schemeClr>
-                </a:solidFill>
-                <a:latin typeface="나눔고딕 ExtraBold" pitchFamily="50" charset="-127"/>
-                <a:ea typeface="나눔고딕 ExtraBold" pitchFamily="50" charset="-127"/>
-                <a:cs typeface="+mj-cs"/>
-              </a:rPr>
-              <a:t>월요일 휴무</a:t>
-            </a:r>
-            <a:endParaRPr lang="en-US" altLang="ko-KR" b="1" spc="-100" dirty="0">
-              <a:solidFill>
-                <a:schemeClr val="accent6">
-                  <a:lumMod val="75000"/>
-                </a:schemeClr>
-              </a:solidFill>
-              <a:latin typeface="나눔고딕 ExtraBold" pitchFamily="50" charset="-127"/>
-              <a:ea typeface="나눔고딕 ExtraBold" pitchFamily="50" charset="-127"/>
-              <a:cs typeface="+mj-cs"/>
-            </a:endParaRPr>
-          </a:p>
-          <a:p>
-            <a:r>
-              <a:rPr lang="en-US" altLang="ko-KR" b="1" spc="-100" dirty="0">
-                <a:solidFill>
-                  <a:schemeClr val="accent6">
-                    <a:lumMod val="75000"/>
-                  </a:schemeClr>
-                </a:solidFill>
-                <a:latin typeface="나눔고딕 ExtraBold" pitchFamily="50" charset="-127"/>
-                <a:ea typeface="나눔고딕 ExtraBold" pitchFamily="50" charset="-127"/>
-                <a:cs typeface="+mj-cs"/>
-              </a:rPr>
-              <a:t>	-10:00</a:t>
-            </a:r>
-            <a:r>
-              <a:rPr lang="ko-KR" altLang="en-US" b="1" spc="-100" dirty="0">
-                <a:solidFill>
-                  <a:schemeClr val="accent6">
-                    <a:lumMod val="75000"/>
-                  </a:schemeClr>
-                </a:solidFill>
-                <a:latin typeface="나눔고딕 ExtraBold" pitchFamily="50" charset="-127"/>
-                <a:ea typeface="나눔고딕 ExtraBold" pitchFamily="50" charset="-127"/>
-                <a:cs typeface="+mj-cs"/>
-              </a:rPr>
-              <a:t> </a:t>
-            </a:r>
-            <a:r>
-              <a:rPr lang="en-US" altLang="ko-KR" b="1" spc="-100" dirty="0">
-                <a:solidFill>
-                  <a:schemeClr val="accent6">
-                    <a:lumMod val="75000"/>
-                  </a:schemeClr>
-                </a:solidFill>
-                <a:latin typeface="나눔고딕 ExtraBold" pitchFamily="50" charset="-127"/>
-                <a:ea typeface="나눔고딕 ExtraBold" pitchFamily="50" charset="-127"/>
-                <a:cs typeface="+mj-cs"/>
-              </a:rPr>
-              <a:t>~</a:t>
-            </a:r>
-            <a:r>
-              <a:rPr lang="ko-KR" altLang="en-US" b="1" spc="-100" dirty="0">
-                <a:solidFill>
-                  <a:schemeClr val="accent6">
-                    <a:lumMod val="75000"/>
-                  </a:schemeClr>
-                </a:solidFill>
-                <a:latin typeface="나눔고딕 ExtraBold" pitchFamily="50" charset="-127"/>
-                <a:ea typeface="나눔고딕 ExtraBold" pitchFamily="50" charset="-127"/>
-                <a:cs typeface="+mj-cs"/>
-              </a:rPr>
-              <a:t> </a:t>
-            </a:r>
-            <a:r>
-              <a:rPr lang="en-US" altLang="ko-KR" b="1" spc="-100" dirty="0">
-                <a:solidFill>
-                  <a:schemeClr val="accent6">
-                    <a:lumMod val="75000"/>
-                  </a:schemeClr>
-                </a:solidFill>
-                <a:latin typeface="나눔고딕 ExtraBold" pitchFamily="50" charset="-127"/>
-                <a:ea typeface="나눔고딕 ExtraBold" pitchFamily="50" charset="-127"/>
-                <a:cs typeface="+mj-cs"/>
-              </a:rPr>
-              <a:t>18:00</a:t>
-            </a:r>
-          </a:p>
-          <a:p>
-            <a:r>
-              <a:rPr lang="en-US" altLang="ko-KR" sz="1600" b="1" spc="-100" dirty="0" err="1">
-                <a:solidFill>
-                  <a:schemeClr val="accent6">
-                    <a:lumMod val="75000"/>
-                  </a:schemeClr>
-                </a:solidFill>
-                <a:latin typeface="나눔고딕 ExtraBold" pitchFamily="50" charset="-127"/>
-                <a:ea typeface="나눔고딕 ExtraBold" pitchFamily="50" charset="-127"/>
-                <a:cs typeface="+mj-cs"/>
-              </a:rPr>
-              <a:t>Bunker_de_Carmel</a:t>
-            </a:r>
-            <a:endParaRPr lang="en-US" altLang="ko-KR" sz="1600" b="1" spc="-100" dirty="0">
-              <a:solidFill>
-                <a:schemeClr val="accent6">
-                  <a:lumMod val="75000"/>
-                </a:schemeClr>
-              </a:solidFill>
-              <a:latin typeface="나눔고딕 ExtraBold" pitchFamily="50" charset="-127"/>
-              <a:ea typeface="나눔고딕 ExtraBold" pitchFamily="50" charset="-127"/>
-              <a:cs typeface="+mj-cs"/>
-            </a:endParaRPr>
-          </a:p>
-          <a:p>
-            <a:r>
-              <a:rPr lang="en-US" altLang="ko-KR" sz="1600" b="1" spc="-100" dirty="0">
-                <a:solidFill>
-                  <a:schemeClr val="accent6">
-                    <a:lumMod val="75000"/>
-                  </a:schemeClr>
-                </a:solidFill>
-                <a:latin typeface="나눔고딕 ExtraBold" pitchFamily="50" charset="-127"/>
-                <a:ea typeface="나눔고딕 ExtraBold" pitchFamily="50" charset="-127"/>
-                <a:cs typeface="+mj-cs"/>
-              </a:rPr>
-              <a:t>	-</a:t>
-            </a:r>
-            <a:r>
-              <a:rPr lang="ko-KR" altLang="en-US" sz="1600" b="1" spc="-100" dirty="0">
-                <a:solidFill>
-                  <a:schemeClr val="accent6">
-                    <a:lumMod val="75000"/>
-                  </a:schemeClr>
-                </a:solidFill>
-                <a:latin typeface="나눔고딕 ExtraBold" pitchFamily="50" charset="-127"/>
-                <a:ea typeface="나눔고딕 ExtraBold" pitchFamily="50" charset="-127"/>
-                <a:cs typeface="+mj-cs"/>
-              </a:rPr>
-              <a:t>야경 명소</a:t>
-            </a:r>
-            <a:endParaRPr lang="en-US" altLang="ko-KR" sz="1600" b="1" spc="-100" dirty="0">
-              <a:solidFill>
-                <a:schemeClr val="accent6">
-                  <a:lumMod val="75000"/>
-                </a:schemeClr>
-              </a:solidFill>
-              <a:latin typeface="나눔고딕 ExtraBold" pitchFamily="50" charset="-127"/>
-              <a:ea typeface="나눔고딕 ExtraBold" pitchFamily="50" charset="-127"/>
-              <a:cs typeface="+mj-cs"/>
-            </a:endParaRPr>
-          </a:p>
-          <a:p>
-            <a:r>
-              <a:rPr lang="en-US" altLang="ko-KR" sz="1600" b="1" spc="-100" dirty="0">
-                <a:solidFill>
-                  <a:schemeClr val="accent6">
-                    <a:lumMod val="75000"/>
-                  </a:schemeClr>
-                </a:solidFill>
-                <a:latin typeface="나눔고딕 ExtraBold" pitchFamily="50" charset="-127"/>
-                <a:ea typeface="나눔고딕 ExtraBold" pitchFamily="50" charset="-127"/>
-                <a:cs typeface="+mj-cs"/>
-              </a:rPr>
-              <a:t>	-19:00</a:t>
-            </a:r>
-            <a:r>
-              <a:rPr lang="ko-KR" altLang="en-US" sz="1600" b="1" spc="-100" dirty="0">
-                <a:solidFill>
-                  <a:schemeClr val="accent6">
-                    <a:lumMod val="75000"/>
-                  </a:schemeClr>
-                </a:solidFill>
-                <a:latin typeface="나눔고딕 ExtraBold" pitchFamily="50" charset="-127"/>
-                <a:ea typeface="나눔고딕 ExtraBold" pitchFamily="50" charset="-127"/>
-                <a:cs typeface="+mj-cs"/>
-              </a:rPr>
-              <a:t> </a:t>
-            </a:r>
-            <a:r>
-              <a:rPr lang="en-US" altLang="ko-KR" sz="1600" b="1" spc="-100" dirty="0">
-                <a:solidFill>
-                  <a:schemeClr val="accent6">
-                    <a:lumMod val="75000"/>
-                  </a:schemeClr>
-                </a:solidFill>
-                <a:latin typeface="나눔고딕 ExtraBold" pitchFamily="50" charset="-127"/>
-                <a:ea typeface="나눔고딕 ExtraBold" pitchFamily="50" charset="-127"/>
-                <a:cs typeface="+mj-cs"/>
-              </a:rPr>
-              <a:t>~</a:t>
-            </a:r>
-            <a:r>
-              <a:rPr lang="ko-KR" altLang="en-US" sz="1600" b="1" spc="-100" dirty="0">
-                <a:solidFill>
-                  <a:schemeClr val="accent6">
-                    <a:lumMod val="75000"/>
-                  </a:schemeClr>
-                </a:solidFill>
-                <a:latin typeface="나눔고딕 ExtraBold" pitchFamily="50" charset="-127"/>
-                <a:ea typeface="나눔고딕 ExtraBold" pitchFamily="50" charset="-127"/>
-                <a:cs typeface="+mj-cs"/>
-              </a:rPr>
-              <a:t> </a:t>
-            </a:r>
-            <a:r>
-              <a:rPr lang="en-US" altLang="ko-KR" sz="1600" b="1" spc="-100" dirty="0">
-                <a:solidFill>
-                  <a:schemeClr val="accent6">
-                    <a:lumMod val="75000"/>
-                  </a:schemeClr>
-                </a:solidFill>
-                <a:latin typeface="나눔고딕 ExtraBold" pitchFamily="50" charset="-127"/>
-                <a:ea typeface="나눔고딕 ExtraBold" pitchFamily="50" charset="-127"/>
-                <a:cs typeface="+mj-cs"/>
-              </a:rPr>
-              <a:t>2400</a:t>
-            </a:r>
-          </a:p>
-          <a:p>
-            <a:r>
-              <a:rPr lang="en-US" altLang="ko-KR" sz="1200" b="1" spc="-100" dirty="0" err="1">
-                <a:solidFill>
-                  <a:schemeClr val="accent6">
-                    <a:lumMod val="75000"/>
-                  </a:schemeClr>
-                </a:solidFill>
-                <a:latin typeface="나눔고딕 ExtraBold" pitchFamily="50" charset="-127"/>
-                <a:ea typeface="나눔고딕 ExtraBold" pitchFamily="50" charset="-127"/>
-                <a:cs typeface="+mj-cs"/>
-              </a:rPr>
-              <a:t>Catedral</a:t>
-            </a:r>
-            <a:endParaRPr lang="en-US" altLang="ko-KR" sz="1200" b="1" spc="-100" dirty="0">
-              <a:solidFill>
-                <a:schemeClr val="accent6">
-                  <a:lumMod val="75000"/>
-                </a:schemeClr>
-              </a:solidFill>
-              <a:latin typeface="나눔고딕 ExtraBold" pitchFamily="50" charset="-127"/>
-              <a:ea typeface="나눔고딕 ExtraBold" pitchFamily="50" charset="-127"/>
-              <a:cs typeface="+mj-cs"/>
-            </a:endParaRPr>
-          </a:p>
-          <a:p>
-            <a:r>
-              <a:rPr lang="en-US" altLang="ko-KR" sz="1200" b="1" spc="-100" dirty="0">
-                <a:solidFill>
-                  <a:schemeClr val="accent6">
-                    <a:lumMod val="75000"/>
-                  </a:schemeClr>
-                </a:solidFill>
-                <a:latin typeface="나눔고딕 ExtraBold" pitchFamily="50" charset="-127"/>
-                <a:ea typeface="나눔고딕 ExtraBold" pitchFamily="50" charset="-127"/>
-                <a:cs typeface="+mj-cs"/>
-              </a:rPr>
-              <a:t>	-08:30 ~ 17:30</a:t>
-            </a:r>
-          </a:p>
-          <a:p>
-            <a:endParaRPr kumimoji="1" lang="ko-KR" altLang="en-US" sz="1100" dirty="0"/>
-          </a:p>
-        </p:txBody>
-      </p:sp>
-      <p:pic>
-        <p:nvPicPr>
-          <p:cNvPr id="4" name="그림 3">
-            <a:extLst>
-              <a:ext uri="{FF2B5EF4-FFF2-40B4-BE49-F238E27FC236}">
-                <a16:creationId xmlns:a16="http://schemas.microsoft.com/office/drawing/2014/main" id="{F8252662-8083-F84A-9170-ABEA63A2D436}"/>
-              </a:ext>
-            </a:extLst>
-          </p:cNvPr>
-          <p:cNvPicPr>
-            <a:picLocks noChangeAspect="1"/>
-          </p:cNvPicPr>
-          <p:nvPr/>
-        </p:nvPicPr>
-        <p:blipFill>
-          <a:blip r:embed="rId3">
-            <a:extLst>
-              <a:ext uri="{28A0092B-C50C-407E-A947-70E740481C1C}">
-                <a14:useLocalDpi xmlns:a14="http://schemas.microsoft.com/office/drawing/2010/main" val="0"/>
-              </a:ext>
-            </a:extLst>
-          </a:blip>
-          <a:stretch>
-            <a:fillRect/>
-          </a:stretch>
-        </p:blipFill>
-        <p:spPr>
-          <a:xfrm>
-            <a:off x="467544" y="2190086"/>
-            <a:ext cx="4660900" cy="3225800"/>
-          </a:xfrm>
-          <a:prstGeom prst="rect">
-            <a:avLst/>
-          </a:prstGeom>
-        </p:spPr>
-      </p:pic>
-    </p:spTree>
-    <p:extLst>
-      <p:ext uri="{BB962C8B-B14F-4D97-AF65-F5344CB8AC3E}">
-        <p14:creationId xmlns:p14="http://schemas.microsoft.com/office/powerpoint/2010/main" val="74865616"/>
-      </p:ext>
-    </p:extLst>
-  </p:cSld>
-  <p:clrMapOvr>
-    <a:masterClrMapping/>
-  </p:clrMapOvr>
-</p:sld>
-</file>
-
-<file path=ppt/slides/slide6.xml><?xml version="1.0" encoding="utf-8"?>
-<p:sld xmlns:a="http://schemas.openxmlformats.org/drawingml/2006/main" xmlns:r="http://schemas.openxmlformats.org/officeDocument/2006/relationships" xmlns:p="http://schemas.openxmlformats.org/presentationml/2006/main">
-  <p:cSld>
-    <p:spTree>
-      <p:nvGrpSpPr>
-        <p:cNvPr id="1" name=""/>
-        <p:cNvGrpSpPr/>
-        <p:nvPr/>
-      </p:nvGrpSpPr>
-      <p:grpSpPr>
-        <a:xfrm>
-          <a:off x="0" y="0"/>
-          <a:ext cx="0" cy="0"/>
-          <a:chOff x="0" y="0"/>
-          <a:chExt cx="0" cy="0"/>
-        </a:xfrm>
-      </p:grpSpPr>
-      <p:sp>
-        <p:nvSpPr>
-          <p:cNvPr id="2" name="제목 1"/>
-          <p:cNvSpPr>
-            <a:spLocks noGrp="1"/>
-          </p:cNvSpPr>
-          <p:nvPr>
-            <p:ph type="ctrTitle"/>
-          </p:nvPr>
-        </p:nvSpPr>
-        <p:spPr>
-          <a:xfrm>
-            <a:off x="467544" y="404664"/>
-            <a:ext cx="6552728" cy="704078"/>
-          </a:xfrm>
-        </p:spPr>
-        <p:txBody>
-          <a:bodyPr>
-            <a:noAutofit/>
-          </a:bodyPr>
-          <a:lstStyle/>
-          <a:p>
-            <a:pPr algn="l"/>
-            <a:r>
-              <a:rPr lang="en-US" altLang="ko-KR" sz="3200" spc="-100" dirty="0">
-                <a:latin typeface="나눔고딕 ExtraBold" pitchFamily="50" charset="-127"/>
-                <a:ea typeface="나눔고딕 ExtraBold" pitchFamily="50" charset="-127"/>
-              </a:rPr>
-              <a:t>Review</a:t>
-            </a:r>
-            <a:endParaRPr lang="en-US" altLang="ko-KR" sz="3000" b="1" spc="-100" dirty="0">
-              <a:solidFill>
-                <a:schemeClr val="accent6">
-                  <a:lumMod val="75000"/>
-                </a:schemeClr>
-              </a:solidFill>
-              <a:latin typeface="나눔고딕 ExtraBold" pitchFamily="50" charset="-127"/>
-              <a:ea typeface="나눔고딕 ExtraBold" pitchFamily="50" charset="-127"/>
-            </a:endParaRPr>
-          </a:p>
-        </p:txBody>
-      </p:sp>
-      <p:sp>
-        <p:nvSpPr>
-          <p:cNvPr id="8" name="직사각형 7"/>
-          <p:cNvSpPr/>
-          <p:nvPr/>
-        </p:nvSpPr>
-        <p:spPr>
-          <a:xfrm>
-            <a:off x="395536" y="404664"/>
-            <a:ext cx="8352928" cy="792088"/>
-          </a:xfrm>
-          <a:prstGeom prst="rect">
-            <a:avLst/>
-          </a:prstGeom>
-          <a:noFill/>
-          <a:ln w="88900">
-            <a:solidFill>
-              <a:schemeClr val="accent6">
-                <a:lumMod val="75000"/>
-              </a:schemeClr>
-            </a:solidFill>
-            <a:miter lim="800000"/>
-          </a:ln>
-        </p:spPr>
-        <p:style>
-          <a:lnRef idx="2">
-            <a:schemeClr val="accent1">
-              <a:shade val="50000"/>
-            </a:schemeClr>
-          </a:lnRef>
-          <a:fillRef idx="1">
-            <a:schemeClr val="accent1"/>
-          </a:fillRef>
-          <a:effectRef idx="0">
-            <a:schemeClr val="accent1"/>
-          </a:effectRef>
-          <a:fontRef idx="minor">
-            <a:schemeClr val="lt1"/>
-          </a:fontRef>
-        </p:style>
-        <p:txBody>
-          <a:bodyPr rtlCol="0" anchor="ctr"/>
-          <a:lstStyle/>
-          <a:p>
-            <a:pPr algn="ctr"/>
-            <a:endParaRPr lang="ko-KR" altLang="en-US" dirty="0">
-              <a:solidFill>
-                <a:schemeClr val="accent6">
-                  <a:lumMod val="75000"/>
-                </a:schemeClr>
-              </a:solidFill>
-              <a:latin typeface="나눔고딕" pitchFamily="50" charset="-127"/>
-              <a:ea typeface="나눔고딕" pitchFamily="50" charset="-127"/>
-            </a:endParaRPr>
-          </a:p>
-        </p:txBody>
-      </p:sp>
-      <p:sp>
-        <p:nvSpPr>
-          <p:cNvPr id="20" name="제목 1">
-            <a:extLst>
-              <a:ext uri="{FF2B5EF4-FFF2-40B4-BE49-F238E27FC236}">
-                <a16:creationId xmlns:a16="http://schemas.microsoft.com/office/drawing/2014/main" id="{55BFEB79-7FEA-4549-BA3A-7E6C629B3553}"/>
-              </a:ext>
-            </a:extLst>
-          </p:cNvPr>
-          <p:cNvSpPr txBox="1">
-            <a:spLocks/>
-          </p:cNvSpPr>
-          <p:nvPr/>
-        </p:nvSpPr>
-        <p:spPr>
-          <a:xfrm>
-            <a:off x="5508104" y="476673"/>
-            <a:ext cx="2941314" cy="1080120"/>
-          </a:xfrm>
-          <a:prstGeom prst="rect">
-            <a:avLst/>
-          </a:prstGeom>
-        </p:spPr>
-        <p:txBody>
-          <a:bodyPr vert="horz" lIns="91440" tIns="45720" rIns="91440" bIns="45720" rtlCol="0" anchor="t">
-            <a:noAutofit/>
-          </a:bodyPr>
-          <a:lstStyle/>
-          <a:p>
-            <a:pPr marL="0" marR="0" lvl="0" indent="0" algn="r" defTabSz="914400" rtl="0" eaLnBrk="1" fontAlgn="auto" latinLnBrk="1" hangingPunct="1">
-              <a:lnSpc>
-                <a:spcPts val="5600"/>
-              </a:lnSpc>
-              <a:spcBef>
-                <a:spcPct val="0"/>
-              </a:spcBef>
-              <a:spcAft>
-                <a:spcPts val="0"/>
-              </a:spcAft>
-              <a:buClrTx/>
-              <a:buSzTx/>
-              <a:buFontTx/>
-              <a:buNone/>
-              <a:tabLst/>
-              <a:defRPr/>
-            </a:pPr>
-            <a:r>
-              <a:rPr kumimoji="0" lang="en-US" altLang="ko-KR" sz="2400" b="1" i="0" u="none" strike="noStrike" kern="1200" cap="none" spc="-150" normalizeH="0" baseline="0" noProof="0" dirty="0">
-                <a:ln>
-                  <a:noFill/>
-                </a:ln>
-                <a:solidFill>
-                  <a:srgbClr val="706868"/>
-                </a:solidFill>
-                <a:effectLst/>
-                <a:uLnTx/>
-                <a:uFillTx/>
-                <a:latin typeface="나눔고딕 ExtraBold" pitchFamily="50" charset="-127"/>
-                <a:ea typeface="나눔고딕 ExtraBold" pitchFamily="50" charset="-127"/>
-                <a:cs typeface="+mj-cs"/>
-              </a:rPr>
-              <a:t>04. Test</a:t>
-            </a:r>
-          </a:p>
-          <a:p>
-            <a:pPr marL="0" marR="0" lvl="0" indent="0" algn="r" defTabSz="914400" rtl="0" eaLnBrk="1" fontAlgn="auto" latinLnBrk="1" hangingPunct="1">
-              <a:lnSpc>
-                <a:spcPts val="5600"/>
-              </a:lnSpc>
-              <a:spcBef>
-                <a:spcPct val="0"/>
-              </a:spcBef>
-              <a:spcAft>
-                <a:spcPts val="0"/>
-              </a:spcAft>
-              <a:buClrTx/>
-              <a:buSzTx/>
-              <a:buFontTx/>
-              <a:buNone/>
-              <a:tabLst/>
-              <a:defRPr/>
-            </a:pPr>
-            <a:endParaRPr kumimoji="0" lang="ko-KR" altLang="en-US" sz="2400" b="0" i="0" u="none" strike="noStrike" kern="1200" cap="none" spc="0" normalizeH="0" baseline="0" noProof="0" dirty="0">
-              <a:ln>
-                <a:noFill/>
-              </a:ln>
-              <a:solidFill>
-                <a:srgbClr val="706868"/>
-              </a:solidFill>
-              <a:effectLst/>
-              <a:uLnTx/>
-              <a:uFillTx/>
-              <a:latin typeface="나눔고딕 ExtraBold" pitchFamily="50" charset="-127"/>
-              <a:ea typeface="나눔고딕 ExtraBold" pitchFamily="50" charset="-127"/>
-              <a:cs typeface="+mj-cs"/>
-            </a:endParaRPr>
-          </a:p>
-        </p:txBody>
-      </p:sp>
-      <p:sp>
-        <p:nvSpPr>
-          <p:cNvPr id="10" name="TextBox 9">
-            <a:extLst>
-              <a:ext uri="{FF2B5EF4-FFF2-40B4-BE49-F238E27FC236}">
-                <a16:creationId xmlns:a16="http://schemas.microsoft.com/office/drawing/2014/main" id="{549AD279-1A70-8E48-8ACA-8C1359690FD9}"/>
-              </a:ext>
-            </a:extLst>
-          </p:cNvPr>
-          <p:cNvSpPr txBox="1"/>
-          <p:nvPr/>
-        </p:nvSpPr>
-        <p:spPr>
-          <a:xfrm>
-            <a:off x="392681" y="1407142"/>
-            <a:ext cx="7491687" cy="5013680"/>
-          </a:xfrm>
-          <a:prstGeom prst="rect">
-            <a:avLst/>
-          </a:prstGeom>
-          <a:noFill/>
-        </p:spPr>
-        <p:txBody>
-          <a:bodyPr wrap="square" rtlCol="0">
-            <a:spAutoFit/>
-          </a:bodyPr>
-          <a:lstStyle/>
-          <a:p>
-            <a:pPr marL="342900" indent="-342900">
-              <a:lnSpc>
-                <a:spcPct val="150000"/>
-              </a:lnSpc>
-              <a:buFont typeface="Arial" panose="020B0604020202020204" pitchFamily="34" charset="0"/>
-              <a:buChar char="•"/>
-            </a:pPr>
-            <a:r>
-              <a:rPr lang="ko-KR" altLang="en-US" sz="2400" b="1" spc="-20" dirty="0">
-                <a:solidFill>
-                  <a:schemeClr val="accent6">
-                    <a:lumMod val="75000"/>
-                  </a:schemeClr>
-                </a:solidFill>
-                <a:latin typeface="나눔고딕" pitchFamily="50" charset="-127"/>
-                <a:ea typeface="나눔고딕" pitchFamily="50" charset="-127"/>
-              </a:rPr>
-              <a:t>배열 포인터 ➤ </a:t>
-            </a:r>
-            <a:r>
-              <a:rPr lang="en-US" altLang="ko-KR" sz="2400" b="1" spc="-20" dirty="0">
-                <a:solidFill>
-                  <a:schemeClr val="accent6">
-                    <a:lumMod val="75000"/>
-                  </a:schemeClr>
-                </a:solidFill>
-                <a:latin typeface="나눔고딕" pitchFamily="50" charset="-127"/>
-                <a:ea typeface="나눔고딕" pitchFamily="50" charset="-127"/>
-              </a:rPr>
-              <a:t>Linked List</a:t>
-            </a:r>
-            <a:r>
-              <a:rPr lang="ko-KR" altLang="en-US" sz="2400" b="1" spc="-20" dirty="0" err="1">
-                <a:solidFill>
-                  <a:schemeClr val="accent6">
-                    <a:lumMod val="75000"/>
-                  </a:schemeClr>
-                </a:solidFill>
-                <a:latin typeface="나눔고딕" pitchFamily="50" charset="-127"/>
-                <a:ea typeface="나눔고딕" pitchFamily="50" charset="-127"/>
-              </a:rPr>
-              <a:t>를</a:t>
-            </a:r>
-            <a:r>
-              <a:rPr lang="ko-KR" altLang="en-US" sz="2400" b="1" spc="-20" dirty="0">
-                <a:solidFill>
-                  <a:schemeClr val="accent6">
-                    <a:lumMod val="75000"/>
-                  </a:schemeClr>
-                </a:solidFill>
-                <a:latin typeface="나눔고딕" pitchFamily="50" charset="-127"/>
-                <a:ea typeface="나눔고딕" pitchFamily="50" charset="-127"/>
-              </a:rPr>
-              <a:t> 활용한 접근</a:t>
-            </a:r>
-            <a:endParaRPr lang="en-US" altLang="ko-KR" sz="2400" b="1" spc="-20" dirty="0">
-              <a:solidFill>
-                <a:schemeClr val="accent6">
-                  <a:lumMod val="75000"/>
-                </a:schemeClr>
-              </a:solidFill>
-              <a:latin typeface="나눔고딕" pitchFamily="50" charset="-127"/>
-              <a:ea typeface="나눔고딕" pitchFamily="50" charset="-127"/>
-            </a:endParaRPr>
-          </a:p>
-          <a:p>
-            <a:pPr marL="342900" indent="-342900">
-              <a:lnSpc>
-                <a:spcPct val="150000"/>
-              </a:lnSpc>
-              <a:buFont typeface="Arial" panose="020B0604020202020204" pitchFamily="34" charset="0"/>
-              <a:buChar char="•"/>
-            </a:pPr>
-            <a:endParaRPr lang="en-US" altLang="ko-KR" sz="2400" b="1" spc="-20" dirty="0">
-              <a:solidFill>
-                <a:schemeClr val="accent6">
-                  <a:lumMod val="75000"/>
-                </a:schemeClr>
-              </a:solidFill>
-              <a:latin typeface="나눔고딕" pitchFamily="50" charset="-127"/>
-              <a:ea typeface="나눔고딕" pitchFamily="50" charset="-127"/>
-            </a:endParaRPr>
-          </a:p>
-          <a:p>
-            <a:pPr marL="342900" indent="-342900">
-              <a:lnSpc>
-                <a:spcPct val="150000"/>
-              </a:lnSpc>
-              <a:buFont typeface="Arial" panose="020B0604020202020204" pitchFamily="34" charset="0"/>
-              <a:buChar char="•"/>
-            </a:pPr>
-            <a:r>
-              <a:rPr lang="ko-KR" altLang="en-US" sz="2400" b="1" spc="-20" dirty="0">
-                <a:solidFill>
-                  <a:schemeClr val="accent6">
-                    <a:lumMod val="75000"/>
-                  </a:schemeClr>
-                </a:solidFill>
-                <a:latin typeface="나눔고딕" pitchFamily="50" charset="-127"/>
-                <a:ea typeface="나눔고딕" pitchFamily="50" charset="-127"/>
-              </a:rPr>
-              <a:t>알고리즘에 중심을 둔 프로그램 계획</a:t>
-            </a:r>
-            <a:endParaRPr lang="en-US" altLang="ko-KR" sz="2400" b="1" spc="-20" dirty="0">
-              <a:solidFill>
-                <a:schemeClr val="accent6">
-                  <a:lumMod val="75000"/>
-                </a:schemeClr>
-              </a:solidFill>
-              <a:latin typeface="나눔고딕" pitchFamily="50" charset="-127"/>
-              <a:ea typeface="나눔고딕" pitchFamily="50" charset="-127"/>
-            </a:endParaRPr>
-          </a:p>
-          <a:p>
-            <a:pPr lvl="2">
-              <a:lnSpc>
-                <a:spcPct val="150000"/>
-              </a:lnSpc>
-            </a:pPr>
-            <a:r>
-              <a:rPr lang="ko-KR" altLang="en-US" sz="2400" b="1" spc="-20" dirty="0">
-                <a:solidFill>
-                  <a:schemeClr val="accent6">
-                    <a:lumMod val="75000"/>
-                  </a:schemeClr>
-                </a:solidFill>
-                <a:latin typeface="나눔고딕" pitchFamily="50" charset="-127"/>
-                <a:ea typeface="나눔고딕" pitchFamily="50" charset="-127"/>
-              </a:rPr>
-              <a:t>➤ </a:t>
-            </a:r>
-            <a:r>
-              <a:rPr lang="ko-KR" altLang="en-US" sz="2400" b="1" spc="-20" dirty="0" err="1">
-                <a:solidFill>
-                  <a:schemeClr val="accent6">
-                    <a:lumMod val="75000"/>
-                  </a:schemeClr>
-                </a:solidFill>
-                <a:latin typeface="나눔고딕" pitchFamily="50" charset="-127"/>
-                <a:ea typeface="나눔고딕" pitchFamily="50" charset="-127"/>
-              </a:rPr>
-              <a:t>다이나믹</a:t>
-            </a:r>
-            <a:r>
-              <a:rPr lang="ko-KR" altLang="en-US" sz="2400" b="1" spc="-20" dirty="0">
-                <a:solidFill>
-                  <a:schemeClr val="accent6">
-                    <a:lumMod val="75000"/>
-                  </a:schemeClr>
-                </a:solidFill>
-                <a:latin typeface="나눔고딕" pitchFamily="50" charset="-127"/>
-                <a:ea typeface="나눔고딕" pitchFamily="50" charset="-127"/>
-              </a:rPr>
-              <a:t> 그래프를 더 활용할 수 있는 아이디어</a:t>
-            </a:r>
-            <a:endParaRPr lang="en-US" altLang="ko-KR" sz="2400" b="1" spc="-20" dirty="0">
-              <a:solidFill>
-                <a:schemeClr val="accent6">
-                  <a:lumMod val="75000"/>
-                </a:schemeClr>
-              </a:solidFill>
-              <a:latin typeface="나눔고딕" pitchFamily="50" charset="-127"/>
-              <a:ea typeface="나눔고딕" pitchFamily="50" charset="-127"/>
-            </a:endParaRPr>
-          </a:p>
-          <a:p>
-            <a:pPr>
-              <a:lnSpc>
-                <a:spcPct val="150000"/>
-              </a:lnSpc>
-            </a:pPr>
-            <a:endParaRPr lang="en-US" altLang="ko-KR" sz="2400" b="1" spc="-20" dirty="0">
-              <a:solidFill>
-                <a:schemeClr val="accent6">
-                  <a:lumMod val="75000"/>
-                </a:schemeClr>
-              </a:solidFill>
-              <a:latin typeface="나눔고딕" pitchFamily="50" charset="-127"/>
-              <a:ea typeface="나눔고딕" pitchFamily="50" charset="-127"/>
-            </a:endParaRPr>
-          </a:p>
-          <a:p>
-            <a:pPr marL="342900" indent="-342900">
-              <a:lnSpc>
-                <a:spcPct val="150000"/>
-              </a:lnSpc>
-              <a:buFont typeface="Arial" panose="020B0604020202020204" pitchFamily="34" charset="0"/>
-              <a:buChar char="•"/>
-            </a:pPr>
-            <a:r>
-              <a:rPr lang="ko-KR" altLang="en-US" sz="2400" b="1" spc="-20" dirty="0">
-                <a:solidFill>
-                  <a:schemeClr val="accent6">
-                    <a:lumMod val="75000"/>
-                  </a:schemeClr>
-                </a:solidFill>
-                <a:latin typeface="나눔고딕" pitchFamily="50" charset="-127"/>
-                <a:ea typeface="나눔고딕" pitchFamily="50" charset="-127"/>
-              </a:rPr>
-              <a:t>무엇을 보여줄지 ➤ 데이터를 어떻게 분석할지를 고민</a:t>
-            </a:r>
-            <a:endParaRPr lang="en-US" altLang="ko-KR" sz="2400" b="1" spc="-20" dirty="0">
-              <a:solidFill>
-                <a:schemeClr val="accent6">
-                  <a:lumMod val="75000"/>
-                </a:schemeClr>
-              </a:solidFill>
-              <a:latin typeface="나눔고딕" pitchFamily="50" charset="-127"/>
-              <a:ea typeface="나눔고딕" pitchFamily="50" charset="-127"/>
-            </a:endParaRPr>
-          </a:p>
-          <a:p>
-            <a:pPr marL="342900" indent="-342900">
-              <a:lnSpc>
-                <a:spcPct val="150000"/>
-              </a:lnSpc>
-              <a:buFont typeface="Arial" panose="020B0604020202020204" pitchFamily="34" charset="0"/>
-              <a:buChar char="•"/>
-            </a:pPr>
-            <a:endParaRPr lang="en-US" altLang="ko-KR" sz="2400" b="1" spc="-20" dirty="0">
-              <a:solidFill>
-                <a:schemeClr val="accent6">
-                  <a:lumMod val="75000"/>
-                </a:schemeClr>
-              </a:solidFill>
-              <a:latin typeface="나눔고딕" pitchFamily="50" charset="-127"/>
-              <a:ea typeface="나눔고딕" pitchFamily="50" charset="-127"/>
-            </a:endParaRPr>
-          </a:p>
-          <a:p>
-            <a:pPr marL="342900" indent="-342900">
-              <a:lnSpc>
-                <a:spcPct val="150000"/>
-              </a:lnSpc>
-              <a:buFont typeface="Arial" panose="020B0604020202020204" pitchFamily="34" charset="0"/>
-              <a:buChar char="•"/>
-            </a:pPr>
-            <a:r>
-              <a:rPr lang="ko-KR" altLang="en-US" sz="2400" b="1" spc="-20" dirty="0">
-                <a:solidFill>
-                  <a:schemeClr val="accent6">
-                    <a:lumMod val="75000"/>
-                  </a:schemeClr>
-                </a:solidFill>
-                <a:latin typeface="나눔고딕" pitchFamily="50" charset="-127"/>
-                <a:ea typeface="나눔고딕" pitchFamily="50" charset="-127"/>
-              </a:rPr>
-              <a:t>다양한 </a:t>
-            </a:r>
-            <a:r>
-              <a:rPr lang="en-US" altLang="ko-KR" sz="2400" b="1" spc="-20" dirty="0">
-                <a:solidFill>
-                  <a:schemeClr val="accent6">
-                    <a:lumMod val="75000"/>
-                  </a:schemeClr>
-                </a:solidFill>
-                <a:latin typeface="나눔고딕" pitchFamily="50" charset="-127"/>
-                <a:ea typeface="나눔고딕" pitchFamily="50" charset="-127"/>
-              </a:rPr>
-              <a:t>Library , GUI, API </a:t>
-            </a:r>
-            <a:r>
-              <a:rPr lang="ko-KR" altLang="en-US" sz="2400" b="1" spc="-20" dirty="0">
-                <a:solidFill>
-                  <a:schemeClr val="accent6">
-                    <a:lumMod val="75000"/>
-                  </a:schemeClr>
-                </a:solidFill>
-                <a:latin typeface="나눔고딕" pitchFamily="50" charset="-127"/>
-                <a:ea typeface="나눔고딕" pitchFamily="50" charset="-127"/>
-              </a:rPr>
-              <a:t>활용의 필요성</a:t>
-            </a:r>
-            <a:endParaRPr lang="en-US" altLang="ko-KR" sz="2400" b="1" spc="-20" dirty="0">
-              <a:solidFill>
-                <a:schemeClr val="accent6">
-                  <a:lumMod val="75000"/>
-                </a:schemeClr>
-              </a:solidFill>
-              <a:latin typeface="나눔고딕" pitchFamily="50" charset="-127"/>
-              <a:ea typeface="나눔고딕" pitchFamily="50" charset="-127"/>
-            </a:endParaRPr>
-          </a:p>
-          <a:p>
-            <a:pPr>
-              <a:lnSpc>
-                <a:spcPct val="150000"/>
-              </a:lnSpc>
-            </a:pPr>
-            <a:endParaRPr lang="en-US" altLang="ko-KR" sz="2400" b="1" spc="-20" dirty="0">
-              <a:solidFill>
-                <a:schemeClr val="accent6">
-                  <a:lumMod val="75000"/>
-                </a:schemeClr>
-              </a:solidFill>
-              <a:latin typeface="나눔고딕" pitchFamily="50" charset="-127"/>
-              <a:ea typeface="나눔고딕" pitchFamily="50" charset="-127"/>
-            </a:endParaRPr>
-          </a:p>
-        </p:txBody>
-      </p:sp>
-    </p:spTree>
-    <p:extLst>
-      <p:ext uri="{BB962C8B-B14F-4D97-AF65-F5344CB8AC3E}">
-        <p14:creationId xmlns:p14="http://schemas.microsoft.com/office/powerpoint/2010/main" val="366957459"/>
       </p:ext>
     </p:extLst>
   </p:cSld>
